--- a/Diplomova Praca/PrezentaciaStatnice.pptx
+++ b/Diplomova Praca/PrezentaciaStatnice.pptx
@@ -10,11 +10,13 @@
     <p:sldId id="258" r:id="rId4"/>
     <p:sldId id="259" r:id="rId5"/>
     <p:sldId id="260" r:id="rId6"/>
-    <p:sldId id="261" r:id="rId7"/>
-    <p:sldId id="262" r:id="rId8"/>
-    <p:sldId id="263" r:id="rId9"/>
-    <p:sldId id="264" r:id="rId10"/>
-    <p:sldId id="265" r:id="rId11"/>
+    <p:sldId id="266" r:id="rId7"/>
+    <p:sldId id="261" r:id="rId8"/>
+    <p:sldId id="262" r:id="rId9"/>
+    <p:sldId id="263" r:id="rId10"/>
+    <p:sldId id="264" r:id="rId11"/>
+    <p:sldId id="265" r:id="rId12"/>
+    <p:sldId id="267" r:id="rId13"/>
   </p:sldIdLst>
   <p:sldSz cx="12192000" cy="6858000"/>
   <p:notesSz cx="6858000" cy="9144000"/>
@@ -113,6 +115,11 @@
       </a:defRPr>
     </a:lvl9pPr>
   </p:defaultTextStyle>
+  <p:extLst>
+    <p:ext uri="{EFAFB233-063F-42B5-8137-9DF3F51BA10A}">
+      <p15:sldGuideLst xmlns:p15="http://schemas.microsoft.com/office/powerpoint/2012/main"/>
+    </p:ext>
+  </p:extLst>
 </p:presentation>
 </file>
 
@@ -306,7 +313,7 @@
           <a:p>
             <a:fld id="{F3D45E13-900A-465E-9D04-481F8B4CB488}" type="datetimeFigureOut">
               <a:rPr lang="sk-SK" smtClean="0"/>
-              <a:t>7. 6. 2017</a:t>
+              <a:t>8.6.2017</a:t>
             </a:fld>
             <a:endParaRPr lang="sk-SK"/>
           </a:p>
@@ -586,7 +593,7 @@
           <a:p>
             <a:fld id="{F3D45E13-900A-465E-9D04-481F8B4CB488}" type="datetimeFigureOut">
               <a:rPr lang="sk-SK" smtClean="0"/>
-              <a:t>7. 6. 2017</a:t>
+              <a:t>8.6.2017</a:t>
             </a:fld>
             <a:endParaRPr lang="sk-SK"/>
           </a:p>
@@ -780,7 +787,7 @@
           <a:p>
             <a:fld id="{F3D45E13-900A-465E-9D04-481F8B4CB488}" type="datetimeFigureOut">
               <a:rPr lang="sk-SK" smtClean="0"/>
-              <a:t>7. 6. 2017</a:t>
+              <a:t>8.6.2017</a:t>
             </a:fld>
             <a:endParaRPr lang="sk-SK"/>
           </a:p>
@@ -1053,7 +1060,7 @@
           <a:p>
             <a:fld id="{F3D45E13-900A-465E-9D04-481F8B4CB488}" type="datetimeFigureOut">
               <a:rPr lang="sk-SK" smtClean="0"/>
-              <a:t>7. 6. 2017</a:t>
+              <a:t>8.6.2017</a:t>
             </a:fld>
             <a:endParaRPr lang="sk-SK"/>
           </a:p>
@@ -1394,7 +1401,7 @@
           <a:p>
             <a:fld id="{F3D45E13-900A-465E-9D04-481F8B4CB488}" type="datetimeFigureOut">
               <a:rPr lang="sk-SK" smtClean="0"/>
-              <a:t>7. 6. 2017</a:t>
+              <a:t>8.6.2017</a:t>
             </a:fld>
             <a:endParaRPr lang="sk-SK"/>
           </a:p>
@@ -2017,7 +2024,7 @@
           <a:p>
             <a:fld id="{F3D45E13-900A-465E-9D04-481F8B4CB488}" type="datetimeFigureOut">
               <a:rPr lang="sk-SK" smtClean="0"/>
-              <a:t>7. 6. 2017</a:t>
+              <a:t>8.6.2017</a:t>
             </a:fld>
             <a:endParaRPr lang="sk-SK"/>
           </a:p>
@@ -2877,7 +2884,7 @@
           <a:p>
             <a:fld id="{F3D45E13-900A-465E-9D04-481F8B4CB488}" type="datetimeFigureOut">
               <a:rPr lang="sk-SK" smtClean="0"/>
-              <a:t>7. 6. 2017</a:t>
+              <a:t>8.6.2017</a:t>
             </a:fld>
             <a:endParaRPr lang="sk-SK"/>
           </a:p>
@@ -3047,7 +3054,7 @@
           <a:p>
             <a:fld id="{F3D45E13-900A-465E-9D04-481F8B4CB488}" type="datetimeFigureOut">
               <a:rPr lang="sk-SK" smtClean="0"/>
-              <a:t>7. 6. 2017</a:t>
+              <a:t>8.6.2017</a:t>
             </a:fld>
             <a:endParaRPr lang="sk-SK"/>
           </a:p>
@@ -3227,7 +3234,7 @@
           <a:p>
             <a:fld id="{F3D45E13-900A-465E-9D04-481F8B4CB488}" type="datetimeFigureOut">
               <a:rPr lang="sk-SK" smtClean="0"/>
-              <a:t>7. 6. 2017</a:t>
+              <a:t>8.6.2017</a:t>
             </a:fld>
             <a:endParaRPr lang="sk-SK"/>
           </a:p>
@@ -3397,7 +3404,7 @@
           <a:p>
             <a:fld id="{F3D45E13-900A-465E-9D04-481F8B4CB488}" type="datetimeFigureOut">
               <a:rPr lang="sk-SK" smtClean="0"/>
-              <a:t>7. 6. 2017</a:t>
+              <a:t>8.6.2017</a:t>
             </a:fld>
             <a:endParaRPr lang="sk-SK"/>
           </a:p>
@@ -3644,7 +3651,7 @@
           <a:p>
             <a:fld id="{F3D45E13-900A-465E-9D04-481F8B4CB488}" type="datetimeFigureOut">
               <a:rPr lang="sk-SK" smtClean="0"/>
-              <a:t>7. 6. 2017</a:t>
+              <a:t>8.6.2017</a:t>
             </a:fld>
             <a:endParaRPr lang="sk-SK"/>
           </a:p>
@@ -3936,7 +3943,7 @@
           <a:p>
             <a:fld id="{F3D45E13-900A-465E-9D04-481F8B4CB488}" type="datetimeFigureOut">
               <a:rPr lang="sk-SK" smtClean="0"/>
-              <a:t>7. 6. 2017</a:t>
+              <a:t>8.6.2017</a:t>
             </a:fld>
             <a:endParaRPr lang="sk-SK"/>
           </a:p>
@@ -4385,7 +4392,7 @@
           <a:p>
             <a:fld id="{F3D45E13-900A-465E-9D04-481F8B4CB488}" type="datetimeFigureOut">
               <a:rPr lang="sk-SK" smtClean="0"/>
-              <a:t>7. 6. 2017</a:t>
+              <a:t>8.6.2017</a:t>
             </a:fld>
             <a:endParaRPr lang="sk-SK"/>
           </a:p>
@@ -4508,7 +4515,7 @@
           <a:p>
             <a:fld id="{F3D45E13-900A-465E-9D04-481F8B4CB488}" type="datetimeFigureOut">
               <a:rPr lang="sk-SK" smtClean="0"/>
-              <a:t>7. 6. 2017</a:t>
+              <a:t>8.6.2017</a:t>
             </a:fld>
             <a:endParaRPr lang="sk-SK"/>
           </a:p>
@@ -4603,7 +4610,7 @@
           <a:p>
             <a:fld id="{F3D45E13-900A-465E-9D04-481F8B4CB488}" type="datetimeFigureOut">
               <a:rPr lang="sk-SK" smtClean="0"/>
-              <a:t>7. 6. 2017</a:t>
+              <a:t>8.6.2017</a:t>
             </a:fld>
             <a:endParaRPr lang="sk-SK"/>
           </a:p>
@@ -4887,7 +4894,7 @@
           <a:p>
             <a:fld id="{F3D45E13-900A-465E-9D04-481F8B4CB488}" type="datetimeFigureOut">
               <a:rPr lang="sk-SK" smtClean="0"/>
-              <a:t>7. 6. 2017</a:t>
+              <a:t>8.6.2017</a:t>
             </a:fld>
             <a:endParaRPr lang="sk-SK"/>
           </a:p>
@@ -5167,7 +5174,7 @@
           <a:p>
             <a:fld id="{F3D45E13-900A-465E-9D04-481F8B4CB488}" type="datetimeFigureOut">
               <a:rPr lang="sk-SK" smtClean="0"/>
-              <a:t>7. 6. 2017</a:t>
+              <a:t>8.6.2017</a:t>
             </a:fld>
             <a:endParaRPr lang="sk-SK"/>
           </a:p>
@@ -5596,7 +5603,7 @@
           <a:p>
             <a:fld id="{F3D45E13-900A-465E-9D04-481F8B4CB488}" type="datetimeFigureOut">
               <a:rPr lang="sk-SK" smtClean="0"/>
-              <a:t>7. 6. 2017</a:t>
+              <a:t>8.6.2017</a:t>
             </a:fld>
             <a:endParaRPr lang="sk-SK"/>
           </a:p>
@@ -6177,27 +6184,6 @@
           </a:p>
         </p:txBody>
       </p:sp>
-      <p:sp>
-        <p:nvSpPr>
-          <p:cNvPr id="3" name="Subtitle 2"/>
-          <p:cNvSpPr>
-            <a:spLocks noGrp="1"/>
-          </p:cNvSpPr>
-          <p:nvPr>
-            <p:ph type="subTitle" idx="1"/>
-          </p:nvPr>
-        </p:nvSpPr>
-        <p:spPr/>
-        <p:txBody>
-          <a:bodyPr>
-            <a:normAutofit/>
-          </a:bodyPr>
-          <a:lstStyle/>
-          <a:p>
-            <a:endParaRPr lang="sk-SK" sz="3200" dirty="0"/>
-          </a:p>
-        </p:txBody>
-      </p:sp>
     </p:spTree>
     <p:extLst>
       <p:ext uri="{BB962C8B-B14F-4D97-AF65-F5344CB8AC3E}">
@@ -6245,19 +6231,850 @@
           <a:p>
             <a:r>
               <a:rPr lang="sk-SK" dirty="0"/>
-              <a:t>Závery</a:t>
-            </a:r>
-          </a:p>
-        </p:txBody>
-      </p:sp>
-      <p:sp>
-        <p:nvSpPr>
-          <p:cNvPr id="3" name="Content Placeholder 2"/>
-          <p:cNvSpPr>
-            <a:spLocks noGrp="1"/>
-          </p:cNvSpPr>
+              <a:t>Vyhodnotenie implementácie</a:t>
+            </a:r>
+          </a:p>
+        </p:txBody>
+      </p:sp>
+      <p:pic>
+        <p:nvPicPr>
+          <p:cNvPr id="4" name="Content Placeholder 3" descr="C:\Users\killerwife\AppData\Local\Microsoft\Windows\INetCache\Content.Word\output.png"/>
+          <p:cNvPicPr>
+            <a:picLocks noGrp="1"/>
+          </p:cNvPicPr>
           <p:nvPr>
             <p:ph idx="1"/>
+          </p:nvPr>
+        </p:nvPicPr>
+        <p:blipFill>
+          <a:blip r:embed="rId2" cstate="print">
+            <a:extLst>
+              <a:ext uri="{28A0092B-C50C-407E-A947-70E740481C1C}">
+                <a14:useLocalDpi xmlns:a14="http://schemas.microsoft.com/office/drawing/2010/main" val="0"/>
+              </a:ext>
+            </a:extLst>
+          </a:blip>
+          <a:srcRect/>
+          <a:stretch>
+            <a:fillRect/>
+          </a:stretch>
+        </p:blipFill>
+        <p:spPr bwMode="auto">
+          <a:xfrm>
+            <a:off x="6312422" y="1866657"/>
+            <a:ext cx="5382491" cy="4035829"/>
+          </a:xfrm>
+          <a:prstGeom prst="rect">
+            <a:avLst/>
+          </a:prstGeom>
+          <a:noFill/>
+          <a:ln>
+            <a:noFill/>
+          </a:ln>
+        </p:spPr>
+      </p:pic>
+      <p:sp>
+        <p:nvSpPr>
+          <p:cNvPr id="5" name="TextBox 4"/>
+          <p:cNvSpPr txBox="1"/>
+          <p:nvPr/>
+        </p:nvSpPr>
+        <p:spPr>
+          <a:xfrm>
+            <a:off x="646110" y="1853247"/>
+            <a:ext cx="4902433" cy="2031325"/>
+          </a:xfrm>
+          <a:prstGeom prst="rect">
+            <a:avLst/>
+          </a:prstGeom>
+          <a:noFill/>
+        </p:spPr>
+        <p:txBody>
+          <a:bodyPr wrap="square" rtlCol="0">
+            <a:spAutoFit/>
+          </a:bodyPr>
+          <a:lstStyle/>
+          <a:p>
+            <a:pPr marL="285750" indent="-285750">
+              <a:buFont typeface="Wingdings" panose="05000000000000000000" pitchFamily="2" charset="2"/>
+              <a:buChar char="Ø"/>
+            </a:pPr>
+            <a:r>
+              <a:rPr lang="sk-SK" dirty="0"/>
+              <a:t>Vizuálne vyhodnotenie – podáva porovnateľné výsledky</a:t>
+            </a:r>
+          </a:p>
+          <a:p>
+            <a:pPr marL="285750" indent="-285750">
+              <a:buFont typeface="Wingdings" panose="05000000000000000000" pitchFamily="2" charset="2"/>
+              <a:buChar char="Ø"/>
+            </a:pPr>
+            <a:r>
+              <a:rPr lang="sk-SK" dirty="0"/>
+              <a:t>Datové vyhodnotenie voči anotáciám </a:t>
+            </a:r>
+          </a:p>
+          <a:p>
+            <a:pPr marL="285750" indent="-285750">
+              <a:buFont typeface="Arial" panose="020B0604020202020204" pitchFamily="34" charset="0"/>
+              <a:buChar char="•"/>
+            </a:pPr>
+            <a:r>
+              <a:rPr lang="sk-SK" dirty="0"/>
+              <a:t>Pomalší – 1.1s voči 0.3s (Haar) </a:t>
+            </a:r>
+          </a:p>
+          <a:p>
+            <a:pPr marL="285750" indent="-285750">
+              <a:buFont typeface="Arial" panose="020B0604020202020204" pitchFamily="34" charset="0"/>
+              <a:buChar char="•"/>
+            </a:pPr>
+            <a:r>
+              <a:rPr lang="sk-SK" dirty="0"/>
+              <a:t>Detailnejší – 59% úspešnosť voči 49% úspešnosti (Haar)</a:t>
+            </a:r>
+          </a:p>
+          <a:p>
+            <a:pPr marL="285750" indent="-285750">
+              <a:buFont typeface="Arial" panose="020B0604020202020204" pitchFamily="34" charset="0"/>
+              <a:buChar char="•"/>
+            </a:pPr>
+            <a:r>
+              <a:rPr lang="sk-SK" dirty="0"/>
+              <a:t>Vhodný na experimentovanie na GPU</a:t>
+            </a:r>
+          </a:p>
+        </p:txBody>
+      </p:sp>
+      <p:graphicFrame>
+        <p:nvGraphicFramePr>
+          <p:cNvPr id="3" name="Table 2"/>
+          <p:cNvGraphicFramePr>
+            <a:graphicFrameLocks noGrp="1"/>
+          </p:cNvGraphicFramePr>
+          <p:nvPr>
+            <p:extLst>
+              <p:ext uri="{D42A27DB-BD31-4B8C-83A1-F6EECF244321}">
+                <p14:modId xmlns:p14="http://schemas.microsoft.com/office/powerpoint/2010/main" val="734005043"/>
+              </p:ext>
+            </p:extLst>
+          </p:nvPr>
+        </p:nvGraphicFramePr>
+        <p:xfrm>
+          <a:off x="646110" y="4599200"/>
+          <a:ext cx="5536565" cy="1371600"/>
+        </p:xfrm>
+        <a:graphic>
+          <a:graphicData uri="http://schemas.openxmlformats.org/drawingml/2006/table">
+            <a:tbl>
+              <a:tblPr firstRow="1" firstCol="1" bandRow="1">
+                <a:tableStyleId>{5C22544A-7EE6-4342-B048-85BDC9FD1C3A}</a:tableStyleId>
+              </a:tblPr>
+              <a:tblGrid>
+                <a:gridCol w="1387475">
+                  <a:extLst>
+                    <a:ext uri="{9D8B030D-6E8A-4147-A177-3AD203B41FA5}">
+                      <a16:colId xmlns:a16="http://schemas.microsoft.com/office/drawing/2014/main" val="2411066743"/>
+                    </a:ext>
+                  </a:extLst>
+                </a:gridCol>
+                <a:gridCol w="567572">
+                  <a:extLst>
+                    <a:ext uri="{9D8B030D-6E8A-4147-A177-3AD203B41FA5}">
+                      <a16:colId xmlns:a16="http://schemas.microsoft.com/office/drawing/2014/main" val="2879131693"/>
+                    </a:ext>
+                  </a:extLst>
+                </a:gridCol>
+                <a:gridCol w="885308">
+                  <a:extLst>
+                    <a:ext uri="{9D8B030D-6E8A-4147-A177-3AD203B41FA5}">
+                      <a16:colId xmlns:a16="http://schemas.microsoft.com/office/drawing/2014/main" val="3567354075"/>
+                    </a:ext>
+                  </a:extLst>
+                </a:gridCol>
+                <a:gridCol w="994410">
+                  <a:extLst>
+                    <a:ext uri="{9D8B030D-6E8A-4147-A177-3AD203B41FA5}">
+                      <a16:colId xmlns:a16="http://schemas.microsoft.com/office/drawing/2014/main" val="3431440690"/>
+                    </a:ext>
+                  </a:extLst>
+                </a:gridCol>
+                <a:gridCol w="864870">
+                  <a:extLst>
+                    <a:ext uri="{9D8B030D-6E8A-4147-A177-3AD203B41FA5}">
+                      <a16:colId xmlns:a16="http://schemas.microsoft.com/office/drawing/2014/main" val="1864000901"/>
+                    </a:ext>
+                  </a:extLst>
+                </a:gridCol>
+                <a:gridCol w="836930">
+                  <a:extLst>
+                    <a:ext uri="{9D8B030D-6E8A-4147-A177-3AD203B41FA5}">
+                      <a16:colId xmlns:a16="http://schemas.microsoft.com/office/drawing/2014/main" val="2310017867"/>
+                    </a:ext>
+                  </a:extLst>
+                </a:gridCol>
+              </a:tblGrid>
+              <a:tr h="0">
+                <a:tc>
+                  <a:txBody>
+                    <a:bodyPr/>
+                    <a:lstStyle/>
+                    <a:p>
+                      <a:pPr marL="0" marR="0" indent="0" algn="just">
+                        <a:lnSpc>
+                          <a:spcPct val="150000"/>
+                        </a:lnSpc>
+                        <a:spcBef>
+                          <a:spcPts val="600"/>
+                        </a:spcBef>
+                        <a:spcAft>
+                          <a:spcPts val="0"/>
+                        </a:spcAft>
+                      </a:pPr>
+                      <a:r>
+                        <a:rPr lang="sk-SK" sz="1200" dirty="0">
+                          <a:effectLst/>
+                        </a:rPr>
+                        <a:t>Deskriptor</a:t>
+                      </a:r>
+                      <a:r>
+                        <a:rPr lang="en-US" sz="1200" dirty="0">
+                          <a:effectLst/>
+                        </a:rPr>
+                        <a:t>\</a:t>
+                      </a:r>
+                      <a:endParaRPr lang="sk-SK" sz="1200" dirty="0">
+                        <a:effectLst/>
+                      </a:endParaRPr>
+                    </a:p>
+                    <a:p>
+                      <a:pPr marL="0" marR="0" indent="0" algn="just">
+                        <a:lnSpc>
+                          <a:spcPct val="150000"/>
+                        </a:lnSpc>
+                        <a:spcBef>
+                          <a:spcPts val="600"/>
+                        </a:spcBef>
+                        <a:spcAft>
+                          <a:spcPts val="0"/>
+                        </a:spcAft>
+                      </a:pPr>
+                      <a:r>
+                        <a:rPr lang="sk-SK" sz="1200" dirty="0">
+                          <a:effectLst/>
+                        </a:rPr>
+                        <a:t>Hodnota</a:t>
+                      </a:r>
+                      <a:endParaRPr lang="en-US" sz="1200" dirty="0">
+                        <a:effectLst/>
+                        <a:latin typeface="Calibri" panose="020F0502020204030204" pitchFamily="34" charset="0"/>
+                        <a:ea typeface="Times New Roman" panose="02020603050405020304" pitchFamily="18" charset="0"/>
+                        <a:cs typeface="Times New Roman" panose="02020603050405020304" pitchFamily="18" charset="0"/>
+                      </a:endParaRPr>
+                    </a:p>
+                  </a:txBody>
+                  <a:tcPr marL="68580" marR="68580" marT="0" marB="0"/>
+                </a:tc>
+                <a:tc>
+                  <a:txBody>
+                    <a:bodyPr/>
+                    <a:lstStyle/>
+                    <a:p>
+                      <a:pPr marL="0" marR="0" indent="0" algn="just">
+                        <a:lnSpc>
+                          <a:spcPct val="150000"/>
+                        </a:lnSpc>
+                        <a:spcBef>
+                          <a:spcPts val="600"/>
+                        </a:spcBef>
+                        <a:spcAft>
+                          <a:spcPts val="0"/>
+                        </a:spcAft>
+                      </a:pPr>
+                      <a:r>
+                        <a:rPr lang="sk-SK" sz="1200" dirty="0">
+                          <a:effectLst/>
+                        </a:rPr>
+                        <a:t> </a:t>
+                      </a:r>
+                      <a:endParaRPr lang="en-US" sz="1200" dirty="0">
+                        <a:effectLst/>
+                        <a:latin typeface="Calibri" panose="020F0502020204030204" pitchFamily="34" charset="0"/>
+                        <a:ea typeface="Times New Roman" panose="02020603050405020304" pitchFamily="18" charset="0"/>
+                        <a:cs typeface="Times New Roman" panose="02020603050405020304" pitchFamily="18" charset="0"/>
+                      </a:endParaRPr>
+                    </a:p>
+                  </a:txBody>
+                  <a:tcPr marL="68580" marR="68580" marT="0" marB="0"/>
+                </a:tc>
+                <a:tc>
+                  <a:txBody>
+                    <a:bodyPr/>
+                    <a:lstStyle/>
+                    <a:p>
+                      <a:pPr marL="0" marR="0" indent="0" algn="just">
+                        <a:lnSpc>
+                          <a:spcPct val="150000"/>
+                        </a:lnSpc>
+                        <a:spcBef>
+                          <a:spcPts val="600"/>
+                        </a:spcBef>
+                        <a:spcAft>
+                          <a:spcPts val="0"/>
+                        </a:spcAft>
+                      </a:pPr>
+                      <a:r>
+                        <a:rPr lang="sk-SK" sz="900" dirty="0">
+                          <a:effectLst/>
+                        </a:rPr>
+                        <a:t>Počet nájdených objektov</a:t>
+                      </a:r>
+                      <a:endParaRPr lang="en-US" sz="1200" dirty="0">
+                        <a:effectLst/>
+                        <a:latin typeface="Calibri" panose="020F0502020204030204" pitchFamily="34" charset="0"/>
+                        <a:ea typeface="Times New Roman" panose="02020603050405020304" pitchFamily="18" charset="0"/>
+                        <a:cs typeface="Times New Roman" panose="02020603050405020304" pitchFamily="18" charset="0"/>
+                      </a:endParaRPr>
+                    </a:p>
+                  </a:txBody>
+                  <a:tcPr marL="68580" marR="68580" marT="0" marB="0"/>
+                </a:tc>
+                <a:tc>
+                  <a:txBody>
+                    <a:bodyPr/>
+                    <a:lstStyle/>
+                    <a:p>
+                      <a:pPr marL="0" marR="0" indent="0" algn="just">
+                        <a:lnSpc>
+                          <a:spcPct val="150000"/>
+                        </a:lnSpc>
+                        <a:spcBef>
+                          <a:spcPts val="600"/>
+                        </a:spcBef>
+                        <a:spcAft>
+                          <a:spcPts val="0"/>
+                        </a:spcAft>
+                      </a:pPr>
+                      <a:r>
+                        <a:rPr lang="sk-SK" sz="900">
+                          <a:effectLst/>
+                        </a:rPr>
+                        <a:t>Počet nenájdených objektov</a:t>
+                      </a:r>
+                      <a:endParaRPr lang="en-US" sz="1200">
+                        <a:effectLst/>
+                        <a:latin typeface="Calibri" panose="020F0502020204030204" pitchFamily="34" charset="0"/>
+                        <a:ea typeface="Times New Roman" panose="02020603050405020304" pitchFamily="18" charset="0"/>
+                        <a:cs typeface="Times New Roman" panose="02020603050405020304" pitchFamily="18" charset="0"/>
+                      </a:endParaRPr>
+                    </a:p>
+                  </a:txBody>
+                  <a:tcPr marL="68580" marR="68580" marT="0" marB="0"/>
+                </a:tc>
+                <a:tc>
+                  <a:txBody>
+                    <a:bodyPr/>
+                    <a:lstStyle/>
+                    <a:p>
+                      <a:pPr marL="0" marR="0" indent="0" algn="just">
+                        <a:lnSpc>
+                          <a:spcPct val="150000"/>
+                        </a:lnSpc>
+                        <a:spcBef>
+                          <a:spcPts val="600"/>
+                        </a:spcBef>
+                        <a:spcAft>
+                          <a:spcPts val="0"/>
+                        </a:spcAft>
+                      </a:pPr>
+                      <a:r>
+                        <a:rPr lang="sk-SK" sz="900">
+                          <a:effectLst/>
+                        </a:rPr>
+                        <a:t>Počet chybných nálezov</a:t>
+                      </a:r>
+                      <a:endParaRPr lang="en-US" sz="1200">
+                        <a:effectLst/>
+                        <a:latin typeface="Calibri" panose="020F0502020204030204" pitchFamily="34" charset="0"/>
+                        <a:ea typeface="Times New Roman" panose="02020603050405020304" pitchFamily="18" charset="0"/>
+                        <a:cs typeface="Times New Roman" panose="02020603050405020304" pitchFamily="18" charset="0"/>
+                      </a:endParaRPr>
+                    </a:p>
+                  </a:txBody>
+                  <a:tcPr marL="68580" marR="68580" marT="0" marB="0"/>
+                </a:tc>
+                <a:tc>
+                  <a:txBody>
+                    <a:bodyPr/>
+                    <a:lstStyle/>
+                    <a:p>
+                      <a:pPr marL="0" marR="0" indent="0" algn="just">
+                        <a:lnSpc>
+                          <a:spcPct val="150000"/>
+                        </a:lnSpc>
+                        <a:spcBef>
+                          <a:spcPts val="600"/>
+                        </a:spcBef>
+                        <a:spcAft>
+                          <a:spcPts val="0"/>
+                        </a:spcAft>
+                      </a:pPr>
+                      <a:r>
+                        <a:rPr lang="sk-SK" sz="900">
+                          <a:effectLst/>
+                        </a:rPr>
+                        <a:t>Počet všetkých nájdených objektov</a:t>
+                      </a:r>
+                      <a:endParaRPr lang="en-US" sz="1200">
+                        <a:effectLst/>
+                        <a:latin typeface="Calibri" panose="020F0502020204030204" pitchFamily="34" charset="0"/>
+                        <a:ea typeface="Times New Roman" panose="02020603050405020304" pitchFamily="18" charset="0"/>
+                        <a:cs typeface="Times New Roman" panose="02020603050405020304" pitchFamily="18" charset="0"/>
+                      </a:endParaRPr>
+                    </a:p>
+                  </a:txBody>
+                  <a:tcPr marL="68580" marR="68580" marT="0" marB="0"/>
+                </a:tc>
+                <a:extLst>
+                  <a:ext uri="{0D108BD9-81ED-4DB2-BD59-A6C34878D82A}">
+                    <a16:rowId xmlns:a16="http://schemas.microsoft.com/office/drawing/2014/main" val="1697845092"/>
+                  </a:ext>
+                </a:extLst>
+              </a:tr>
+              <a:tr h="0">
+                <a:tc>
+                  <a:txBody>
+                    <a:bodyPr/>
+                    <a:lstStyle/>
+                    <a:p>
+                      <a:pPr marL="0" marR="0" indent="0" algn="just">
+                        <a:lnSpc>
+                          <a:spcPct val="150000"/>
+                        </a:lnSpc>
+                        <a:spcBef>
+                          <a:spcPts val="600"/>
+                        </a:spcBef>
+                        <a:spcAft>
+                          <a:spcPts val="0"/>
+                        </a:spcAft>
+                      </a:pPr>
+                      <a:r>
+                        <a:rPr lang="sk-SK" sz="1200" dirty="0">
+                          <a:effectLst/>
+                        </a:rPr>
+                        <a:t>Haarové vlnky</a:t>
+                      </a:r>
+                      <a:endParaRPr lang="en-US" sz="1200" dirty="0">
+                        <a:effectLst/>
+                        <a:latin typeface="Calibri" panose="020F0502020204030204" pitchFamily="34" charset="0"/>
+                        <a:ea typeface="Times New Roman" panose="02020603050405020304" pitchFamily="18" charset="0"/>
+                        <a:cs typeface="Times New Roman" panose="02020603050405020304" pitchFamily="18" charset="0"/>
+                      </a:endParaRPr>
+                    </a:p>
+                  </a:txBody>
+                  <a:tcPr marL="68580" marR="68580" marT="0" marB="0"/>
+                </a:tc>
+                <a:tc>
+                  <a:txBody>
+                    <a:bodyPr/>
+                    <a:lstStyle/>
+                    <a:p>
+                      <a:pPr marL="0" marR="0" indent="0" algn="just">
+                        <a:lnSpc>
+                          <a:spcPct val="150000"/>
+                        </a:lnSpc>
+                        <a:spcBef>
+                          <a:spcPts val="600"/>
+                        </a:spcBef>
+                        <a:spcAft>
+                          <a:spcPts val="0"/>
+                        </a:spcAft>
+                      </a:pPr>
+                      <a:endParaRPr lang="en-US" sz="1200" dirty="0">
+                        <a:effectLst/>
+                        <a:latin typeface="Calibri" panose="020F0502020204030204" pitchFamily="34" charset="0"/>
+                        <a:ea typeface="Times New Roman" panose="02020603050405020304" pitchFamily="18" charset="0"/>
+                        <a:cs typeface="Times New Roman" panose="02020603050405020304" pitchFamily="18" charset="0"/>
+                      </a:endParaRPr>
+                    </a:p>
+                  </a:txBody>
+                  <a:tcPr marL="68580" marR="68580" marT="0" marB="0"/>
+                </a:tc>
+                <a:tc>
+                  <a:txBody>
+                    <a:bodyPr/>
+                    <a:lstStyle/>
+                    <a:p>
+                      <a:pPr marL="0" marR="0" indent="0" algn="just">
+                        <a:lnSpc>
+                          <a:spcPct val="150000"/>
+                        </a:lnSpc>
+                        <a:spcBef>
+                          <a:spcPts val="600"/>
+                        </a:spcBef>
+                        <a:spcAft>
+                          <a:spcPts val="0"/>
+                        </a:spcAft>
+                      </a:pPr>
+                      <a:r>
+                        <a:rPr lang="sk-SK" sz="1200" dirty="0">
+                          <a:effectLst/>
+                        </a:rPr>
+                        <a:t>1698</a:t>
+                      </a:r>
+                      <a:endParaRPr lang="en-US" sz="1200" dirty="0">
+                        <a:effectLst/>
+                        <a:latin typeface="Calibri" panose="020F0502020204030204" pitchFamily="34" charset="0"/>
+                        <a:ea typeface="Times New Roman" panose="02020603050405020304" pitchFamily="18" charset="0"/>
+                        <a:cs typeface="Times New Roman" panose="02020603050405020304" pitchFamily="18" charset="0"/>
+                      </a:endParaRPr>
+                    </a:p>
+                  </a:txBody>
+                  <a:tcPr marL="68580" marR="68580" marT="0" marB="0"/>
+                </a:tc>
+                <a:tc>
+                  <a:txBody>
+                    <a:bodyPr/>
+                    <a:lstStyle/>
+                    <a:p>
+                      <a:pPr marL="0" marR="0" indent="0" algn="just">
+                        <a:lnSpc>
+                          <a:spcPct val="150000"/>
+                        </a:lnSpc>
+                        <a:spcBef>
+                          <a:spcPts val="600"/>
+                        </a:spcBef>
+                        <a:spcAft>
+                          <a:spcPts val="0"/>
+                        </a:spcAft>
+                      </a:pPr>
+                      <a:r>
+                        <a:rPr lang="sk-SK" sz="1200">
+                          <a:effectLst/>
+                        </a:rPr>
+                        <a:t>1382</a:t>
+                      </a:r>
+                      <a:endParaRPr lang="en-US" sz="1200">
+                        <a:effectLst/>
+                        <a:latin typeface="Calibri" panose="020F0502020204030204" pitchFamily="34" charset="0"/>
+                        <a:ea typeface="Times New Roman" panose="02020603050405020304" pitchFamily="18" charset="0"/>
+                        <a:cs typeface="Times New Roman" panose="02020603050405020304" pitchFamily="18" charset="0"/>
+                      </a:endParaRPr>
+                    </a:p>
+                  </a:txBody>
+                  <a:tcPr marL="68580" marR="68580" marT="0" marB="0"/>
+                </a:tc>
+                <a:tc>
+                  <a:txBody>
+                    <a:bodyPr/>
+                    <a:lstStyle/>
+                    <a:p>
+                      <a:pPr marL="0" marR="0" indent="0" algn="just">
+                        <a:lnSpc>
+                          <a:spcPct val="150000"/>
+                        </a:lnSpc>
+                        <a:spcBef>
+                          <a:spcPts val="600"/>
+                        </a:spcBef>
+                        <a:spcAft>
+                          <a:spcPts val="0"/>
+                        </a:spcAft>
+                      </a:pPr>
+                      <a:r>
+                        <a:rPr lang="sk-SK" sz="1200">
+                          <a:effectLst/>
+                        </a:rPr>
+                        <a:t>1154</a:t>
+                      </a:r>
+                      <a:endParaRPr lang="en-US" sz="1200">
+                        <a:effectLst/>
+                        <a:latin typeface="Calibri" panose="020F0502020204030204" pitchFamily="34" charset="0"/>
+                        <a:ea typeface="Times New Roman" panose="02020603050405020304" pitchFamily="18" charset="0"/>
+                        <a:cs typeface="Times New Roman" panose="02020603050405020304" pitchFamily="18" charset="0"/>
+                      </a:endParaRPr>
+                    </a:p>
+                  </a:txBody>
+                  <a:tcPr marL="68580" marR="68580" marT="0" marB="0"/>
+                </a:tc>
+                <a:tc>
+                  <a:txBody>
+                    <a:bodyPr/>
+                    <a:lstStyle/>
+                    <a:p>
+                      <a:pPr marL="0" marR="0" indent="0" algn="just">
+                        <a:lnSpc>
+                          <a:spcPct val="150000"/>
+                        </a:lnSpc>
+                        <a:spcBef>
+                          <a:spcPts val="600"/>
+                        </a:spcBef>
+                        <a:spcAft>
+                          <a:spcPts val="0"/>
+                        </a:spcAft>
+                      </a:pPr>
+                      <a:r>
+                        <a:rPr lang="sk-SK" sz="1200">
+                          <a:effectLst/>
+                        </a:rPr>
+                        <a:t>2913</a:t>
+                      </a:r>
+                      <a:endParaRPr lang="en-US" sz="1200">
+                        <a:effectLst/>
+                        <a:latin typeface="Calibri" panose="020F0502020204030204" pitchFamily="34" charset="0"/>
+                        <a:ea typeface="Times New Roman" panose="02020603050405020304" pitchFamily="18" charset="0"/>
+                        <a:cs typeface="Times New Roman" panose="02020603050405020304" pitchFamily="18" charset="0"/>
+                      </a:endParaRPr>
+                    </a:p>
+                  </a:txBody>
+                  <a:tcPr marL="68580" marR="68580" marT="0" marB="0"/>
+                </a:tc>
+                <a:extLst>
+                  <a:ext uri="{0D108BD9-81ED-4DB2-BD59-A6C34878D82A}">
+                    <a16:rowId xmlns:a16="http://schemas.microsoft.com/office/drawing/2014/main" val="4278491122"/>
+                  </a:ext>
+                </a:extLst>
+              </a:tr>
+              <a:tr h="0">
+                <a:tc>
+                  <a:txBody>
+                    <a:bodyPr/>
+                    <a:lstStyle/>
+                    <a:p>
+                      <a:pPr marL="0" marR="0" indent="0" algn="just">
+                        <a:lnSpc>
+                          <a:spcPct val="150000"/>
+                        </a:lnSpc>
+                        <a:spcBef>
+                          <a:spcPts val="600"/>
+                        </a:spcBef>
+                        <a:spcAft>
+                          <a:spcPts val="0"/>
+                        </a:spcAft>
+                      </a:pPr>
+                      <a:r>
+                        <a:rPr lang="sk-SK" sz="1200">
+                          <a:effectLst/>
+                        </a:rPr>
+                        <a:t>SHOG</a:t>
+                      </a:r>
+                      <a:endParaRPr lang="en-US" sz="1200">
+                        <a:effectLst/>
+                        <a:latin typeface="Calibri" panose="020F0502020204030204" pitchFamily="34" charset="0"/>
+                        <a:ea typeface="Times New Roman" panose="02020603050405020304" pitchFamily="18" charset="0"/>
+                        <a:cs typeface="Times New Roman" panose="02020603050405020304" pitchFamily="18" charset="0"/>
+                      </a:endParaRPr>
+                    </a:p>
+                  </a:txBody>
+                  <a:tcPr marL="68580" marR="68580" marT="0" marB="0"/>
+                </a:tc>
+                <a:tc>
+                  <a:txBody>
+                    <a:bodyPr/>
+                    <a:lstStyle/>
+                    <a:p>
+                      <a:pPr marL="0" marR="0" indent="0" algn="just">
+                        <a:lnSpc>
+                          <a:spcPct val="150000"/>
+                        </a:lnSpc>
+                        <a:spcBef>
+                          <a:spcPts val="600"/>
+                        </a:spcBef>
+                        <a:spcAft>
+                          <a:spcPts val="0"/>
+                        </a:spcAft>
+                      </a:pPr>
+                      <a:r>
+                        <a:rPr lang="sk-SK" sz="1200" dirty="0">
+                          <a:effectLst/>
+                        </a:rPr>
+                        <a:t> </a:t>
+                      </a:r>
+                      <a:endParaRPr lang="en-US" sz="1200" dirty="0">
+                        <a:effectLst/>
+                        <a:latin typeface="Calibri" panose="020F0502020204030204" pitchFamily="34" charset="0"/>
+                        <a:ea typeface="Times New Roman" panose="02020603050405020304" pitchFamily="18" charset="0"/>
+                        <a:cs typeface="Times New Roman" panose="02020603050405020304" pitchFamily="18" charset="0"/>
+                      </a:endParaRPr>
+                    </a:p>
+                  </a:txBody>
+                  <a:tcPr marL="68580" marR="68580" marT="0" marB="0"/>
+                </a:tc>
+                <a:tc>
+                  <a:txBody>
+                    <a:bodyPr/>
+                    <a:lstStyle/>
+                    <a:p>
+                      <a:pPr marL="0" marR="0" indent="0" algn="just">
+                        <a:lnSpc>
+                          <a:spcPct val="150000"/>
+                        </a:lnSpc>
+                        <a:spcBef>
+                          <a:spcPts val="600"/>
+                        </a:spcBef>
+                        <a:spcAft>
+                          <a:spcPts val="0"/>
+                        </a:spcAft>
+                      </a:pPr>
+                      <a:r>
+                        <a:rPr lang="sk-SK" sz="1200" dirty="0">
+                          <a:effectLst/>
+                        </a:rPr>
+                        <a:t>2027</a:t>
+                      </a:r>
+                      <a:endParaRPr lang="en-US" sz="1200" dirty="0">
+                        <a:effectLst/>
+                        <a:latin typeface="Calibri" panose="020F0502020204030204" pitchFamily="34" charset="0"/>
+                        <a:ea typeface="Times New Roman" panose="02020603050405020304" pitchFamily="18" charset="0"/>
+                        <a:cs typeface="Times New Roman" panose="02020603050405020304" pitchFamily="18" charset="0"/>
+                      </a:endParaRPr>
+                    </a:p>
+                  </a:txBody>
+                  <a:tcPr marL="68580" marR="68580" marT="0" marB="0"/>
+                </a:tc>
+                <a:tc>
+                  <a:txBody>
+                    <a:bodyPr/>
+                    <a:lstStyle/>
+                    <a:p>
+                      <a:pPr marL="0" marR="0" indent="0" algn="just">
+                        <a:lnSpc>
+                          <a:spcPct val="150000"/>
+                        </a:lnSpc>
+                        <a:spcBef>
+                          <a:spcPts val="600"/>
+                        </a:spcBef>
+                        <a:spcAft>
+                          <a:spcPts val="0"/>
+                        </a:spcAft>
+                      </a:pPr>
+                      <a:r>
+                        <a:rPr lang="sk-SK" sz="1200">
+                          <a:effectLst/>
+                        </a:rPr>
+                        <a:t>1053</a:t>
+                      </a:r>
+                      <a:endParaRPr lang="en-US" sz="1200">
+                        <a:effectLst/>
+                        <a:latin typeface="Calibri" panose="020F0502020204030204" pitchFamily="34" charset="0"/>
+                        <a:ea typeface="Times New Roman" panose="02020603050405020304" pitchFamily="18" charset="0"/>
+                        <a:cs typeface="Times New Roman" panose="02020603050405020304" pitchFamily="18" charset="0"/>
+                      </a:endParaRPr>
+                    </a:p>
+                  </a:txBody>
+                  <a:tcPr marL="68580" marR="68580" marT="0" marB="0"/>
+                </a:tc>
+                <a:tc>
+                  <a:txBody>
+                    <a:bodyPr/>
+                    <a:lstStyle/>
+                    <a:p>
+                      <a:pPr marL="0" marR="0" indent="0" algn="just">
+                        <a:lnSpc>
+                          <a:spcPct val="150000"/>
+                        </a:lnSpc>
+                        <a:spcBef>
+                          <a:spcPts val="600"/>
+                        </a:spcBef>
+                        <a:spcAft>
+                          <a:spcPts val="0"/>
+                        </a:spcAft>
+                      </a:pPr>
+                      <a:r>
+                        <a:rPr lang="sk-SK" sz="1200">
+                          <a:effectLst/>
+                        </a:rPr>
+                        <a:t>1598</a:t>
+                      </a:r>
+                      <a:endParaRPr lang="en-US" sz="1200">
+                        <a:effectLst/>
+                        <a:latin typeface="Calibri" panose="020F0502020204030204" pitchFamily="34" charset="0"/>
+                        <a:ea typeface="Times New Roman" panose="02020603050405020304" pitchFamily="18" charset="0"/>
+                        <a:cs typeface="Times New Roman" panose="02020603050405020304" pitchFamily="18" charset="0"/>
+                      </a:endParaRPr>
+                    </a:p>
+                  </a:txBody>
+                  <a:tcPr marL="68580" marR="68580" marT="0" marB="0"/>
+                </a:tc>
+                <a:tc>
+                  <a:txBody>
+                    <a:bodyPr/>
+                    <a:lstStyle/>
+                    <a:p>
+                      <a:pPr marL="0" marR="0" indent="0" algn="just">
+                        <a:lnSpc>
+                          <a:spcPct val="150000"/>
+                        </a:lnSpc>
+                        <a:spcBef>
+                          <a:spcPts val="600"/>
+                        </a:spcBef>
+                        <a:spcAft>
+                          <a:spcPts val="0"/>
+                        </a:spcAft>
+                      </a:pPr>
+                      <a:r>
+                        <a:rPr lang="sk-SK" sz="1200" dirty="0">
+                          <a:effectLst/>
+                        </a:rPr>
+                        <a:t>3663</a:t>
+                      </a:r>
+                      <a:endParaRPr lang="en-US" sz="1200" dirty="0">
+                        <a:effectLst/>
+                        <a:latin typeface="Calibri" panose="020F0502020204030204" pitchFamily="34" charset="0"/>
+                        <a:ea typeface="Times New Roman" panose="02020603050405020304" pitchFamily="18" charset="0"/>
+                        <a:cs typeface="Times New Roman" panose="02020603050405020304" pitchFamily="18" charset="0"/>
+                      </a:endParaRPr>
+                    </a:p>
+                  </a:txBody>
+                  <a:tcPr marL="68580" marR="68580" marT="0" marB="0"/>
+                </a:tc>
+                <a:extLst>
+                  <a:ext uri="{0D108BD9-81ED-4DB2-BD59-A6C34878D82A}">
+                    <a16:rowId xmlns:a16="http://schemas.microsoft.com/office/drawing/2014/main" val="1758138814"/>
+                  </a:ext>
+                </a:extLst>
+              </a:tr>
+            </a:tbl>
+          </a:graphicData>
+        </a:graphic>
+      </p:graphicFrame>
+    </p:spTree>
+    <p:extLst>
+      <p:ext uri="{BB962C8B-B14F-4D97-AF65-F5344CB8AC3E}">
+        <p14:creationId xmlns:p14="http://schemas.microsoft.com/office/powerpoint/2010/main" val="439717988"/>
+      </p:ext>
+    </p:extLst>
+  </p:cSld>
+  <p:clrMapOvr>
+    <a:masterClrMapping/>
+  </p:clrMapOvr>
+</p:sld>
+</file>
+
+<file path=ppt/slides/slide11.xml><?xml version="1.0" encoding="utf-8"?>
+<p:sld xmlns:a="http://schemas.openxmlformats.org/drawingml/2006/main" xmlns:r="http://schemas.openxmlformats.org/officeDocument/2006/relationships" xmlns:p="http://schemas.openxmlformats.org/presentationml/2006/main">
+  <p:cSld>
+    <p:spTree>
+      <p:nvGrpSpPr>
+        <p:cNvPr id="1" name=""/>
+        <p:cNvGrpSpPr/>
+        <p:nvPr/>
+      </p:nvGrpSpPr>
+      <p:grpSpPr>
+        <a:xfrm>
+          <a:off x="0" y="0"/>
+          <a:ext cx="0" cy="0"/>
+          <a:chOff x="0" y="0"/>
+          <a:chExt cx="0" cy="0"/>
+        </a:xfrm>
+      </p:grpSpPr>
+      <p:sp>
+        <p:nvSpPr>
+          <p:cNvPr id="2" name="Title 1"/>
+          <p:cNvSpPr>
+            <a:spLocks noGrp="1"/>
+          </p:cNvSpPr>
+          <p:nvPr>
+            <p:ph type="title"/>
           </p:nvPr>
         </p:nvSpPr>
         <p:spPr/>
@@ -6265,7 +7082,50 @@
           <a:bodyPr/>
           <a:lstStyle/>
           <a:p>
-            <a:endParaRPr lang="sk-SK"/>
+            <a:r>
+              <a:rPr lang="sk-SK" dirty="0"/>
+              <a:t>Závery</a:t>
+            </a:r>
+          </a:p>
+        </p:txBody>
+      </p:sp>
+      <p:sp>
+        <p:nvSpPr>
+          <p:cNvPr id="3" name="Content Placeholder 2"/>
+          <p:cNvSpPr>
+            <a:spLocks noGrp="1"/>
+          </p:cNvSpPr>
+          <p:nvPr>
+            <p:ph idx="1"/>
+          </p:nvPr>
+        </p:nvSpPr>
+        <p:spPr/>
+        <p:txBody>
+          <a:bodyPr/>
+          <a:lstStyle/>
+          <a:p>
+            <a:r>
+              <a:rPr lang="sk-SK" dirty="0"/>
+              <a:t>Zhodnotila sa funkčná implementácia SHOG deskriptora</a:t>
+            </a:r>
+          </a:p>
+          <a:p>
+            <a:r>
+              <a:rPr lang="sk-SK" dirty="0"/>
+              <a:t>Podarilo sa zrýchliť tréning Viola-Jones kaskády</a:t>
+            </a:r>
+          </a:p>
+          <a:p>
+            <a:r>
+              <a:rPr lang="sk-SK" dirty="0"/>
+              <a:t>Vytvorila sa dokumentácia dostupných riešení a ich rozšíriteľnosti</a:t>
+            </a:r>
+          </a:p>
+          <a:p>
+            <a:r>
+              <a:rPr lang="sk-SK" dirty="0"/>
+              <a:t>Možnosti rozšírenia v budúcnosti – GPU a ďalšie slabé klasifikátory</a:t>
+            </a:r>
           </a:p>
         </p:txBody>
       </p:sp>
@@ -6273,6 +7133,599 @@
     <p:extLst>
       <p:ext uri="{BB962C8B-B14F-4D97-AF65-F5344CB8AC3E}">
         <p14:creationId xmlns:p14="http://schemas.microsoft.com/office/powerpoint/2010/main" val="3713091664"/>
+      </p:ext>
+    </p:extLst>
+  </p:cSld>
+  <p:clrMapOvr>
+    <a:masterClrMapping/>
+  </p:clrMapOvr>
+</p:sld>
+</file>
+
+<file path=ppt/slides/slide12.xml><?xml version="1.0" encoding="utf-8"?>
+<p:sld xmlns:a="http://schemas.openxmlformats.org/drawingml/2006/main" xmlns:r="http://schemas.openxmlformats.org/officeDocument/2006/relationships" xmlns:p="http://schemas.openxmlformats.org/presentationml/2006/main">
+  <p:cSld>
+    <p:spTree>
+      <p:nvGrpSpPr>
+        <p:cNvPr id="1" name=""/>
+        <p:cNvGrpSpPr/>
+        <p:nvPr/>
+      </p:nvGrpSpPr>
+      <p:grpSpPr>
+        <a:xfrm>
+          <a:off x="0" y="0"/>
+          <a:ext cx="0" cy="0"/>
+          <a:chOff x="0" y="0"/>
+          <a:chExt cx="0" cy="0"/>
+        </a:xfrm>
+      </p:grpSpPr>
+      <p:sp>
+        <p:nvSpPr>
+          <p:cNvPr id="2" name="Title 1"/>
+          <p:cNvSpPr>
+            <a:spLocks noGrp="1"/>
+          </p:cNvSpPr>
+          <p:nvPr>
+            <p:ph type="title"/>
+          </p:nvPr>
+        </p:nvSpPr>
+        <p:spPr/>
+        <p:txBody>
+          <a:bodyPr/>
+          <a:lstStyle/>
+          <a:p>
+            <a:r>
+              <a:rPr lang="sk-SK" dirty="0"/>
+              <a:t>Otázky</a:t>
+            </a:r>
+            <a:endParaRPr lang="en-US" dirty="0"/>
+          </a:p>
+        </p:txBody>
+      </p:sp>
+      <p:sp>
+        <p:nvSpPr>
+          <p:cNvPr id="3" name="Content Placeholder 2"/>
+          <p:cNvSpPr>
+            <a:spLocks noGrp="1"/>
+          </p:cNvSpPr>
+          <p:nvPr>
+            <p:ph idx="1"/>
+          </p:nvPr>
+        </p:nvSpPr>
+        <p:spPr/>
+        <p:txBody>
+          <a:bodyPr/>
+          <a:lstStyle/>
+          <a:p>
+            <a:r>
+              <a:rPr lang="sk-SK" dirty="0"/>
+              <a:t>1. </a:t>
+            </a:r>
+            <a:r>
+              <a:rPr lang="en-US" dirty="0"/>
+              <a:t>M</a:t>
+            </a:r>
+            <a:r>
+              <a:rPr lang="sk-SK" dirty="0"/>
+              <a:t>ôž</a:t>
+            </a:r>
+            <a:r>
+              <a:rPr lang="en-US" dirty="0" err="1"/>
+              <a:t>ete</a:t>
+            </a:r>
+            <a:r>
+              <a:rPr lang="en-US" dirty="0"/>
+              <a:t> </a:t>
+            </a:r>
+            <a:r>
+              <a:rPr lang="en-US" dirty="0" err="1"/>
+              <a:t>teda</a:t>
+            </a:r>
+            <a:r>
+              <a:rPr lang="en-US" dirty="0"/>
+              <a:t> </a:t>
+            </a:r>
+            <a:r>
+              <a:rPr lang="en-US" dirty="0" err="1"/>
+              <a:t>presnej</a:t>
+            </a:r>
+            <a:r>
+              <a:rPr lang="sk-SK" dirty="0"/>
+              <a:t>š</a:t>
+            </a:r>
+            <a:r>
+              <a:rPr lang="en-US" dirty="0" err="1"/>
+              <a:t>ie</a:t>
+            </a:r>
+            <a:r>
+              <a:rPr lang="en-US" dirty="0"/>
+              <a:t> </a:t>
+            </a:r>
+            <a:r>
+              <a:rPr lang="en-US" dirty="0" err="1"/>
+              <a:t>uviest</a:t>
+            </a:r>
+            <a:r>
+              <a:rPr lang="en-US" dirty="0"/>
+              <a:t>’ v </a:t>
+            </a:r>
+            <a:r>
+              <a:rPr lang="sk-SK" dirty="0"/>
+              <a:t>č</a:t>
+            </a:r>
+            <a:r>
+              <a:rPr lang="en-US" dirty="0"/>
+              <a:t>om m</a:t>
+            </a:r>
+            <a:r>
+              <a:rPr lang="sk-SK" dirty="0"/>
+              <a:t>á</a:t>
+            </a:r>
+            <a:r>
+              <a:rPr lang="en-US" dirty="0"/>
+              <a:t> </a:t>
+            </a:r>
+            <a:r>
+              <a:rPr lang="en-US" dirty="0" err="1"/>
+              <a:t>spo</a:t>
+            </a:r>
+            <a:r>
+              <a:rPr lang="sk-SK" dirty="0"/>
+              <a:t>čí</a:t>
+            </a:r>
+            <a:r>
+              <a:rPr lang="en-US" dirty="0"/>
+              <a:t>vat’ </a:t>
+            </a:r>
+            <a:r>
+              <a:rPr lang="en-US" dirty="0" err="1"/>
+              <a:t>jeho</a:t>
+            </a:r>
+            <a:r>
+              <a:rPr lang="en-US" dirty="0"/>
+              <a:t> </a:t>
+            </a:r>
+            <a:r>
+              <a:rPr lang="en-US" dirty="0" err="1"/>
+              <a:t>schopnos</a:t>
+            </a:r>
+            <a:r>
+              <a:rPr lang="sk-SK" dirty="0"/>
+              <a:t>ť</a:t>
+            </a:r>
+            <a:r>
+              <a:rPr lang="en-US" dirty="0"/>
+              <a:t> by</a:t>
+            </a:r>
+            <a:r>
+              <a:rPr lang="sk-SK" dirty="0"/>
+              <a:t>ť</a:t>
+            </a:r>
+            <a:r>
+              <a:rPr lang="en-US" dirty="0"/>
+              <a:t> </a:t>
+            </a:r>
+            <a:r>
+              <a:rPr lang="en-US" dirty="0" err="1"/>
+              <a:t>pou</a:t>
+            </a:r>
+            <a:r>
+              <a:rPr lang="sk-SK" dirty="0"/>
+              <a:t>ž</a:t>
+            </a:r>
+            <a:r>
+              <a:rPr lang="en-US" dirty="0" err="1"/>
+              <a:t>ite</a:t>
+            </a:r>
+            <a:r>
+              <a:rPr lang="sk-SK" dirty="0"/>
+              <a:t>ľ</a:t>
+            </a:r>
+            <a:r>
+              <a:rPr lang="en-US" dirty="0"/>
+              <a:t>n</a:t>
+            </a:r>
+            <a:r>
+              <a:rPr lang="sk-SK" dirty="0"/>
+              <a:t>ý</a:t>
+            </a:r>
+            <a:r>
+              <a:rPr lang="en-US" dirty="0"/>
+              <a:t> </a:t>
+            </a:r>
+            <a:r>
+              <a:rPr lang="en-US" dirty="0" err="1"/>
+              <a:t>na</a:t>
+            </a:r>
+            <a:r>
+              <a:rPr lang="en-US" dirty="0"/>
+              <a:t> </a:t>
+            </a:r>
+            <a:r>
+              <a:rPr lang="en-US" dirty="0" err="1"/>
+              <a:t>konci</a:t>
+            </a:r>
+            <a:r>
+              <a:rPr lang="en-US" dirty="0"/>
+              <a:t> </a:t>
+            </a:r>
+            <a:r>
+              <a:rPr lang="en-US" dirty="0" err="1"/>
+              <a:t>kask</a:t>
+            </a:r>
+            <a:r>
+              <a:rPr lang="sk-SK" dirty="0"/>
+              <a:t>á</a:t>
+            </a:r>
+            <a:r>
+              <a:rPr lang="en-US" dirty="0" err="1"/>
+              <a:t>dy</a:t>
+            </a:r>
+            <a:r>
+              <a:rPr lang="en-US" dirty="0"/>
+              <a:t> a </a:t>
+            </a:r>
+            <a:r>
+              <a:rPr lang="sk-SK" dirty="0"/>
+              <a:t>č</a:t>
+            </a:r>
+            <a:r>
+              <a:rPr lang="en-US" dirty="0" err="1"/>
+              <a:t>i</a:t>
+            </a:r>
+            <a:r>
+              <a:rPr lang="en-US" dirty="0"/>
+              <a:t> </a:t>
+            </a:r>
+            <a:r>
+              <a:rPr lang="en-US" dirty="0" err="1"/>
+              <a:t>sa</a:t>
+            </a:r>
+            <a:r>
+              <a:rPr lang="en-US" dirty="0"/>
+              <a:t> t</a:t>
+            </a:r>
+            <a:r>
+              <a:rPr lang="sk-SK" dirty="0"/>
+              <a:t>á</a:t>
+            </a:r>
+            <a:r>
+              <a:rPr lang="en-US" dirty="0"/>
+              <a:t>to </a:t>
+            </a:r>
+            <a:r>
+              <a:rPr lang="en-US" dirty="0" err="1"/>
+              <a:t>schopnos</a:t>
+            </a:r>
+            <a:r>
+              <a:rPr lang="sk-SK" dirty="0"/>
+              <a:t>ť</a:t>
+            </a:r>
+            <a:r>
+              <a:rPr lang="en-US" dirty="0"/>
+              <a:t> </a:t>
+            </a:r>
+            <a:r>
+              <a:rPr lang="en-US" dirty="0" err="1"/>
+              <a:t>prejavila</a:t>
+            </a:r>
+            <a:r>
+              <a:rPr lang="en-US" dirty="0"/>
+              <a:t> </a:t>
+            </a:r>
+            <a:r>
+              <a:rPr lang="en-US" dirty="0" err="1"/>
+              <a:t>pri</a:t>
+            </a:r>
+            <a:r>
+              <a:rPr lang="en-US" dirty="0"/>
+              <a:t> </a:t>
+            </a:r>
+            <a:r>
+              <a:rPr lang="en-US" dirty="0" err="1"/>
+              <a:t>testovan</a:t>
+            </a:r>
+            <a:r>
+              <a:rPr lang="sk-SK" dirty="0"/>
+              <a:t>í</a:t>
+            </a:r>
+            <a:r>
+              <a:rPr lang="en-US" dirty="0"/>
+              <a:t>, </a:t>
+            </a:r>
+            <a:r>
+              <a:rPr lang="en-US" dirty="0" err="1"/>
+              <a:t>napr</a:t>
+            </a:r>
+            <a:r>
+              <a:rPr lang="en-US" dirty="0"/>
+              <a:t>. </a:t>
+            </a:r>
+            <a:r>
+              <a:rPr lang="en-US" dirty="0" err="1"/>
+              <a:t>pri</a:t>
+            </a:r>
+            <a:r>
+              <a:rPr lang="en-US" dirty="0"/>
+              <a:t> </a:t>
+            </a:r>
+            <a:r>
+              <a:rPr lang="en-US" dirty="0" err="1"/>
+              <a:t>porovnan</a:t>
+            </a:r>
+            <a:r>
+              <a:rPr lang="sk-SK" dirty="0"/>
+              <a:t>í</a:t>
+            </a:r>
+            <a:r>
+              <a:rPr lang="en-US" dirty="0"/>
+              <a:t> s </a:t>
+            </a:r>
+            <a:r>
+              <a:rPr lang="en-US" dirty="0" err="1"/>
+              <a:t>HAARov</a:t>
+            </a:r>
+            <a:r>
+              <a:rPr lang="sk-SK" dirty="0"/>
+              <a:t>ý</a:t>
+            </a:r>
+            <a:r>
+              <a:rPr lang="en-US" dirty="0"/>
+              <a:t>mi </a:t>
+            </a:r>
+            <a:r>
+              <a:rPr lang="en-US" dirty="0" err="1"/>
+              <a:t>vlnkami</a:t>
+            </a:r>
+            <a:r>
+              <a:rPr lang="en-US" dirty="0"/>
+              <a:t>? </a:t>
+            </a:r>
+            <a:endParaRPr lang="sk-SK" dirty="0"/>
+          </a:p>
+          <a:p>
+            <a:r>
+              <a:rPr lang="sk-SK" dirty="0"/>
+              <a:t>2. </a:t>
+            </a:r>
+            <a:r>
+              <a:rPr lang="en-US" dirty="0" err="1"/>
+              <a:t>Mohli</a:t>
+            </a:r>
+            <a:r>
+              <a:rPr lang="en-US" dirty="0"/>
+              <a:t> by </a:t>
+            </a:r>
+            <a:r>
+              <a:rPr lang="en-US" dirty="0" err="1"/>
+              <a:t>ste</a:t>
+            </a:r>
+            <a:r>
+              <a:rPr lang="en-US" dirty="0"/>
+              <a:t> </a:t>
+            </a:r>
+            <a:r>
+              <a:rPr lang="en-US" dirty="0" err="1"/>
+              <a:t>uvies</a:t>
+            </a:r>
+            <a:r>
+              <a:rPr lang="sk-SK" dirty="0"/>
+              <a:t>ť</a:t>
+            </a:r>
+            <a:r>
+              <a:rPr lang="en-US" dirty="0"/>
+              <a:t> </a:t>
+            </a:r>
+            <a:r>
+              <a:rPr lang="en-US" dirty="0" err="1"/>
+              <a:t>bli</a:t>
+            </a:r>
+            <a:r>
+              <a:rPr lang="sk-SK" dirty="0"/>
+              <a:t>žš</a:t>
+            </a:r>
+            <a:r>
+              <a:rPr lang="en-US" dirty="0" err="1"/>
+              <a:t>ie</a:t>
+            </a:r>
+            <a:r>
+              <a:rPr lang="en-US" dirty="0"/>
+              <a:t> </a:t>
+            </a:r>
+            <a:r>
+              <a:rPr lang="en-US" dirty="0" err="1"/>
+              <a:t>detaily</a:t>
+            </a:r>
+            <a:r>
+              <a:rPr lang="en-US" dirty="0"/>
+              <a:t> (</a:t>
+            </a:r>
+            <a:r>
+              <a:rPr lang="en-US" dirty="0" err="1"/>
+              <a:t>spom</a:t>
+            </a:r>
+            <a:r>
+              <a:rPr lang="sk-SK" dirty="0"/>
+              <a:t>í</a:t>
+            </a:r>
+            <a:r>
+              <a:rPr lang="en-US" dirty="0"/>
+              <a:t>nan</a:t>
+            </a:r>
+            <a:r>
+              <a:rPr lang="sk-SK" dirty="0"/>
+              <a:t>é</a:t>
+            </a:r>
+            <a:r>
+              <a:rPr lang="en-US" dirty="0"/>
+              <a:t> v </a:t>
+            </a:r>
+            <a:r>
+              <a:rPr lang="en-US" dirty="0" err="1"/>
+              <a:t>posudku</a:t>
+            </a:r>
+            <a:r>
+              <a:rPr lang="en-US" dirty="0"/>
+              <a:t> </a:t>
+            </a:r>
+            <a:r>
+              <a:rPr lang="en-US" dirty="0" err="1"/>
+              <a:t>vy</a:t>
+            </a:r>
+            <a:r>
+              <a:rPr lang="sk-SK" dirty="0"/>
+              <a:t>šš</a:t>
+            </a:r>
+            <a:r>
+              <a:rPr lang="en-US" dirty="0" err="1"/>
+              <a:t>ie</a:t>
+            </a:r>
+            <a:r>
+              <a:rPr lang="en-US" dirty="0"/>
+              <a:t>) </a:t>
+            </a:r>
+            <a:r>
+              <a:rPr lang="en-US" dirty="0" err="1"/>
+              <a:t>vykonan</a:t>
+            </a:r>
+            <a:r>
+              <a:rPr lang="sk-SK" dirty="0"/>
+              <a:t>ý</a:t>
+            </a:r>
+            <a:r>
+              <a:rPr lang="en-US" dirty="0" err="1"/>
+              <a:t>ch</a:t>
+            </a:r>
+            <a:r>
+              <a:rPr lang="en-US" dirty="0"/>
+              <a:t> </a:t>
+            </a:r>
+            <a:r>
+              <a:rPr lang="en-US" dirty="0" err="1"/>
+              <a:t>experimentov</a:t>
+            </a:r>
+            <a:r>
+              <a:rPr lang="en-US" dirty="0"/>
+              <a:t>? </a:t>
+            </a:r>
+            <a:endParaRPr lang="sk-SK" dirty="0"/>
+          </a:p>
+          <a:p>
+            <a:r>
+              <a:rPr lang="sk-SK" dirty="0"/>
+              <a:t>3. </a:t>
+            </a:r>
+            <a:r>
+              <a:rPr lang="en-US" dirty="0"/>
+              <a:t>Na </a:t>
+            </a:r>
+            <a:r>
+              <a:rPr lang="en-US" dirty="0" err="1"/>
+              <a:t>konkr</a:t>
+            </a:r>
+            <a:r>
+              <a:rPr lang="sk-SK" dirty="0"/>
+              <a:t>é</a:t>
+            </a:r>
+            <a:r>
+              <a:rPr lang="en-US" dirty="0" err="1"/>
+              <a:t>tnych</a:t>
+            </a:r>
+            <a:r>
+              <a:rPr lang="en-US" dirty="0"/>
+              <a:t> </a:t>
+            </a:r>
+            <a:r>
+              <a:rPr lang="en-US" dirty="0" err="1"/>
+              <a:t>hodnot</a:t>
+            </a:r>
+            <a:r>
+              <a:rPr lang="sk-SK" dirty="0"/>
+              <a:t>á</a:t>
+            </a:r>
+            <a:r>
+              <a:rPr lang="en-US" dirty="0" err="1"/>
+              <a:t>ch</a:t>
+            </a:r>
+            <a:r>
+              <a:rPr lang="en-US" dirty="0"/>
+              <a:t> </a:t>
+            </a:r>
+            <a:r>
+              <a:rPr lang="en-US" dirty="0" err="1"/>
+              <a:t>vysvetlite</a:t>
+            </a:r>
+            <a:r>
+              <a:rPr lang="en-US" dirty="0"/>
+              <a:t>, </a:t>
+            </a:r>
+            <a:r>
+              <a:rPr lang="en-US" dirty="0" err="1"/>
+              <a:t>ako</a:t>
+            </a:r>
+            <a:r>
+              <a:rPr lang="en-US" dirty="0"/>
+              <a:t> </a:t>
+            </a:r>
+            <a:r>
+              <a:rPr lang="en-US" dirty="0" err="1"/>
+              <a:t>sa</a:t>
+            </a:r>
+            <a:r>
+              <a:rPr lang="en-US" dirty="0"/>
+              <a:t> </a:t>
+            </a:r>
+            <a:r>
+              <a:rPr lang="en-US" dirty="0" err="1"/>
+              <a:t>po</a:t>
+            </a:r>
+            <a:r>
+              <a:rPr lang="sk-SK" dirty="0"/>
+              <a:t>čí</a:t>
+            </a:r>
+            <a:r>
+              <a:rPr lang="en-US" dirty="0"/>
+              <a:t>ta </a:t>
+            </a:r>
+            <a:r>
+              <a:rPr lang="en-US" dirty="0" err="1"/>
+              <a:t>deskriptor</a:t>
+            </a:r>
+            <a:r>
+              <a:rPr lang="en-US" dirty="0"/>
+              <a:t> SHOG z </a:t>
+            </a:r>
+            <a:r>
+              <a:rPr lang="en-US" dirty="0" err="1"/>
+              <a:t>pixelov</a:t>
+            </a:r>
+            <a:r>
+              <a:rPr lang="en-US" dirty="0"/>
+              <a:t> v </a:t>
+            </a:r>
+            <a:r>
+              <a:rPr lang="en-US" dirty="0" err="1"/>
+              <a:t>obr</a:t>
+            </a:r>
+            <a:r>
+              <a:rPr lang="sk-SK" dirty="0"/>
+              <a:t>á</a:t>
+            </a:r>
+            <a:r>
+              <a:rPr lang="en-US" dirty="0" err="1"/>
+              <a:t>zku</a:t>
+            </a:r>
+            <a:r>
+              <a:rPr lang="en-US" dirty="0"/>
+              <a:t>.</a:t>
+            </a:r>
+          </a:p>
+        </p:txBody>
+      </p:sp>
+    </p:spTree>
+    <p:extLst>
+      <p:ext uri="{BB962C8B-B14F-4D97-AF65-F5344CB8AC3E}">
+        <p14:creationId xmlns:p14="http://schemas.microsoft.com/office/powerpoint/2010/main" val="2176468858"/>
       </p:ext>
     </p:extLst>
   </p:cSld>
@@ -6351,6 +7804,12 @@
             <a:r>
               <a:rPr lang="sk-SK" dirty="0"/>
               <a:t>Výstup pre iné procesy</a:t>
+            </a:r>
+          </a:p>
+          <a:p>
+            <a:r>
+              <a:rPr lang="sk-SK" dirty="0"/>
+              <a:t>Dôraz na využitie najnovších technológií – náročnosť implementácií</a:t>
             </a:r>
           </a:p>
         </p:txBody>
@@ -6597,15 +8056,71 @@
             <p:ph idx="1"/>
           </p:nvPr>
         </p:nvSpPr>
-        <p:spPr/>
+        <p:spPr>
+          <a:xfrm>
+            <a:off x="1103312" y="2052918"/>
+            <a:ext cx="4738195" cy="4152573"/>
+          </a:xfrm>
+        </p:spPr>
         <p:txBody>
           <a:bodyPr/>
           <a:lstStyle/>
           <a:p>
-            <a:endParaRPr lang="sk-SK"/>
-          </a:p>
-        </p:txBody>
-      </p:sp>
+            <a:r>
+              <a:rPr lang="sk-SK" dirty="0"/>
+              <a:t>Meta-algoritmus strojového učenia</a:t>
+            </a:r>
+          </a:p>
+          <a:p>
+            <a:r>
+              <a:rPr lang="sk-SK" dirty="0"/>
+              <a:t>Využíva slabé klasifikátory – napríklad rozhodovacie stromy</a:t>
+            </a:r>
+          </a:p>
+          <a:p>
+            <a:r>
+              <a:rPr lang="sk-SK" dirty="0"/>
+              <a:t>Vážením slabých klasifikátorov vytvorí jeden silný klasifikátor</a:t>
+            </a:r>
+          </a:p>
+          <a:p>
+            <a:r>
+              <a:rPr lang="sk-SK" dirty="0"/>
+              <a:t>Existuje veľa variantov – DiscreteBoost, RealBoost, LogitBoost, GentleBoost</a:t>
+            </a:r>
+          </a:p>
+        </p:txBody>
+      </p:sp>
+      <p:pic>
+        <p:nvPicPr>
+          <p:cNvPr id="4" name="Picture 3"/>
+          <p:cNvPicPr>
+            <a:picLocks noChangeAspect="1"/>
+          </p:cNvPicPr>
+          <p:nvPr/>
+        </p:nvPicPr>
+        <p:blipFill>
+          <a:blip r:embed="rId2">
+            <a:extLst>
+              <a:ext uri="{28A0092B-C50C-407E-A947-70E740481C1C}">
+                <a14:useLocalDpi xmlns:a14="http://schemas.microsoft.com/office/drawing/2010/main" val="0"/>
+              </a:ext>
+            </a:extLst>
+          </a:blip>
+          <a:stretch>
+            <a:fillRect/>
+          </a:stretch>
+        </p:blipFill>
+        <p:spPr>
+          <a:xfrm>
+            <a:off x="5994980" y="2052918"/>
+            <a:ext cx="5333333" cy="4000000"/>
+          </a:xfrm>
+          <a:prstGeom prst="rect">
+            <a:avLst/>
+          </a:prstGeom>
+        </p:spPr>
+      </p:pic>
     </p:spTree>
     <p:extLst>
       <p:ext uri="{BB962C8B-B14F-4D97-AF65-F5344CB8AC3E}">
@@ -6679,59 +8194,46 @@
           <a:lstStyle/>
           <a:p>
             <a:r>
-              <a:rPr lang="sk-SK" dirty="0" err="1"/>
-              <a:t>Haarové</a:t>
-            </a:r>
-            <a:r>
-              <a:rPr lang="sk-SK" dirty="0"/>
-              <a:t> vlnky</a:t>
-            </a:r>
-          </a:p>
-          <a:p>
-            <a:r>
-              <a:rPr lang="sk-SK" dirty="0" err="1"/>
-              <a:t>Histogram</a:t>
-            </a:r>
-            <a:r>
-              <a:rPr lang="sk-SK" dirty="0"/>
-              <a:t> of </a:t>
-            </a:r>
-            <a:r>
-              <a:rPr lang="sk-SK" dirty="0" err="1"/>
-              <a:t>Oriented</a:t>
-            </a:r>
-            <a:r>
-              <a:rPr lang="sk-SK" dirty="0"/>
-              <a:t> </a:t>
-            </a:r>
-            <a:r>
-              <a:rPr lang="sk-SK" dirty="0" err="1"/>
-              <a:t>Gradients</a:t>
-            </a:r>
-            <a:endParaRPr lang="sk-SK" dirty="0"/>
-          </a:p>
-          <a:p>
-            <a:r>
-              <a:rPr lang="sk-SK" dirty="0" err="1"/>
-              <a:t>LiteHOG</a:t>
-            </a:r>
-            <a:r>
-              <a:rPr lang="sk-SK" dirty="0"/>
-              <a:t>/</a:t>
-            </a:r>
-            <a:r>
-              <a:rPr lang="sk-SK" dirty="0" err="1"/>
-              <a:t>LiteHOG</a:t>
-            </a:r>
-            <a:r>
-              <a:rPr lang="sk-SK" dirty="0"/>
-              <a:t>+</a:t>
-            </a:r>
-          </a:p>
-          <a:p>
-            <a:r>
-              <a:rPr lang="sk-SK" dirty="0"/>
-              <a:t>SHOG/FDAHOG</a:t>
+              <a:rPr lang="sk-SK" dirty="0"/>
+              <a:t>Haarové vlnky</a:t>
+            </a:r>
+          </a:p>
+          <a:p>
+            <a:pPr>
+              <a:buFont typeface="Arial" panose="020B0604020202020204" pitchFamily="34" charset="0"/>
+              <a:buChar char="•"/>
+            </a:pPr>
+            <a:r>
+              <a:rPr lang="sk-SK" dirty="0"/>
+              <a:t>Veľmi jednoduché a možnosť vygenerovať veľa, ale problém rôznorodosti</a:t>
+            </a:r>
+          </a:p>
+          <a:p>
+            <a:r>
+              <a:rPr lang="sk-SK" dirty="0"/>
+              <a:t>Histogram of Oriented Gradients</a:t>
+            </a:r>
+          </a:p>
+          <a:p>
+            <a:pPr>
+              <a:buFont typeface="Arial" panose="020B0604020202020204" pitchFamily="34" charset="0"/>
+              <a:buChar char="•"/>
+            </a:pPr>
+            <a:r>
+              <a:rPr lang="sk-SK" dirty="0"/>
+              <a:t>Silná popisovacia vlastnosť, ale problém paralelizácie niektorých krokov</a:t>
+            </a:r>
+          </a:p>
+          <a:p>
+            <a:r>
+              <a:rPr lang="sk-SK" dirty="0"/>
+              <a:t>LiteHOG/LiteHOG+ - zjednodušenie HOGu a použitie iných slabých klasifikátorov</a:t>
+            </a:r>
+          </a:p>
+          <a:p>
+            <a:r>
+              <a:rPr lang="sk-SK" dirty="0"/>
+              <a:t>SHOG/FDAHOG – rozšírenie logiky LiteHOG+ so zámerom využiť plný potenciál procesora</a:t>
             </a:r>
           </a:p>
         </p:txBody>
@@ -6783,45 +8285,83 @@
           <a:p>
             <a:r>
               <a:rPr lang="sk-SK" dirty="0"/>
-              <a:t>Tréningová kaskáda</a:t>
-            </a:r>
-          </a:p>
-        </p:txBody>
-      </p:sp>
-      <p:sp>
-        <p:nvSpPr>
-          <p:cNvPr id="3" name="Content Placeholder 2"/>
-          <p:cNvSpPr>
-            <a:spLocks noGrp="1"/>
-          </p:cNvSpPr>
+              <a:t>Príklady deskriptorov</a:t>
+            </a:r>
+            <a:endParaRPr lang="en-US" dirty="0"/>
+          </a:p>
+        </p:txBody>
+      </p:sp>
+      <p:pic>
+        <p:nvPicPr>
+          <p:cNvPr id="6" name="Content Placeholder 5" descr="D:\Users\killerwife\C source\Cuda shtuff\Bakalarka words\microsoftHog.png"/>
+          <p:cNvPicPr>
+            <a:picLocks noGrp="1"/>
+          </p:cNvPicPr>
           <p:nvPr>
             <p:ph idx="1"/>
           </p:nvPr>
-        </p:nvSpPr>
-        <p:spPr/>
-        <p:txBody>
-          <a:bodyPr/>
-          <a:lstStyle/>
-          <a:p>
-            <a:r>
-              <a:rPr lang="sk-SK" dirty="0"/>
-              <a:t>Viola-</a:t>
-            </a:r>
-            <a:r>
-              <a:rPr lang="sk-SK" dirty="0" err="1"/>
-              <a:t>Jones</a:t>
-            </a:r>
-            <a:r>
-              <a:rPr lang="sk-SK" dirty="0"/>
-              <a:t> kaskáda</a:t>
-            </a:r>
-          </a:p>
-        </p:txBody>
-      </p:sp>
+        </p:nvPicPr>
+        <p:blipFill>
+          <a:blip r:embed="rId2">
+            <a:extLst>
+              <a:ext uri="{28A0092B-C50C-407E-A947-70E740481C1C}">
+                <a14:useLocalDpi xmlns:a14="http://schemas.microsoft.com/office/drawing/2010/main" val="0"/>
+              </a:ext>
+            </a:extLst>
+          </a:blip>
+          <a:srcRect/>
+          <a:stretch>
+            <a:fillRect/>
+          </a:stretch>
+        </p:blipFill>
+        <p:spPr bwMode="auto">
+          <a:xfrm>
+            <a:off x="5121759" y="1935331"/>
+            <a:ext cx="5336136" cy="4142173"/>
+          </a:xfrm>
+          <a:prstGeom prst="rect">
+            <a:avLst/>
+          </a:prstGeom>
+          <a:noFill/>
+          <a:ln>
+            <a:noFill/>
+          </a:ln>
+        </p:spPr>
+      </p:pic>
+      <p:pic>
+        <p:nvPicPr>
+          <p:cNvPr id="7" name="Picture 6"/>
+          <p:cNvPicPr>
+            <a:picLocks noChangeAspect="1"/>
+          </p:cNvPicPr>
+          <p:nvPr/>
+        </p:nvPicPr>
+        <p:blipFill>
+          <a:blip r:embed="rId3">
+            <a:extLst>
+              <a:ext uri="{28A0092B-C50C-407E-A947-70E740481C1C}">
+                <a14:useLocalDpi xmlns:a14="http://schemas.microsoft.com/office/drawing/2010/main" val="0"/>
+              </a:ext>
+            </a:extLst>
+          </a:blip>
+          <a:stretch>
+            <a:fillRect/>
+          </a:stretch>
+        </p:blipFill>
+        <p:spPr>
+          <a:xfrm>
+            <a:off x="802689" y="1935332"/>
+            <a:ext cx="4142173" cy="4142173"/>
+          </a:xfrm>
+          <a:prstGeom prst="rect">
+            <a:avLst/>
+          </a:prstGeom>
+        </p:spPr>
+      </p:pic>
     </p:spTree>
     <p:extLst>
       <p:ext uri="{BB962C8B-B14F-4D97-AF65-F5344CB8AC3E}">
-        <p14:creationId xmlns:p14="http://schemas.microsoft.com/office/powerpoint/2010/main" val="3737104187"/>
+        <p14:creationId xmlns:p14="http://schemas.microsoft.com/office/powerpoint/2010/main" val="4242231965"/>
       </p:ext>
     </p:extLst>
   </p:cSld>
@@ -6865,7 +8405,7 @@
           <a:p>
             <a:r>
               <a:rPr lang="sk-SK" dirty="0"/>
-              <a:t>Vlastné pokusy</a:t>
+              <a:t>Tréningová kaskáda</a:t>
             </a:r>
           </a:p>
         </p:txBody>
@@ -6887,7 +8427,49 @@
           <a:p>
             <a:r>
               <a:rPr lang="sk-SK" dirty="0"/>
-              <a:t>Motivácia – detekcia futbalistov</a:t>
+              <a:t>Zoskupenie klasifikátorov – rýchle na začiatku, pomalé na konci</a:t>
+            </a:r>
+          </a:p>
+          <a:p>
+            <a:r>
+              <a:rPr lang="sk-SK" dirty="0"/>
+              <a:t>Vytvorenie jedného kvalitnejšieho klasifikátora</a:t>
+            </a:r>
+          </a:p>
+          <a:p>
+            <a:r>
+              <a:rPr lang="sk-SK" dirty="0"/>
+              <a:t>Viola-Jones kaskáda</a:t>
+            </a:r>
+          </a:p>
+          <a:p>
+            <a:pPr>
+              <a:buFont typeface="Arial" panose="020B0604020202020204" pitchFamily="34" charset="0"/>
+              <a:buChar char="•"/>
+            </a:pPr>
+            <a:r>
+              <a:rPr lang="sk-SK" dirty="0"/>
+              <a:t>Prvý detekčný framework pracujúci v reálnom čase</a:t>
+            </a:r>
+          </a:p>
+          <a:p>
+            <a:pPr>
+              <a:buFont typeface="Arial" panose="020B0604020202020204" pitchFamily="34" charset="0"/>
+              <a:buChar char="•"/>
+            </a:pPr>
+            <a:r>
+              <a:rPr lang="sk-SK" dirty="0"/>
+              <a:t>Pracuje s Haarovými vlnkami, HOGom alebo LBP deskriptormi</a:t>
+            </a:r>
+          </a:p>
+          <a:p>
+            <a:pPr>
+              <a:buFont typeface="Arial" panose="020B0604020202020204" pitchFamily="34" charset="0"/>
+              <a:buChar char="•"/>
+            </a:pPr>
+            <a:r>
+              <a:rPr lang="sk-SK" dirty="0"/>
+              <a:t>Využíva AdaBoost ako klasifikátor</a:t>
             </a:r>
           </a:p>
         </p:txBody>
@@ -6895,7 +8477,7 @@
     </p:spTree>
     <p:extLst>
       <p:ext uri="{BB962C8B-B14F-4D97-AF65-F5344CB8AC3E}">
-        <p14:creationId xmlns:p14="http://schemas.microsoft.com/office/powerpoint/2010/main" val="702880137"/>
+        <p14:creationId xmlns:p14="http://schemas.microsoft.com/office/powerpoint/2010/main" val="3737104187"/>
       </p:ext>
     </p:extLst>
   </p:cSld>
@@ -6939,13 +8521,8 @@
           <a:p>
             <a:r>
               <a:rPr lang="sk-SK" dirty="0"/>
-              <a:t>Výber </a:t>
-            </a:r>
-            <a:r>
-              <a:rPr lang="sk-SK" dirty="0" err="1"/>
-              <a:t>deskriptora</a:t>
-            </a:r>
-            <a:endParaRPr lang="sk-SK" dirty="0"/>
+              <a:t>Vlastné pokusy</a:t>
+            </a:r>
           </a:p>
         </p:txBody>
       </p:sp>
@@ -6964,14 +8541,47 @@
           <a:bodyPr/>
           <a:lstStyle/>
           <a:p>
-            <a:endParaRPr lang="sk-SK"/>
+            <a:r>
+              <a:rPr lang="sk-SK" dirty="0"/>
+              <a:t>Motivácia – detekcia futbalistov</a:t>
+            </a:r>
+          </a:p>
+          <a:p>
+            <a:r>
+              <a:rPr lang="sk-SK" dirty="0"/>
+              <a:t>Oboznámenie sa s rôznymi knižnicami a algoritmami</a:t>
+            </a:r>
+          </a:p>
+          <a:p>
+            <a:r>
+              <a:rPr lang="sk-SK" dirty="0"/>
+              <a:t>Snaha implementovať vlastnú kaskádu a vlastný deskriptor</a:t>
+            </a:r>
+          </a:p>
+          <a:p>
+            <a:r>
+              <a:rPr lang="sk-SK" dirty="0"/>
+              <a:t>Implementácia vlastnej správy dát a detectMultiScale algoritmu</a:t>
+            </a:r>
+          </a:p>
+          <a:p>
+            <a:r>
+              <a:rPr lang="sk-SK" dirty="0"/>
+              <a:t>Postup vyžadoval implementáciu veľkého počtu častí, ktoré už existujú</a:t>
+            </a:r>
+          </a:p>
+          <a:p>
+            <a:r>
+              <a:rPr lang="sk-SK" dirty="0"/>
+              <a:t>Rozhodnutie použiť existujúcu Viola-Jones kaskádu</a:t>
+            </a:r>
           </a:p>
         </p:txBody>
       </p:sp>
     </p:spTree>
     <p:extLst>
       <p:ext uri="{BB962C8B-B14F-4D97-AF65-F5344CB8AC3E}">
-        <p14:creationId xmlns:p14="http://schemas.microsoft.com/office/powerpoint/2010/main" val="2370232142"/>
+        <p14:creationId xmlns:p14="http://schemas.microsoft.com/office/powerpoint/2010/main" val="702880137"/>
       </p:ext>
     </p:extLst>
   </p:cSld>
@@ -7015,7 +8625,7 @@
           <a:p>
             <a:r>
               <a:rPr lang="sk-SK" dirty="0"/>
-              <a:t>Vyhodnotenie implementácie</a:t>
+              <a:t>Výber AdaBoostu a deskriptora</a:t>
             </a:r>
           </a:p>
         </p:txBody>
@@ -7035,14 +8645,70 @@
           <a:bodyPr/>
           <a:lstStyle/>
           <a:p>
-            <a:endParaRPr lang="sk-SK"/>
+            <a:r>
+              <a:rPr lang="sk-SK" dirty="0"/>
+              <a:t>Vyhodnotené 3 implementácie AdaBoostu – OpenCV 3.0, Viola-Jones kaskáda – boost, MultiBoost</a:t>
+            </a:r>
+          </a:p>
+          <a:p>
+            <a:r>
+              <a:rPr lang="sk-SK" dirty="0"/>
+              <a:t>Výber Viola-Jones kaskády kvôli:</a:t>
+            </a:r>
+          </a:p>
+          <a:p>
+            <a:pPr>
+              <a:buFont typeface="Arial" panose="020B0604020202020204" pitchFamily="34" charset="0"/>
+              <a:buChar char="•"/>
+            </a:pPr>
+            <a:r>
+              <a:rPr lang="sk-SK" dirty="0"/>
+              <a:t>Rýchlosti</a:t>
+            </a:r>
+          </a:p>
+          <a:p>
+            <a:pPr>
+              <a:buFont typeface="Arial" panose="020B0604020202020204" pitchFamily="34" charset="0"/>
+              <a:buChar char="•"/>
+            </a:pPr>
+            <a:r>
+              <a:rPr lang="sk-SK" dirty="0"/>
+              <a:t>Rozšíriteľnosti</a:t>
+            </a:r>
+          </a:p>
+          <a:p>
+            <a:pPr>
+              <a:buFont typeface="Arial" panose="020B0604020202020204" pitchFamily="34" charset="0"/>
+              <a:buChar char="•"/>
+            </a:pPr>
+            <a:r>
+              <a:rPr lang="sk-SK" dirty="0"/>
+              <a:t>Existujúcim súčastiam (CPU/GPU)</a:t>
+            </a:r>
+          </a:p>
+          <a:p>
+            <a:r>
+              <a:rPr lang="sk-SK" dirty="0"/>
+              <a:t>Porovnávanie spomínaných deskriptorov podľa zdokumentovaných poznatkov</a:t>
+            </a:r>
+          </a:p>
+          <a:p>
+            <a:r>
+              <a:rPr lang="sk-SK" dirty="0"/>
+              <a:t>Výber SHOGu kvôli najlepším </a:t>
+            </a:r>
+            <a:r>
+              <a:rPr lang="sk-SK"/>
+              <a:t>potenciálnym vlastnostiam – rýchlosť, práca s pamäťou</a:t>
+            </a:r>
+            <a:endParaRPr lang="sk-SK" dirty="0"/>
           </a:p>
         </p:txBody>
       </p:sp>
     </p:spTree>
     <p:extLst>
       <p:ext uri="{BB962C8B-B14F-4D97-AF65-F5344CB8AC3E}">
-        <p14:creationId xmlns:p14="http://schemas.microsoft.com/office/powerpoint/2010/main" val="439717988"/>
+        <p14:creationId xmlns:p14="http://schemas.microsoft.com/office/powerpoint/2010/main" val="2370232142"/>
       </p:ext>
     </p:extLst>
   </p:cSld>

--- a/Diplomova Praca/PrezentaciaStatnice.pptx
+++ b/Diplomova Praca/PrezentaciaStatnice.pptx
@@ -4,19 +4,26 @@
   <p:sldMasterIdLst>
     <p:sldMasterId id="2147483904" r:id="rId1"/>
   </p:sldMasterIdLst>
+  <p:notesMasterIdLst>
+    <p:notesMasterId r:id="rId18"/>
+  </p:notesMasterIdLst>
   <p:sldIdLst>
     <p:sldId id="256" r:id="rId2"/>
-    <p:sldId id="257" r:id="rId3"/>
-    <p:sldId id="258" r:id="rId4"/>
-    <p:sldId id="259" r:id="rId5"/>
-    <p:sldId id="260" r:id="rId6"/>
-    <p:sldId id="266" r:id="rId7"/>
-    <p:sldId id="261" r:id="rId8"/>
-    <p:sldId id="262" r:id="rId9"/>
-    <p:sldId id="263" r:id="rId10"/>
+    <p:sldId id="268" r:id="rId3"/>
+    <p:sldId id="257" r:id="rId4"/>
+    <p:sldId id="258" r:id="rId5"/>
+    <p:sldId id="259" r:id="rId6"/>
+    <p:sldId id="262" r:id="rId7"/>
+    <p:sldId id="263" r:id="rId8"/>
+    <p:sldId id="260" r:id="rId9"/>
+    <p:sldId id="269" r:id="rId10"/>
     <p:sldId id="264" r:id="rId11"/>
     <p:sldId id="265" r:id="rId12"/>
-    <p:sldId id="267" r:id="rId13"/>
+    <p:sldId id="273" r:id="rId13"/>
+    <p:sldId id="267" r:id="rId14"/>
+    <p:sldId id="270" r:id="rId15"/>
+    <p:sldId id="271" r:id="rId16"/>
+    <p:sldId id="272" r:id="rId17"/>
   </p:sldIdLst>
   <p:sldSz cx="12192000" cy="6858000"/>
   <p:notesSz cx="6858000" cy="9144000"/>
@@ -123,8 +130,477 @@
 </p:presentation>
 </file>
 
+<file path=ppt/commentAuthors.xml><?xml version="1.0" encoding="utf-8"?>
+<p:cmAuthorLst xmlns:a="http://schemas.openxmlformats.org/drawingml/2006/main" xmlns:r="http://schemas.openxmlformats.org/officeDocument/2006/relationships" xmlns:p="http://schemas.openxmlformats.org/presentationml/2006/main">
+  <p:cmAuthor id="1" name="killerwife" initials="k" lastIdx="2" clrIdx="0">
+    <p:extLst>
+      <p:ext uri="{19B8F6BF-5375-455C-9EA6-DF929625EA0E}">
+        <p15:presenceInfo xmlns:p15="http://schemas.microsoft.com/office/powerpoint/2012/main" userId="killerwife" providerId="None"/>
+      </p:ext>
+    </p:extLst>
+  </p:cmAuthor>
+</p:cmAuthorLst>
+</file>
+
 <file path=ppt/revisionInfo.xml><?xml version="1.0" encoding="utf-8"?>
 <p1510:revInfo xmlns:a="http://schemas.openxmlformats.org/drawingml/2006/main" xmlns:r="http://schemas.openxmlformats.org/officeDocument/2006/relationships" xmlns:p1510="http://schemas.microsoft.com/office/powerpoint/2015/10/main"/>
+</file>
+
+<file path=ppt/comments/comment1.xml><?xml version="1.0" encoding="utf-8"?>
+<p:cmLst xmlns:a="http://schemas.openxmlformats.org/drawingml/2006/main" xmlns:r="http://schemas.openxmlformats.org/officeDocument/2006/relationships" xmlns:p="http://schemas.openxmlformats.org/presentationml/2006/main">
+  <p:cm authorId="1" dt="2017-06-18T21:57:09.678" idx="1">
+    <p:pos x="7572" y="799"/>
+    <p:text/>
+    <p:extLst>
+      <p:ext uri="{C676402C-5697-4E1C-873F-D02D1690AC5C}">
+        <p15:threadingInfo xmlns:p15="http://schemas.microsoft.com/office/powerpoint/2012/main" timeZoneBias="-120"/>
+      </p:ext>
+    </p:extLst>
+  </p:cm>
+  <p:cm authorId="1" dt="2017-06-18T21:57:12.623" idx="2">
+    <p:pos x="10" y="10"/>
+    <p:text/>
+    <p:extLst>
+      <p:ext uri="{C676402C-5697-4E1C-873F-D02D1690AC5C}">
+        <p15:threadingInfo xmlns:p15="http://schemas.microsoft.com/office/powerpoint/2012/main" timeZoneBias="-120"/>
+      </p:ext>
+    </p:extLst>
+  </p:cm>
+</p:cmLst>
+</file>
+
+<file path=ppt/notesMasters/notesMaster1.xml><?xml version="1.0" encoding="utf-8"?>
+<p:notesMaster xmlns:a="http://schemas.openxmlformats.org/drawingml/2006/main" xmlns:r="http://schemas.openxmlformats.org/officeDocument/2006/relationships" xmlns:p="http://schemas.openxmlformats.org/presentationml/2006/main">
+  <p:cSld>
+    <p:bg>
+      <p:bgRef idx="1001">
+        <a:schemeClr val="bg1"/>
+      </p:bgRef>
+    </p:bg>
+    <p:spTree>
+      <p:nvGrpSpPr>
+        <p:cNvPr id="1" name=""/>
+        <p:cNvGrpSpPr/>
+        <p:nvPr/>
+      </p:nvGrpSpPr>
+      <p:grpSpPr>
+        <a:xfrm>
+          <a:off x="0" y="0"/>
+          <a:ext cx="0" cy="0"/>
+          <a:chOff x="0" y="0"/>
+          <a:chExt cx="0" cy="0"/>
+        </a:xfrm>
+      </p:grpSpPr>
+      <p:sp>
+        <p:nvSpPr>
+          <p:cNvPr id="2" name="Header Placeholder 1"/>
+          <p:cNvSpPr>
+            <a:spLocks noGrp="1"/>
+          </p:cNvSpPr>
+          <p:nvPr>
+            <p:ph type="hdr" sz="quarter"/>
+          </p:nvPr>
+        </p:nvSpPr>
+        <p:spPr>
+          <a:xfrm>
+            <a:off x="0" y="0"/>
+            <a:ext cx="2971800" cy="458788"/>
+          </a:xfrm>
+          <a:prstGeom prst="rect">
+            <a:avLst/>
+          </a:prstGeom>
+        </p:spPr>
+        <p:txBody>
+          <a:bodyPr vert="horz" lIns="91440" tIns="45720" rIns="91440" bIns="45720" rtlCol="0"/>
+          <a:lstStyle>
+            <a:lvl1pPr algn="l">
+              <a:defRPr sz="1200"/>
+            </a:lvl1pPr>
+          </a:lstStyle>
+          <a:p>
+            <a:endParaRPr lang="sk-SK"/>
+          </a:p>
+        </p:txBody>
+      </p:sp>
+      <p:sp>
+        <p:nvSpPr>
+          <p:cNvPr id="3" name="Date Placeholder 2"/>
+          <p:cNvSpPr>
+            <a:spLocks noGrp="1"/>
+          </p:cNvSpPr>
+          <p:nvPr>
+            <p:ph type="dt" idx="1"/>
+          </p:nvPr>
+        </p:nvSpPr>
+        <p:spPr>
+          <a:xfrm>
+            <a:off x="3884613" y="0"/>
+            <a:ext cx="2971800" cy="458788"/>
+          </a:xfrm>
+          <a:prstGeom prst="rect">
+            <a:avLst/>
+          </a:prstGeom>
+        </p:spPr>
+        <p:txBody>
+          <a:bodyPr vert="horz" lIns="91440" tIns="45720" rIns="91440" bIns="45720" rtlCol="0"/>
+          <a:lstStyle>
+            <a:lvl1pPr algn="r">
+              <a:defRPr sz="1200"/>
+            </a:lvl1pPr>
+          </a:lstStyle>
+          <a:p>
+            <a:fld id="{3E72303D-7444-4A2E-9392-EA601FA2752E}" type="datetimeFigureOut">
+              <a:rPr lang="sk-SK" smtClean="0"/>
+              <a:t>18. 6. 2017</a:t>
+            </a:fld>
+            <a:endParaRPr lang="sk-SK"/>
+          </a:p>
+        </p:txBody>
+      </p:sp>
+      <p:sp>
+        <p:nvSpPr>
+          <p:cNvPr id="4" name="Slide Image Placeholder 3"/>
+          <p:cNvSpPr>
+            <a:spLocks noGrp="1" noRot="1" noChangeAspect="1"/>
+          </p:cNvSpPr>
+          <p:nvPr>
+            <p:ph type="sldImg" idx="2"/>
+          </p:nvPr>
+        </p:nvSpPr>
+        <p:spPr>
+          <a:xfrm>
+            <a:off x="685800" y="1143000"/>
+            <a:ext cx="5486400" cy="3086100"/>
+          </a:xfrm>
+          <a:prstGeom prst="rect">
+            <a:avLst/>
+          </a:prstGeom>
+          <a:noFill/>
+          <a:ln w="12700">
+            <a:solidFill>
+              <a:prstClr val="black"/>
+            </a:solidFill>
+          </a:ln>
+        </p:spPr>
+        <p:txBody>
+          <a:bodyPr vert="horz" lIns="91440" tIns="45720" rIns="91440" bIns="45720" rtlCol="0" anchor="ctr"/>
+          <a:lstStyle/>
+          <a:p>
+            <a:endParaRPr lang="sk-SK"/>
+          </a:p>
+        </p:txBody>
+      </p:sp>
+      <p:sp>
+        <p:nvSpPr>
+          <p:cNvPr id="5" name="Notes Placeholder 4"/>
+          <p:cNvSpPr>
+            <a:spLocks noGrp="1"/>
+          </p:cNvSpPr>
+          <p:nvPr>
+            <p:ph type="body" sz="quarter" idx="3"/>
+          </p:nvPr>
+        </p:nvSpPr>
+        <p:spPr>
+          <a:xfrm>
+            <a:off x="685800" y="4400550"/>
+            <a:ext cx="5486400" cy="3600450"/>
+          </a:xfrm>
+          <a:prstGeom prst="rect">
+            <a:avLst/>
+          </a:prstGeom>
+        </p:spPr>
+        <p:txBody>
+          <a:bodyPr vert="horz" lIns="91440" tIns="45720" rIns="91440" bIns="45720" rtlCol="0"/>
+          <a:lstStyle/>
+          <a:p>
+            <a:pPr lvl="0"/>
+            <a:r>
+              <a:rPr lang="en-US"/>
+              <a:t>Edit Master text styles</a:t>
+            </a:r>
+          </a:p>
+          <a:p>
+            <a:pPr lvl="1"/>
+            <a:r>
+              <a:rPr lang="en-US"/>
+              <a:t>Second level</a:t>
+            </a:r>
+          </a:p>
+          <a:p>
+            <a:pPr lvl="2"/>
+            <a:r>
+              <a:rPr lang="en-US"/>
+              <a:t>Third level</a:t>
+            </a:r>
+          </a:p>
+          <a:p>
+            <a:pPr lvl="3"/>
+            <a:r>
+              <a:rPr lang="en-US"/>
+              <a:t>Fourth level</a:t>
+            </a:r>
+          </a:p>
+          <a:p>
+            <a:pPr lvl="4"/>
+            <a:r>
+              <a:rPr lang="en-US"/>
+              <a:t>Fifth level</a:t>
+            </a:r>
+            <a:endParaRPr lang="sk-SK"/>
+          </a:p>
+        </p:txBody>
+      </p:sp>
+      <p:sp>
+        <p:nvSpPr>
+          <p:cNvPr id="6" name="Footer Placeholder 5"/>
+          <p:cNvSpPr>
+            <a:spLocks noGrp="1"/>
+          </p:cNvSpPr>
+          <p:nvPr>
+            <p:ph type="ftr" sz="quarter" idx="4"/>
+          </p:nvPr>
+        </p:nvSpPr>
+        <p:spPr>
+          <a:xfrm>
+            <a:off x="0" y="8685213"/>
+            <a:ext cx="2971800" cy="458787"/>
+          </a:xfrm>
+          <a:prstGeom prst="rect">
+            <a:avLst/>
+          </a:prstGeom>
+        </p:spPr>
+        <p:txBody>
+          <a:bodyPr vert="horz" lIns="91440" tIns="45720" rIns="91440" bIns="45720" rtlCol="0" anchor="b"/>
+          <a:lstStyle>
+            <a:lvl1pPr algn="l">
+              <a:defRPr sz="1200"/>
+            </a:lvl1pPr>
+          </a:lstStyle>
+          <a:p>
+            <a:endParaRPr lang="sk-SK"/>
+          </a:p>
+        </p:txBody>
+      </p:sp>
+      <p:sp>
+        <p:nvSpPr>
+          <p:cNvPr id="7" name="Slide Number Placeholder 6"/>
+          <p:cNvSpPr>
+            <a:spLocks noGrp="1"/>
+          </p:cNvSpPr>
+          <p:nvPr>
+            <p:ph type="sldNum" sz="quarter" idx="5"/>
+          </p:nvPr>
+        </p:nvSpPr>
+        <p:spPr>
+          <a:xfrm>
+            <a:off x="3884613" y="8685213"/>
+            <a:ext cx="2971800" cy="458787"/>
+          </a:xfrm>
+          <a:prstGeom prst="rect">
+            <a:avLst/>
+          </a:prstGeom>
+        </p:spPr>
+        <p:txBody>
+          <a:bodyPr vert="horz" lIns="91440" tIns="45720" rIns="91440" bIns="45720" rtlCol="0" anchor="b"/>
+          <a:lstStyle>
+            <a:lvl1pPr algn="r">
+              <a:defRPr sz="1200"/>
+            </a:lvl1pPr>
+          </a:lstStyle>
+          <a:p>
+            <a:fld id="{26EA6E1D-D5AB-46AA-99DD-2470EBB5B81F}" type="slidenum">
+              <a:rPr lang="sk-SK" smtClean="0"/>
+              <a:t>‹#›</a:t>
+            </a:fld>
+            <a:endParaRPr lang="sk-SK"/>
+          </a:p>
+        </p:txBody>
+      </p:sp>
+    </p:spTree>
+    <p:extLst>
+      <p:ext uri="{BB962C8B-B14F-4D97-AF65-F5344CB8AC3E}">
+        <p14:creationId xmlns:p14="http://schemas.microsoft.com/office/powerpoint/2010/main" val="885507572"/>
+      </p:ext>
+    </p:extLst>
+  </p:cSld>
+  <p:clrMap bg1="lt1" tx1="dk1" bg2="lt2" tx2="dk2" accent1="accent1" accent2="accent2" accent3="accent3" accent4="accent4" accent5="accent5" accent6="accent6" hlink="hlink" folHlink="folHlink"/>
+  <p:notesStyle>
+    <a:lvl1pPr marL="0" algn="l" defTabSz="914400" rtl="0" eaLnBrk="1" latinLnBrk="0" hangingPunct="1">
+      <a:defRPr sz="1200" kern="1200">
+        <a:solidFill>
+          <a:schemeClr val="tx1"/>
+        </a:solidFill>
+        <a:latin typeface="+mn-lt"/>
+        <a:ea typeface="+mn-ea"/>
+        <a:cs typeface="+mn-cs"/>
+      </a:defRPr>
+    </a:lvl1pPr>
+    <a:lvl2pPr marL="457200" algn="l" defTabSz="914400" rtl="0" eaLnBrk="1" latinLnBrk="0" hangingPunct="1">
+      <a:defRPr sz="1200" kern="1200">
+        <a:solidFill>
+          <a:schemeClr val="tx1"/>
+        </a:solidFill>
+        <a:latin typeface="+mn-lt"/>
+        <a:ea typeface="+mn-ea"/>
+        <a:cs typeface="+mn-cs"/>
+      </a:defRPr>
+    </a:lvl2pPr>
+    <a:lvl3pPr marL="914400" algn="l" defTabSz="914400" rtl="0" eaLnBrk="1" latinLnBrk="0" hangingPunct="1">
+      <a:defRPr sz="1200" kern="1200">
+        <a:solidFill>
+          <a:schemeClr val="tx1"/>
+        </a:solidFill>
+        <a:latin typeface="+mn-lt"/>
+        <a:ea typeface="+mn-ea"/>
+        <a:cs typeface="+mn-cs"/>
+      </a:defRPr>
+    </a:lvl3pPr>
+    <a:lvl4pPr marL="1371600" algn="l" defTabSz="914400" rtl="0" eaLnBrk="1" latinLnBrk="0" hangingPunct="1">
+      <a:defRPr sz="1200" kern="1200">
+        <a:solidFill>
+          <a:schemeClr val="tx1"/>
+        </a:solidFill>
+        <a:latin typeface="+mn-lt"/>
+        <a:ea typeface="+mn-ea"/>
+        <a:cs typeface="+mn-cs"/>
+      </a:defRPr>
+    </a:lvl4pPr>
+    <a:lvl5pPr marL="1828800" algn="l" defTabSz="914400" rtl="0" eaLnBrk="1" latinLnBrk="0" hangingPunct="1">
+      <a:defRPr sz="1200" kern="1200">
+        <a:solidFill>
+          <a:schemeClr val="tx1"/>
+        </a:solidFill>
+        <a:latin typeface="+mn-lt"/>
+        <a:ea typeface="+mn-ea"/>
+        <a:cs typeface="+mn-cs"/>
+      </a:defRPr>
+    </a:lvl5pPr>
+    <a:lvl6pPr marL="2286000" algn="l" defTabSz="914400" rtl="0" eaLnBrk="1" latinLnBrk="0" hangingPunct="1">
+      <a:defRPr sz="1200" kern="1200">
+        <a:solidFill>
+          <a:schemeClr val="tx1"/>
+        </a:solidFill>
+        <a:latin typeface="+mn-lt"/>
+        <a:ea typeface="+mn-ea"/>
+        <a:cs typeface="+mn-cs"/>
+      </a:defRPr>
+    </a:lvl6pPr>
+    <a:lvl7pPr marL="2743200" algn="l" defTabSz="914400" rtl="0" eaLnBrk="1" latinLnBrk="0" hangingPunct="1">
+      <a:defRPr sz="1200" kern="1200">
+        <a:solidFill>
+          <a:schemeClr val="tx1"/>
+        </a:solidFill>
+        <a:latin typeface="+mn-lt"/>
+        <a:ea typeface="+mn-ea"/>
+        <a:cs typeface="+mn-cs"/>
+      </a:defRPr>
+    </a:lvl7pPr>
+    <a:lvl8pPr marL="3200400" algn="l" defTabSz="914400" rtl="0" eaLnBrk="1" latinLnBrk="0" hangingPunct="1">
+      <a:defRPr sz="1200" kern="1200">
+        <a:solidFill>
+          <a:schemeClr val="tx1"/>
+        </a:solidFill>
+        <a:latin typeface="+mn-lt"/>
+        <a:ea typeface="+mn-ea"/>
+        <a:cs typeface="+mn-cs"/>
+      </a:defRPr>
+    </a:lvl8pPr>
+    <a:lvl9pPr marL="3657600" algn="l" defTabSz="914400" rtl="0" eaLnBrk="1" latinLnBrk="0" hangingPunct="1">
+      <a:defRPr sz="1200" kern="1200">
+        <a:solidFill>
+          <a:schemeClr val="tx1"/>
+        </a:solidFill>
+        <a:latin typeface="+mn-lt"/>
+        <a:ea typeface="+mn-ea"/>
+        <a:cs typeface="+mn-cs"/>
+      </a:defRPr>
+    </a:lvl9pPr>
+  </p:notesStyle>
+</p:notesMaster>
+</file>
+
+<file path=ppt/notesSlides/notesSlide1.xml><?xml version="1.0" encoding="utf-8"?>
+<p:notes xmlns:a="http://schemas.openxmlformats.org/drawingml/2006/main" xmlns:r="http://schemas.openxmlformats.org/officeDocument/2006/relationships" xmlns:p="http://schemas.openxmlformats.org/presentationml/2006/main">
+  <p:cSld>
+    <p:spTree>
+      <p:nvGrpSpPr>
+        <p:cNvPr id="1" name=""/>
+        <p:cNvGrpSpPr/>
+        <p:nvPr/>
+      </p:nvGrpSpPr>
+      <p:grpSpPr>
+        <a:xfrm>
+          <a:off x="0" y="0"/>
+          <a:ext cx="0" cy="0"/>
+          <a:chOff x="0" y="0"/>
+          <a:chExt cx="0" cy="0"/>
+        </a:xfrm>
+      </p:grpSpPr>
+      <p:sp>
+        <p:nvSpPr>
+          <p:cNvPr id="2" name="Slide Image Placeholder 1"/>
+          <p:cNvSpPr>
+            <a:spLocks noGrp="1" noRot="1" noChangeAspect="1"/>
+          </p:cNvSpPr>
+          <p:nvPr>
+            <p:ph type="sldImg"/>
+          </p:nvPr>
+        </p:nvSpPr>
+        <p:spPr/>
+      </p:sp>
+      <p:sp>
+        <p:nvSpPr>
+          <p:cNvPr id="3" name="Notes Placeholder 2"/>
+          <p:cNvSpPr>
+            <a:spLocks noGrp="1"/>
+          </p:cNvSpPr>
+          <p:nvPr>
+            <p:ph type="body" idx="1"/>
+          </p:nvPr>
+        </p:nvSpPr>
+        <p:spPr/>
+        <p:txBody>
+          <a:bodyPr/>
+          <a:lstStyle/>
+          <a:p>
+            <a:endParaRPr lang="sk-SK" dirty="0"/>
+          </a:p>
+        </p:txBody>
+      </p:sp>
+      <p:sp>
+        <p:nvSpPr>
+          <p:cNvPr id="4" name="Slide Number Placeholder 3"/>
+          <p:cNvSpPr>
+            <a:spLocks noGrp="1"/>
+          </p:cNvSpPr>
+          <p:nvPr>
+            <p:ph type="sldNum" sz="quarter" idx="10"/>
+          </p:nvPr>
+        </p:nvSpPr>
+        <p:spPr/>
+        <p:txBody>
+          <a:bodyPr/>
+          <a:lstStyle/>
+          <a:p>
+            <a:fld id="{26EA6E1D-D5AB-46AA-99DD-2470EBB5B81F}" type="slidenum">
+              <a:rPr lang="sk-SK" smtClean="0"/>
+              <a:t>13</a:t>
+            </a:fld>
+            <a:endParaRPr lang="sk-SK"/>
+          </a:p>
+        </p:txBody>
+      </p:sp>
+    </p:spTree>
+    <p:extLst>
+      <p:ext uri="{BB962C8B-B14F-4D97-AF65-F5344CB8AC3E}">
+        <p14:creationId xmlns:p14="http://schemas.microsoft.com/office/powerpoint/2010/main" val="888707659"/>
+      </p:ext>
+    </p:extLst>
+  </p:cSld>
+  <p:clrMapOvr>
+    <a:masterClrMapping/>
+  </p:clrMapOvr>
+</p:notes>
 </file>
 
 <file path=ppt/slideLayouts/slideLayout1.xml><?xml version="1.0" encoding="utf-8"?>
@@ -311,9 +787,9 @@
           <a:bodyPr/>
           <a:lstStyle/>
           <a:p>
-            <a:fld id="{F3D45E13-900A-465E-9D04-481F8B4CB488}" type="datetimeFigureOut">
+            <a:fld id="{E9DE4F76-B9EC-406E-8701-C293DD40B6F0}" type="datetime1">
               <a:rPr lang="sk-SK" smtClean="0"/>
-              <a:t>8.6.2017</a:t>
+              <a:t>18. 6. 2017</a:t>
             </a:fld>
             <a:endParaRPr lang="sk-SK"/>
           </a:p>
@@ -371,7 +847,7 @@
   <p:clrMapOvr>
     <a:masterClrMapping/>
   </p:clrMapOvr>
-  <p:extLst>
+  <p:extLst mod="1">
     <p:ext uri="{DCECCB84-F9BA-43D5-87BE-67443E8EF086}">
       <p15:sldGuideLst xmlns:p15="http://schemas.microsoft.com/office/powerpoint/2012/main"/>
     </p:ext>
@@ -591,9 +1067,9 @@
           <a:bodyPr/>
           <a:lstStyle/>
           <a:p>
-            <a:fld id="{F3D45E13-900A-465E-9D04-481F8B4CB488}" type="datetimeFigureOut">
+            <a:fld id="{A33C2943-379D-492F-938F-C8F0DD051385}" type="datetime1">
               <a:rPr lang="sk-SK" smtClean="0"/>
-              <a:t>8.6.2017</a:t>
+              <a:t>18. 6. 2017</a:t>
             </a:fld>
             <a:endParaRPr lang="sk-SK"/>
           </a:p>
@@ -785,9 +1261,9 @@
           <a:bodyPr/>
           <a:lstStyle/>
           <a:p>
-            <a:fld id="{F3D45E13-900A-465E-9D04-481F8B4CB488}" type="datetimeFigureOut">
+            <a:fld id="{D41F0D99-1FF8-40D2-AE2D-59BF9A3AFE05}" type="datetime1">
               <a:rPr lang="sk-SK" smtClean="0"/>
-              <a:t>8.6.2017</a:t>
+              <a:t>18. 6. 2017</a:t>
             </a:fld>
             <a:endParaRPr lang="sk-SK"/>
           </a:p>
@@ -1058,9 +1534,9 @@
           <a:bodyPr/>
           <a:lstStyle/>
           <a:p>
-            <a:fld id="{F3D45E13-900A-465E-9D04-481F8B4CB488}" type="datetimeFigureOut">
+            <a:fld id="{816DBBB4-5887-41EA-BDE4-9E35F61A5EF7}" type="datetime1">
               <a:rPr lang="sk-SK" smtClean="0"/>
-              <a:t>8.6.2017</a:t>
+              <a:t>18. 6. 2017</a:t>
             </a:fld>
             <a:endParaRPr lang="sk-SK"/>
           </a:p>
@@ -1399,9 +1875,9 @@
           <a:bodyPr/>
           <a:lstStyle/>
           <a:p>
-            <a:fld id="{F3D45E13-900A-465E-9D04-481F8B4CB488}" type="datetimeFigureOut">
+            <a:fld id="{57B34541-CD34-4A12-8DDB-C14DF0335B4B}" type="datetime1">
               <a:rPr lang="sk-SK" smtClean="0"/>
-              <a:t>8.6.2017</a:t>
+              <a:t>18. 6. 2017</a:t>
             </a:fld>
             <a:endParaRPr lang="sk-SK"/>
           </a:p>
@@ -2022,9 +2498,9 @@
           <a:bodyPr/>
           <a:lstStyle/>
           <a:p>
-            <a:fld id="{F3D45E13-900A-465E-9D04-481F8B4CB488}" type="datetimeFigureOut">
+            <a:fld id="{D5C5F9F2-6608-4014-AF24-F921FB509286}" type="datetime1">
               <a:rPr lang="sk-SK" smtClean="0"/>
-              <a:t>8.6.2017</a:t>
+              <a:t>18. 6. 2017</a:t>
             </a:fld>
             <a:endParaRPr lang="sk-SK"/>
           </a:p>
@@ -2882,9 +3358,9 @@
           <a:bodyPr/>
           <a:lstStyle/>
           <a:p>
-            <a:fld id="{F3D45E13-900A-465E-9D04-481F8B4CB488}" type="datetimeFigureOut">
+            <a:fld id="{4F007183-051B-4F43-97C4-1666AB31710D}" type="datetime1">
               <a:rPr lang="sk-SK" smtClean="0"/>
-              <a:t>8.6.2017</a:t>
+              <a:t>18. 6. 2017</a:t>
             </a:fld>
             <a:endParaRPr lang="sk-SK"/>
           </a:p>
@@ -3052,9 +3528,9 @@
           <a:bodyPr/>
           <a:lstStyle/>
           <a:p>
-            <a:fld id="{F3D45E13-900A-465E-9D04-481F8B4CB488}" type="datetimeFigureOut">
+            <a:fld id="{7247BE0A-8285-42C5-8217-6ED81771710C}" type="datetime1">
               <a:rPr lang="sk-SK" smtClean="0"/>
-              <a:t>8.6.2017</a:t>
+              <a:t>18. 6. 2017</a:t>
             </a:fld>
             <a:endParaRPr lang="sk-SK"/>
           </a:p>
@@ -3232,9 +3708,9 @@
           <a:bodyPr/>
           <a:lstStyle/>
           <a:p>
-            <a:fld id="{F3D45E13-900A-465E-9D04-481F8B4CB488}" type="datetimeFigureOut">
+            <a:fld id="{414B4CF7-BD14-4AF5-815F-F2F0C0FCD3A1}" type="datetime1">
               <a:rPr lang="sk-SK" smtClean="0"/>
-              <a:t>8.6.2017</a:t>
+              <a:t>18. 6. 2017</a:t>
             </a:fld>
             <a:endParaRPr lang="sk-SK"/>
           </a:p>
@@ -3402,9 +3878,9 @@
           <a:bodyPr/>
           <a:lstStyle/>
           <a:p>
-            <a:fld id="{F3D45E13-900A-465E-9D04-481F8B4CB488}" type="datetimeFigureOut">
+            <a:fld id="{63CE6618-6B70-4BB3-BD16-B5C9E4DE8897}" type="datetime1">
               <a:rPr lang="sk-SK" smtClean="0"/>
-              <a:t>8.6.2017</a:t>
+              <a:t>18. 6. 2017</a:t>
             </a:fld>
             <a:endParaRPr lang="sk-SK"/>
           </a:p>
@@ -3649,9 +4125,9 @@
           <a:bodyPr/>
           <a:lstStyle/>
           <a:p>
-            <a:fld id="{F3D45E13-900A-465E-9D04-481F8B4CB488}" type="datetimeFigureOut">
+            <a:fld id="{75E11CE7-C3D4-4D38-8905-1083831EE514}" type="datetime1">
               <a:rPr lang="sk-SK" smtClean="0"/>
-              <a:t>8.6.2017</a:t>
+              <a:t>18. 6. 2017</a:t>
             </a:fld>
             <a:endParaRPr lang="sk-SK"/>
           </a:p>
@@ -3941,9 +4417,9 @@
           <a:bodyPr/>
           <a:lstStyle/>
           <a:p>
-            <a:fld id="{F3D45E13-900A-465E-9D04-481F8B4CB488}" type="datetimeFigureOut">
+            <a:fld id="{939F3608-8AFE-40A4-857F-61D92A10B040}" type="datetime1">
               <a:rPr lang="sk-SK" smtClean="0"/>
-              <a:t>8.6.2017</a:t>
+              <a:t>18. 6. 2017</a:t>
             </a:fld>
             <a:endParaRPr lang="sk-SK"/>
           </a:p>
@@ -4001,7 +4477,7 @@
   <p:clrMapOvr>
     <a:masterClrMapping/>
   </p:clrMapOvr>
-  <p:extLst>
+  <p:extLst mod="1">
     <p:ext uri="{DCECCB84-F9BA-43D5-87BE-67443E8EF086}">
       <p15:sldGuideLst xmlns:p15="http://schemas.microsoft.com/office/powerpoint/2012/main"/>
     </p:ext>
@@ -4390,9 +4866,9 @@
           <a:bodyPr/>
           <a:lstStyle/>
           <a:p>
-            <a:fld id="{F3D45E13-900A-465E-9D04-481F8B4CB488}" type="datetimeFigureOut">
+            <a:fld id="{C8C861A7-5C2D-438F-AA21-85A75C4739C6}" type="datetime1">
               <a:rPr lang="sk-SK" smtClean="0"/>
-              <a:t>8.6.2017</a:t>
+              <a:t>18. 6. 2017</a:t>
             </a:fld>
             <a:endParaRPr lang="sk-SK"/>
           </a:p>
@@ -4450,7 +4926,7 @@
   <p:clrMapOvr>
     <a:masterClrMapping/>
   </p:clrMapOvr>
-  <p:extLst>
+  <p:extLst mod="1">
     <p:ext uri="{DCECCB84-F9BA-43D5-87BE-67443E8EF086}">
       <p15:sldGuideLst xmlns:p15="http://schemas.microsoft.com/office/powerpoint/2012/main"/>
     </p:ext>
@@ -4513,9 +4989,9 @@
           <a:bodyPr/>
           <a:lstStyle/>
           <a:p>
-            <a:fld id="{F3D45E13-900A-465E-9D04-481F8B4CB488}" type="datetimeFigureOut">
+            <a:fld id="{8EB69AA3-40A3-4083-B1CC-53FF28A8F423}" type="datetime1">
               <a:rPr lang="sk-SK" smtClean="0"/>
-              <a:t>8.6.2017</a:t>
+              <a:t>18. 6. 2017</a:t>
             </a:fld>
             <a:endParaRPr lang="sk-SK"/>
           </a:p>
@@ -4608,9 +5084,9 @@
           <a:bodyPr/>
           <a:lstStyle/>
           <a:p>
-            <a:fld id="{F3D45E13-900A-465E-9D04-481F8B4CB488}" type="datetimeFigureOut">
+            <a:fld id="{B76D0D6A-D24B-431F-AA68-0DC777FD843D}" type="datetime1">
               <a:rPr lang="sk-SK" smtClean="0"/>
-              <a:t>8.6.2017</a:t>
+              <a:t>18. 6. 2017</a:t>
             </a:fld>
             <a:endParaRPr lang="sk-SK"/>
           </a:p>
@@ -4668,7 +5144,7 @@
   <p:clrMapOvr>
     <a:masterClrMapping/>
   </p:clrMapOvr>
-  <p:extLst>
+  <p:extLst mod="1">
     <p:ext uri="{DCECCB84-F9BA-43D5-87BE-67443E8EF086}">
       <p15:sldGuideLst xmlns:p15="http://schemas.microsoft.com/office/powerpoint/2012/main"/>
     </p:ext>
@@ -4892,9 +5368,9 @@
           <a:bodyPr/>
           <a:lstStyle/>
           <a:p>
-            <a:fld id="{F3D45E13-900A-465E-9D04-481F8B4CB488}" type="datetimeFigureOut">
+            <a:fld id="{45E9A217-FF39-497E-BD82-AF4BF59FED5E}" type="datetime1">
               <a:rPr lang="sk-SK" smtClean="0"/>
-              <a:t>8.6.2017</a:t>
+              <a:t>18. 6. 2017</a:t>
             </a:fld>
             <a:endParaRPr lang="sk-SK"/>
           </a:p>
@@ -4952,7 +5428,7 @@
   <p:clrMapOvr>
     <a:masterClrMapping/>
   </p:clrMapOvr>
-  <p:extLst>
+  <p:extLst mod="1">
     <p:ext uri="{DCECCB84-F9BA-43D5-87BE-67443E8EF086}">
       <p15:sldGuideLst xmlns:p15="http://schemas.microsoft.com/office/powerpoint/2012/main"/>
     </p:ext>
@@ -5172,9 +5648,9 @@
           <a:bodyPr/>
           <a:lstStyle/>
           <a:p>
-            <a:fld id="{F3D45E13-900A-465E-9D04-481F8B4CB488}" type="datetimeFigureOut">
+            <a:fld id="{194ABB65-FE8B-4E8E-AABD-BC668ED88E13}" type="datetime1">
               <a:rPr lang="sk-SK" smtClean="0"/>
-              <a:t>8.6.2017</a:t>
+              <a:t>18. 6. 2017</a:t>
             </a:fld>
             <a:endParaRPr lang="sk-SK"/>
           </a:p>
@@ -5601,9 +6077,9 @@
             </a:lvl1pPr>
           </a:lstStyle>
           <a:p>
-            <a:fld id="{F3D45E13-900A-465E-9D04-481F8B4CB488}" type="datetimeFigureOut">
+            <a:fld id="{A146A166-2603-49A8-9EDC-CD124443B27D}" type="datetime1">
               <a:rPr lang="sk-SK" smtClean="0"/>
-              <a:t>8.6.2017</a:t>
+              <a:t>18. 6. 2017</a:t>
             </a:fld>
             <a:endParaRPr lang="sk-SK"/>
           </a:p>
@@ -5715,6 +6191,7 @@
     <p:sldLayoutId id="2147483920" r:id="rId16"/>
     <p:sldLayoutId id="2147483921" r:id="rId17"/>
   </p:sldLayoutIdLst>
+  <p:hf hdr="0" ftr="0" dt="0"/>
   <p:txStyles>
     <p:titleStyle>
       <a:lvl1pPr algn="l" defTabSz="457200" rtl="0" eaLnBrk="1" latinLnBrk="0" hangingPunct="1">
@@ -6111,7 +6588,7 @@
       </a:lvl9pPr>
     </p:otherStyle>
   </p:txStyles>
-  <p:extLst>
+  <p:extLst mod="1">
     <p:ext uri="{27BBF7A9-308A-43DC-89C8-2F10F3537804}">
       <p15:sldGuideLst xmlns:p15="http://schemas.microsoft.com/office/powerpoint/2012/main"/>
     </p:ext>
@@ -6181,6 +6658,29 @@
               <a:t>Adaboostu</a:t>
             </a:r>
             <a:endParaRPr lang="sk-SK" sz="4000" b="1" dirty="0"/>
+          </a:p>
+        </p:txBody>
+      </p:sp>
+      <p:sp>
+        <p:nvSpPr>
+          <p:cNvPr id="3" name="Slide Number Placeholder 2"/>
+          <p:cNvSpPr>
+            <a:spLocks noGrp="1"/>
+          </p:cNvSpPr>
+          <p:nvPr>
+            <p:ph type="sldNum" sz="quarter" idx="12"/>
+          </p:nvPr>
+        </p:nvSpPr>
+        <p:spPr/>
+        <p:txBody>
+          <a:bodyPr/>
+          <a:lstStyle/>
+          <a:p>
+            <a:fld id="{636BBA97-DC0C-4E24-A4D9-865394CAD3F8}" type="slidenum">
+              <a:rPr lang="sk-SK" smtClean="0"/>
+              <a:t>1</a:t>
+            </a:fld>
+            <a:endParaRPr lang="sk-SK"/>
           </a:p>
         </p:txBody>
       </p:sp>
@@ -6261,7 +6761,7 @@
         </p:blipFill>
         <p:spPr bwMode="auto">
           <a:xfrm>
-            <a:off x="6312422" y="1866657"/>
+            <a:off x="6768570" y="1152983"/>
             <a:ext cx="5382491" cy="4035829"/>
           </a:xfrm>
           <a:prstGeom prst="rect">
@@ -6282,7 +6782,7 @@
         <p:spPr>
           <a:xfrm>
             <a:off x="646110" y="1853247"/>
-            <a:ext cx="4902433" cy="2031325"/>
+            <a:ext cx="6003265" cy="2031325"/>
           </a:xfrm>
           <a:prstGeom prst="rect">
             <a:avLst/>
@@ -6315,7 +6815,7 @@
             </a:r>
           </a:p>
           <a:p>
-            <a:pPr marL="285750" indent="-285750">
+            <a:pPr marL="742950" lvl="1" indent="-285750">
               <a:buFont typeface="Arial" panose="020B0604020202020204" pitchFamily="34" charset="0"/>
               <a:buChar char="•"/>
             </a:pPr>
@@ -6325,7 +6825,7 @@
             </a:r>
           </a:p>
           <a:p>
-            <a:pPr marL="285750" indent="-285750">
+            <a:pPr marL="742950" lvl="1" indent="-285750">
               <a:buFont typeface="Arial" panose="020B0604020202020204" pitchFamily="34" charset="0"/>
               <a:buChar char="•"/>
             </a:pPr>
@@ -6335,7 +6835,7 @@
             </a:r>
           </a:p>
           <a:p>
-            <a:pPr marL="285750" indent="-285750">
+            <a:pPr marL="742950" lvl="1" indent="-285750">
               <a:buFont typeface="Arial" panose="020B0604020202020204" pitchFamily="34" charset="0"/>
               <a:buChar char="•"/>
             </a:pPr>
@@ -6355,14 +6855,14 @@
           <p:nvPr>
             <p:extLst>
               <p:ext uri="{D42A27DB-BD31-4B8C-83A1-F6EECF244321}">
-                <p14:modId xmlns:p14="http://schemas.microsoft.com/office/powerpoint/2010/main" val="734005043"/>
+                <p14:modId xmlns:p14="http://schemas.microsoft.com/office/powerpoint/2010/main" val="4092023880"/>
               </p:ext>
             </p:extLst>
           </p:nvPr>
         </p:nvGraphicFramePr>
         <p:xfrm>
-          <a:off x="646110" y="4599200"/>
-          <a:ext cx="5536565" cy="1371600"/>
+          <a:off x="71740" y="4608077"/>
+          <a:ext cx="7021521" cy="2183897"/>
         </p:xfrm>
         <a:graphic>
           <a:graphicData uri="http://schemas.openxmlformats.org/drawingml/2006/table">
@@ -6371,42 +6871,35 @@
                 <a:tableStyleId>{5C22544A-7EE6-4342-B048-85BDC9FD1C3A}</a:tableStyleId>
               </a:tblPr>
               <a:tblGrid>
-                <a:gridCol w="1387475">
+                <a:gridCol w="1291528">
                   <a:extLst>
                     <a:ext uri="{9D8B030D-6E8A-4147-A177-3AD203B41FA5}">
                       <a16:colId xmlns:a16="http://schemas.microsoft.com/office/drawing/2014/main" val="2411066743"/>
                     </a:ext>
                   </a:extLst>
                 </a:gridCol>
-                <a:gridCol w="567572">
+                <a:gridCol w="1193502">
                   <a:extLst>
                     <a:ext uri="{9D8B030D-6E8A-4147-A177-3AD203B41FA5}">
                       <a16:colId xmlns:a16="http://schemas.microsoft.com/office/drawing/2014/main" val="2879131693"/>
                     </a:ext>
                   </a:extLst>
                 </a:gridCol>
-                <a:gridCol w="885308">
-                  <a:extLst>
-                    <a:ext uri="{9D8B030D-6E8A-4147-A177-3AD203B41FA5}">
-                      <a16:colId xmlns:a16="http://schemas.microsoft.com/office/drawing/2014/main" val="3567354075"/>
-                    </a:ext>
-                  </a:extLst>
-                </a:gridCol>
-                <a:gridCol w="994410">
+                <a:gridCol w="1420427">
                   <a:extLst>
                     <a:ext uri="{9D8B030D-6E8A-4147-A177-3AD203B41FA5}">
                       <a16:colId xmlns:a16="http://schemas.microsoft.com/office/drawing/2014/main" val="3431440690"/>
                     </a:ext>
                   </a:extLst>
                 </a:gridCol>
-                <a:gridCol w="864870">
+                <a:gridCol w="1162975">
                   <a:extLst>
                     <a:ext uri="{9D8B030D-6E8A-4147-A177-3AD203B41FA5}">
                       <a16:colId xmlns:a16="http://schemas.microsoft.com/office/drawing/2014/main" val="1864000901"/>
                     </a:ext>
                   </a:extLst>
                 </a:gridCol>
-                <a:gridCol w="836930">
+                <a:gridCol w="1953089">
                   <a:extLst>
                     <a:ext uri="{9D8B030D-6E8A-4147-A177-3AD203B41FA5}">
                       <a16:colId xmlns:a16="http://schemas.microsoft.com/office/drawing/2014/main" val="2310017867"/>
@@ -6414,7 +6907,7 @@
                   </a:extLst>
                 </a:gridCol>
               </a:tblGrid>
-              <a:tr h="0">
+              <a:tr h="1123573">
                 <a:tc>
                   <a:txBody>
                     <a:bodyPr/>
@@ -6432,18 +6925,18 @@
                         </a:spcAft>
                       </a:pPr>
                       <a:r>
-                        <a:rPr lang="sk-SK" sz="1200" dirty="0">
+                        <a:rPr lang="sk-SK" sz="1500" dirty="0">
                           <a:effectLst/>
                         </a:rPr>
                         <a:t>Deskriptor</a:t>
                       </a:r>
                       <a:r>
-                        <a:rPr lang="en-US" sz="1200" dirty="0">
+                        <a:rPr lang="en-US" sz="1500" dirty="0">
                           <a:effectLst/>
                         </a:rPr>
                         <a:t>\</a:t>
                       </a:r>
-                      <a:endParaRPr lang="sk-SK" sz="1200" dirty="0">
+                      <a:endParaRPr lang="sk-SK" sz="1500" dirty="0">
                         <a:effectLst/>
                       </a:endParaRPr>
                     </a:p>
@@ -6460,12 +6953,12 @@
                         </a:spcAft>
                       </a:pPr>
                       <a:r>
-                        <a:rPr lang="sk-SK" sz="1200" dirty="0">
+                        <a:rPr lang="sk-SK" sz="1500" dirty="0">
                           <a:effectLst/>
                         </a:rPr>
                         <a:t>Hodnota</a:t>
                       </a:r>
-                      <a:endParaRPr lang="en-US" sz="1200" dirty="0">
+                      <a:endParaRPr lang="en-US" sz="1500" dirty="0">
                         <a:effectLst/>
                         <a:latin typeface="Calibri" panose="020F0502020204030204" pitchFamily="34" charset="0"/>
                         <a:ea typeface="Times New Roman" panose="02020603050405020304" pitchFamily="18" charset="0"/>
@@ -6492,12 +6985,12 @@
                         </a:spcAft>
                       </a:pPr>
                       <a:r>
-                        <a:rPr lang="sk-SK" sz="1200" dirty="0">
+                        <a:rPr lang="sk-SK" sz="1500" dirty="0">
                           <a:effectLst/>
                         </a:rPr>
-                        <a:t> </a:t>
+                        <a:t>Počet nájdených objektov</a:t>
                       </a:r>
-                      <a:endParaRPr lang="en-US" sz="1200" dirty="0">
+                      <a:endParaRPr lang="en-US" sz="1500" dirty="0">
                         <a:effectLst/>
                         <a:latin typeface="Calibri" panose="020F0502020204030204" pitchFamily="34" charset="0"/>
                         <a:ea typeface="Times New Roman" panose="02020603050405020304" pitchFamily="18" charset="0"/>
@@ -6524,12 +7017,12 @@
                         </a:spcAft>
                       </a:pPr>
                       <a:r>
-                        <a:rPr lang="sk-SK" sz="900" dirty="0">
+                        <a:rPr lang="sk-SK" sz="1500" dirty="0">
                           <a:effectLst/>
                         </a:rPr>
-                        <a:t>Počet nájdených objektov</a:t>
+                        <a:t>Počet nenájdených objektov</a:t>
                       </a:r>
-                      <a:endParaRPr lang="en-US" sz="1200" dirty="0">
+                      <a:endParaRPr lang="en-US" sz="1500" dirty="0">
                         <a:effectLst/>
                         <a:latin typeface="Calibri" panose="020F0502020204030204" pitchFamily="34" charset="0"/>
                         <a:ea typeface="Times New Roman" panose="02020603050405020304" pitchFamily="18" charset="0"/>
@@ -6556,12 +7049,12 @@
                         </a:spcAft>
                       </a:pPr>
                       <a:r>
-                        <a:rPr lang="sk-SK" sz="900">
+                        <a:rPr lang="sk-SK" sz="1500" dirty="0">
                           <a:effectLst/>
                         </a:rPr>
-                        <a:t>Počet nenájdených objektov</a:t>
+                        <a:t>Počet chybných nálezov</a:t>
                       </a:r>
-                      <a:endParaRPr lang="en-US" sz="1200">
+                      <a:endParaRPr lang="en-US" sz="1500" dirty="0">
                         <a:effectLst/>
                         <a:latin typeface="Calibri" panose="020F0502020204030204" pitchFamily="34" charset="0"/>
                         <a:ea typeface="Times New Roman" panose="02020603050405020304" pitchFamily="18" charset="0"/>
@@ -6588,12 +7081,51 @@
                         </a:spcAft>
                       </a:pPr>
                       <a:r>
-                        <a:rPr lang="sk-SK" sz="900">
+                        <a:rPr lang="sk-SK" sz="1500" dirty="0">
                           <a:effectLst/>
                         </a:rPr>
-                        <a:t>Počet chybných nálezov</a:t>
+                        <a:t>Počet všetkých nájdených objektov</a:t>
                       </a:r>
-                      <a:endParaRPr lang="en-US" sz="1200">
+                      <a:endParaRPr lang="en-US" sz="1500" dirty="0">
+                        <a:effectLst/>
+                        <a:latin typeface="Calibri" panose="020F0502020204030204" pitchFamily="34" charset="0"/>
+                        <a:ea typeface="Times New Roman" panose="02020603050405020304" pitchFamily="18" charset="0"/>
+                        <a:cs typeface="Times New Roman" panose="02020603050405020304" pitchFamily="18" charset="0"/>
+                      </a:endParaRPr>
+                    </a:p>
+                  </a:txBody>
+                  <a:tcPr marL="68580" marR="68580" marT="0" marB="0"/>
+                </a:tc>
+                <a:extLst>
+                  <a:ext uri="{0D108BD9-81ED-4DB2-BD59-A6C34878D82A}">
+                    <a16:rowId xmlns:a16="http://schemas.microsoft.com/office/drawing/2014/main" val="1697845092"/>
+                  </a:ext>
+                </a:extLst>
+              </a:tr>
+              <a:tr h="374524">
+                <a:tc>
+                  <a:txBody>
+                    <a:bodyPr/>
+                    <a:lstStyle/>
+                    <a:p>
+                      <a:pPr marL="0" marR="0" indent="0" algn="just">
+                        <a:lnSpc>
+                          <a:spcPct val="150000"/>
+                        </a:lnSpc>
+                        <a:spcBef>
+                          <a:spcPts val="600"/>
+                        </a:spcBef>
+                        <a:spcAft>
+                          <a:spcPts val="0"/>
+                        </a:spcAft>
+                      </a:pPr>
+                      <a:r>
+                        <a:rPr lang="sk-SK" sz="1500" dirty="0">
+                          <a:effectLst/>
+                        </a:rPr>
+                        <a:t>Haarové vlnky</a:t>
+                      </a:r>
+                      <a:endParaRPr lang="en-US" sz="1500" dirty="0">
                         <a:effectLst/>
                         <a:latin typeface="Calibri" panose="020F0502020204030204" pitchFamily="34" charset="0"/>
                         <a:ea typeface="Times New Roman" panose="02020603050405020304" pitchFamily="18" charset="0"/>
@@ -6620,77 +7152,12 @@
                         </a:spcAft>
                       </a:pPr>
                       <a:r>
-                        <a:rPr lang="sk-SK" sz="900">
+                        <a:rPr lang="sk-SK" sz="1800" b="1" dirty="0">
                           <a:effectLst/>
                         </a:rPr>
-                        <a:t>Počet všetkých nájdených objektov</a:t>
+                        <a:t>1698</a:t>
                       </a:r>
-                      <a:endParaRPr lang="en-US" sz="1200">
-                        <a:effectLst/>
-                        <a:latin typeface="Calibri" panose="020F0502020204030204" pitchFamily="34" charset="0"/>
-                        <a:ea typeface="Times New Roman" panose="02020603050405020304" pitchFamily="18" charset="0"/>
-                        <a:cs typeface="Times New Roman" panose="02020603050405020304" pitchFamily="18" charset="0"/>
-                      </a:endParaRPr>
-                    </a:p>
-                  </a:txBody>
-                  <a:tcPr marL="68580" marR="68580" marT="0" marB="0"/>
-                </a:tc>
-                <a:extLst>
-                  <a:ext uri="{0D108BD9-81ED-4DB2-BD59-A6C34878D82A}">
-                    <a16:rowId xmlns:a16="http://schemas.microsoft.com/office/drawing/2014/main" val="1697845092"/>
-                  </a:ext>
-                </a:extLst>
-              </a:tr>
-              <a:tr h="0">
-                <a:tc>
-                  <a:txBody>
-                    <a:bodyPr/>
-                    <a:lstStyle/>
-                    <a:p>
-                      <a:pPr marL="0" marR="0" indent="0" algn="just">
-                        <a:lnSpc>
-                          <a:spcPct val="150000"/>
-                        </a:lnSpc>
-                        <a:spcBef>
-                          <a:spcPts val="600"/>
-                        </a:spcBef>
-                        <a:spcAft>
-                          <a:spcPts val="0"/>
-                        </a:spcAft>
-                      </a:pPr>
-                      <a:r>
-                        <a:rPr lang="sk-SK" sz="1200" dirty="0">
-                          <a:effectLst/>
-                        </a:rPr>
-                        <a:t>Haarové vlnky</a:t>
-                      </a:r>
-                      <a:endParaRPr lang="en-US" sz="1200" dirty="0">
-                        <a:effectLst/>
-                        <a:latin typeface="Calibri" panose="020F0502020204030204" pitchFamily="34" charset="0"/>
-                        <a:ea typeface="Times New Roman" panose="02020603050405020304" pitchFamily="18" charset="0"/>
-                        <a:cs typeface="Times New Roman" panose="02020603050405020304" pitchFamily="18" charset="0"/>
-                      </a:endParaRPr>
-                    </a:p>
-                  </a:txBody>
-                  <a:tcPr marL="68580" marR="68580" marT="0" marB="0"/>
-                </a:tc>
-                <a:tc>
-                  <a:txBody>
-                    <a:bodyPr/>
-                    <a:lstStyle/>
-                    <a:p>
-                      <a:pPr marL="0" marR="0" indent="0" algn="just">
-                        <a:lnSpc>
-                          <a:spcPct val="150000"/>
-                        </a:lnSpc>
-                        <a:spcBef>
-                          <a:spcPts val="600"/>
-                        </a:spcBef>
-                        <a:spcAft>
-                          <a:spcPts val="0"/>
-                        </a:spcAft>
-                      </a:pPr>
-                      <a:endParaRPr lang="en-US" sz="1200" dirty="0">
+                      <a:endParaRPr lang="en-US" sz="1800" b="1" dirty="0">
                         <a:effectLst/>
                         <a:latin typeface="Calibri" panose="020F0502020204030204" pitchFamily="34" charset="0"/>
                         <a:ea typeface="Times New Roman" panose="02020603050405020304" pitchFamily="18" charset="0"/>
@@ -6717,12 +7184,12 @@
                         </a:spcAft>
                       </a:pPr>
                       <a:r>
-                        <a:rPr lang="sk-SK" sz="1200" dirty="0">
+                        <a:rPr lang="sk-SK" sz="1800" b="1">
                           <a:effectLst/>
                         </a:rPr>
-                        <a:t>1698</a:t>
+                        <a:t>1382</a:t>
                       </a:r>
-                      <a:endParaRPr lang="en-US" sz="1200" dirty="0">
+                      <a:endParaRPr lang="en-US" sz="1800" b="1">
                         <a:effectLst/>
                         <a:latin typeface="Calibri" panose="020F0502020204030204" pitchFamily="34" charset="0"/>
                         <a:ea typeface="Times New Roman" panose="02020603050405020304" pitchFamily="18" charset="0"/>
@@ -6749,12 +7216,12 @@
                         </a:spcAft>
                       </a:pPr>
                       <a:r>
-                        <a:rPr lang="sk-SK" sz="1200">
+                        <a:rPr lang="sk-SK" sz="1800" b="1">
                           <a:effectLst/>
                         </a:rPr>
-                        <a:t>1382</a:t>
+                        <a:t>1154</a:t>
                       </a:r>
-                      <a:endParaRPr lang="en-US" sz="1200">
+                      <a:endParaRPr lang="en-US" sz="1800" b="1">
                         <a:effectLst/>
                         <a:latin typeface="Calibri" panose="020F0502020204030204" pitchFamily="34" charset="0"/>
                         <a:ea typeface="Times New Roman" panose="02020603050405020304" pitchFamily="18" charset="0"/>
@@ -6781,12 +7248,51 @@
                         </a:spcAft>
                       </a:pPr>
                       <a:r>
-                        <a:rPr lang="sk-SK" sz="1200">
+                        <a:rPr lang="sk-SK" sz="1800" b="1" dirty="0">
                           <a:effectLst/>
                         </a:rPr>
-                        <a:t>1154</a:t>
+                        <a:t>2913</a:t>
                       </a:r>
-                      <a:endParaRPr lang="en-US" sz="1200">
+                      <a:endParaRPr lang="en-US" sz="1800" b="1" dirty="0">
+                        <a:effectLst/>
+                        <a:latin typeface="Calibri" panose="020F0502020204030204" pitchFamily="34" charset="0"/>
+                        <a:ea typeface="Times New Roman" panose="02020603050405020304" pitchFamily="18" charset="0"/>
+                        <a:cs typeface="Times New Roman" panose="02020603050405020304" pitchFamily="18" charset="0"/>
+                      </a:endParaRPr>
+                    </a:p>
+                  </a:txBody>
+                  <a:tcPr marL="68580" marR="68580" marT="0" marB="0"/>
+                </a:tc>
+                <a:extLst>
+                  <a:ext uri="{0D108BD9-81ED-4DB2-BD59-A6C34878D82A}">
+                    <a16:rowId xmlns:a16="http://schemas.microsoft.com/office/drawing/2014/main" val="4278491122"/>
+                  </a:ext>
+                </a:extLst>
+              </a:tr>
+              <a:tr h="374524">
+                <a:tc>
+                  <a:txBody>
+                    <a:bodyPr/>
+                    <a:lstStyle/>
+                    <a:p>
+                      <a:pPr marL="0" marR="0" indent="0" algn="just">
+                        <a:lnSpc>
+                          <a:spcPct val="150000"/>
+                        </a:lnSpc>
+                        <a:spcBef>
+                          <a:spcPts val="600"/>
+                        </a:spcBef>
+                        <a:spcAft>
+                          <a:spcPts val="0"/>
+                        </a:spcAft>
+                      </a:pPr>
+                      <a:r>
+                        <a:rPr lang="sk-SK" sz="1500" dirty="0">
+                          <a:effectLst/>
+                        </a:rPr>
+                        <a:t>SHOG</a:t>
+                      </a:r>
+                      <a:endParaRPr lang="en-US" sz="1500" dirty="0">
                         <a:effectLst/>
                         <a:latin typeface="Calibri" panose="020F0502020204030204" pitchFamily="34" charset="0"/>
                         <a:ea typeface="Times New Roman" panose="02020603050405020304" pitchFamily="18" charset="0"/>
@@ -6813,51 +7319,12 @@
                         </a:spcAft>
                       </a:pPr>
                       <a:r>
-                        <a:rPr lang="sk-SK" sz="1200">
+                        <a:rPr lang="sk-SK" sz="1800" b="1" dirty="0">
                           <a:effectLst/>
                         </a:rPr>
-                        <a:t>2913</a:t>
+                        <a:t>2027</a:t>
                       </a:r>
-                      <a:endParaRPr lang="en-US" sz="1200">
-                        <a:effectLst/>
-                        <a:latin typeface="Calibri" panose="020F0502020204030204" pitchFamily="34" charset="0"/>
-                        <a:ea typeface="Times New Roman" panose="02020603050405020304" pitchFamily="18" charset="0"/>
-                        <a:cs typeface="Times New Roman" panose="02020603050405020304" pitchFamily="18" charset="0"/>
-                      </a:endParaRPr>
-                    </a:p>
-                  </a:txBody>
-                  <a:tcPr marL="68580" marR="68580" marT="0" marB="0"/>
-                </a:tc>
-                <a:extLst>
-                  <a:ext uri="{0D108BD9-81ED-4DB2-BD59-A6C34878D82A}">
-                    <a16:rowId xmlns:a16="http://schemas.microsoft.com/office/drawing/2014/main" val="4278491122"/>
-                  </a:ext>
-                </a:extLst>
-              </a:tr>
-              <a:tr h="0">
-                <a:tc>
-                  <a:txBody>
-                    <a:bodyPr/>
-                    <a:lstStyle/>
-                    <a:p>
-                      <a:pPr marL="0" marR="0" indent="0" algn="just">
-                        <a:lnSpc>
-                          <a:spcPct val="150000"/>
-                        </a:lnSpc>
-                        <a:spcBef>
-                          <a:spcPts val="600"/>
-                        </a:spcBef>
-                        <a:spcAft>
-                          <a:spcPts val="0"/>
-                        </a:spcAft>
-                      </a:pPr>
-                      <a:r>
-                        <a:rPr lang="sk-SK" sz="1200">
-                          <a:effectLst/>
-                        </a:rPr>
-                        <a:t>SHOG</a:t>
-                      </a:r>
-                      <a:endParaRPr lang="en-US" sz="1200">
+                      <a:endParaRPr lang="en-US" sz="1800" b="1" dirty="0">
                         <a:effectLst/>
                         <a:latin typeface="Calibri" panose="020F0502020204030204" pitchFamily="34" charset="0"/>
                         <a:ea typeface="Times New Roman" panose="02020603050405020304" pitchFamily="18" charset="0"/>
@@ -6884,12 +7351,12 @@
                         </a:spcAft>
                       </a:pPr>
                       <a:r>
-                        <a:rPr lang="sk-SK" sz="1200" dirty="0">
+                        <a:rPr lang="sk-SK" sz="1800" b="1" dirty="0">
                           <a:effectLst/>
                         </a:rPr>
-                        <a:t> </a:t>
+                        <a:t>1053</a:t>
                       </a:r>
-                      <a:endParaRPr lang="en-US" sz="1200" dirty="0">
+                      <a:endParaRPr lang="en-US" sz="1800" b="1" dirty="0">
                         <a:effectLst/>
                         <a:latin typeface="Calibri" panose="020F0502020204030204" pitchFamily="34" charset="0"/>
                         <a:ea typeface="Times New Roman" panose="02020603050405020304" pitchFamily="18" charset="0"/>
@@ -6916,12 +7383,12 @@
                         </a:spcAft>
                       </a:pPr>
                       <a:r>
-                        <a:rPr lang="sk-SK" sz="1200" dirty="0">
+                        <a:rPr lang="sk-SK" sz="1800" b="1">
                           <a:effectLst/>
                         </a:rPr>
-                        <a:t>2027</a:t>
+                        <a:t>1598</a:t>
                       </a:r>
-                      <a:endParaRPr lang="en-US" sz="1200" dirty="0">
+                      <a:endParaRPr lang="en-US" sz="1800" b="1">
                         <a:effectLst/>
                         <a:latin typeface="Calibri" panose="020F0502020204030204" pitchFamily="34" charset="0"/>
                         <a:ea typeface="Times New Roman" panose="02020603050405020304" pitchFamily="18" charset="0"/>
@@ -6948,76 +7415,12 @@
                         </a:spcAft>
                       </a:pPr>
                       <a:r>
-                        <a:rPr lang="sk-SK" sz="1200">
-                          <a:effectLst/>
-                        </a:rPr>
-                        <a:t>1053</a:t>
-                      </a:r>
-                      <a:endParaRPr lang="en-US" sz="1200">
-                        <a:effectLst/>
-                        <a:latin typeface="Calibri" panose="020F0502020204030204" pitchFamily="34" charset="0"/>
-                        <a:ea typeface="Times New Roman" panose="02020603050405020304" pitchFamily="18" charset="0"/>
-                        <a:cs typeface="Times New Roman" panose="02020603050405020304" pitchFamily="18" charset="0"/>
-                      </a:endParaRPr>
-                    </a:p>
-                  </a:txBody>
-                  <a:tcPr marL="68580" marR="68580" marT="0" marB="0"/>
-                </a:tc>
-                <a:tc>
-                  <a:txBody>
-                    <a:bodyPr/>
-                    <a:lstStyle/>
-                    <a:p>
-                      <a:pPr marL="0" marR="0" indent="0" algn="just">
-                        <a:lnSpc>
-                          <a:spcPct val="150000"/>
-                        </a:lnSpc>
-                        <a:spcBef>
-                          <a:spcPts val="600"/>
-                        </a:spcBef>
-                        <a:spcAft>
-                          <a:spcPts val="0"/>
-                        </a:spcAft>
-                      </a:pPr>
-                      <a:r>
-                        <a:rPr lang="sk-SK" sz="1200">
-                          <a:effectLst/>
-                        </a:rPr>
-                        <a:t>1598</a:t>
-                      </a:r>
-                      <a:endParaRPr lang="en-US" sz="1200">
-                        <a:effectLst/>
-                        <a:latin typeface="Calibri" panose="020F0502020204030204" pitchFamily="34" charset="0"/>
-                        <a:ea typeface="Times New Roman" panose="02020603050405020304" pitchFamily="18" charset="0"/>
-                        <a:cs typeface="Times New Roman" panose="02020603050405020304" pitchFamily="18" charset="0"/>
-                      </a:endParaRPr>
-                    </a:p>
-                  </a:txBody>
-                  <a:tcPr marL="68580" marR="68580" marT="0" marB="0"/>
-                </a:tc>
-                <a:tc>
-                  <a:txBody>
-                    <a:bodyPr/>
-                    <a:lstStyle/>
-                    <a:p>
-                      <a:pPr marL="0" marR="0" indent="0" algn="just">
-                        <a:lnSpc>
-                          <a:spcPct val="150000"/>
-                        </a:lnSpc>
-                        <a:spcBef>
-                          <a:spcPts val="600"/>
-                        </a:spcBef>
-                        <a:spcAft>
-                          <a:spcPts val="0"/>
-                        </a:spcAft>
-                      </a:pPr>
-                      <a:r>
-                        <a:rPr lang="sk-SK" sz="1200" dirty="0">
+                        <a:rPr lang="sk-SK" sz="1800" b="1" dirty="0">
                           <a:effectLst/>
                         </a:rPr>
                         <a:t>3663</a:t>
                       </a:r>
-                      <a:endParaRPr lang="en-US" sz="1200" dirty="0">
+                      <a:endParaRPr lang="en-US" sz="1800" b="1" dirty="0">
                         <a:effectLst/>
                         <a:latin typeface="Calibri" panose="020F0502020204030204" pitchFamily="34" charset="0"/>
                         <a:ea typeface="Times New Roman" panose="02020603050405020304" pitchFamily="18" charset="0"/>
@@ -7037,6 +7440,29 @@
           </a:graphicData>
         </a:graphic>
       </p:graphicFrame>
+      <p:sp>
+        <p:nvSpPr>
+          <p:cNvPr id="6" name="Slide Number Placeholder 5"/>
+          <p:cNvSpPr>
+            <a:spLocks noGrp="1"/>
+          </p:cNvSpPr>
+          <p:nvPr>
+            <p:ph type="sldNum" sz="quarter" idx="12"/>
+          </p:nvPr>
+        </p:nvSpPr>
+        <p:spPr/>
+        <p:txBody>
+          <a:bodyPr/>
+          <a:lstStyle/>
+          <a:p>
+            <a:fld id="{636BBA97-DC0C-4E24-A4D9-865394CAD3F8}" type="slidenum">
+              <a:rPr lang="sk-SK" smtClean="0"/>
+              <a:t>10</a:t>
+            </a:fld>
+            <a:endParaRPr lang="sk-SK"/>
+          </a:p>
+        </p:txBody>
+      </p:sp>
     </p:spTree>
     <p:extLst>
       <p:ext uri="{BB962C8B-B14F-4D97-AF65-F5344CB8AC3E}">
@@ -7129,6 +7555,29 @@
           </a:p>
         </p:txBody>
       </p:sp>
+      <p:sp>
+        <p:nvSpPr>
+          <p:cNvPr id="4" name="Slide Number Placeholder 3"/>
+          <p:cNvSpPr>
+            <a:spLocks noGrp="1"/>
+          </p:cNvSpPr>
+          <p:nvPr>
+            <p:ph type="sldNum" sz="quarter" idx="12"/>
+          </p:nvPr>
+        </p:nvSpPr>
+        <p:spPr/>
+        <p:txBody>
+          <a:bodyPr/>
+          <a:lstStyle/>
+          <a:p>
+            <a:fld id="{636BBA97-DC0C-4E24-A4D9-865394CAD3F8}" type="slidenum">
+              <a:rPr lang="sk-SK" smtClean="0"/>
+              <a:t>11</a:t>
+            </a:fld>
+            <a:endParaRPr lang="sk-SK"/>
+          </a:p>
+        </p:txBody>
+      </p:sp>
     </p:spTree>
     <p:extLst>
       <p:ext uri="{BB962C8B-B14F-4D97-AF65-F5344CB8AC3E}">
@@ -7161,35 +7610,155 @@
       </p:grpSpPr>
       <p:sp>
         <p:nvSpPr>
-          <p:cNvPr id="2" name="Title 1"/>
-          <p:cNvSpPr>
-            <a:spLocks noGrp="1"/>
-          </p:cNvSpPr>
-          <p:nvPr>
-            <p:ph type="title"/>
-          </p:nvPr>
-        </p:nvSpPr>
-        <p:spPr/>
+          <p:cNvPr id="3" name="Content Placeholder 2"/>
+          <p:cNvSpPr>
+            <a:spLocks noGrp="1"/>
+          </p:cNvSpPr>
+          <p:nvPr>
+            <p:ph idx="1"/>
+          </p:nvPr>
+        </p:nvSpPr>
+        <p:spPr>
+          <a:xfrm>
+            <a:off x="328474" y="1429305"/>
+            <a:ext cx="9721379" cy="4819094"/>
+          </a:xfrm>
+        </p:spPr>
         <p:txBody>
           <a:bodyPr/>
           <a:lstStyle/>
           <a:p>
-            <a:r>
-              <a:rPr lang="sk-SK" dirty="0"/>
-              <a:t>Otázky</a:t>
+            <a:pPr marL="0" indent="0">
+              <a:buNone/>
+            </a:pPr>
+            <a:r>
+              <a:rPr lang="en-US" dirty="0"/>
+              <a:t>[1] – Paul Viola, Michael Jones, Robust Real-time Object Detection, Cambridge, CVPR, 2001</a:t>
+            </a:r>
+          </a:p>
+          <a:p>
+            <a:pPr marL="0" indent="0">
+              <a:buNone/>
+            </a:pPr>
+            <a:r>
+              <a:rPr lang="en-US" dirty="0"/>
+              <a:t>[2] – Navneet </a:t>
+            </a:r>
+            <a:r>
+              <a:rPr lang="en-US" dirty="0" err="1"/>
+              <a:t>Dalal</a:t>
+            </a:r>
+            <a:r>
+              <a:rPr lang="en-US" dirty="0"/>
+              <a:t> and Bill </a:t>
+            </a:r>
+            <a:r>
+              <a:rPr lang="en-US" dirty="0" err="1"/>
+              <a:t>Triggs</a:t>
+            </a:r>
+            <a:r>
+              <a:rPr lang="en-US" dirty="0"/>
+              <a:t>, Histograms of Oriented Gradients for Human Detection, </a:t>
+            </a:r>
+            <a:r>
+              <a:rPr lang="fr-FR" dirty="0" err="1"/>
+              <a:t>Rhˆone-Alps</a:t>
+            </a:r>
+            <a:r>
+              <a:rPr lang="fr-FR" dirty="0"/>
+              <a:t>, 655 avenue de l’Europe, Montbonnot 38334,</a:t>
+            </a:r>
+          </a:p>
+          <a:p>
+            <a:pPr marL="0" indent="0">
+              <a:buNone/>
+            </a:pPr>
+            <a:r>
+              <a:rPr lang="en-US" dirty="0"/>
+              <a:t>INRIA</a:t>
+            </a:r>
+            <a:r>
+              <a:rPr lang="sk-SK" dirty="0"/>
+              <a:t>, 2005</a:t>
             </a:r>
             <a:endParaRPr lang="en-US" dirty="0"/>
           </a:p>
-        </p:txBody>
-      </p:sp>
-      <p:sp>
-        <p:nvSpPr>
-          <p:cNvPr id="3" name="Content Placeholder 2"/>
-          <p:cNvSpPr>
-            <a:spLocks noGrp="1"/>
-          </p:cNvSpPr>
-          <p:nvPr>
-            <p:ph idx="1"/>
+          <a:p>
+            <a:pPr marL="0" indent="0">
+              <a:buNone/>
+            </a:pPr>
+            <a:r>
+              <a:rPr lang="en-US" dirty="0"/>
+              <a:t>[3] – Gary </a:t>
+            </a:r>
+            <a:r>
+              <a:rPr lang="en-US" dirty="0" err="1"/>
+              <a:t>Overett</a:t>
+            </a:r>
+            <a:r>
+              <a:rPr lang="en-US" dirty="0"/>
+              <a:t>, Lars </a:t>
+            </a:r>
+            <a:r>
+              <a:rPr lang="en-US" dirty="0" err="1"/>
+              <a:t>Petersson,Lars</a:t>
+            </a:r>
+            <a:r>
+              <a:rPr lang="en-US" dirty="0"/>
+              <a:t> Andersson and </a:t>
+            </a:r>
+            <a:r>
+              <a:rPr lang="en-US" dirty="0" err="1"/>
+              <a:t>Niklas</a:t>
+            </a:r>
+            <a:r>
+              <a:rPr lang="en-US" dirty="0"/>
+              <a:t> </a:t>
+            </a:r>
+            <a:r>
+              <a:rPr lang="en-US" dirty="0" err="1"/>
+              <a:t>Pettersson</a:t>
+            </a:r>
+            <a:r>
+              <a:rPr lang="en-US" dirty="0"/>
+              <a:t>, Boosting a Heterogeneous Pool of Fast HOG Features for Pedestrian and Sign Detection, Locked Bag 8001, Canberra, NICTA, 2009</a:t>
+            </a:r>
+          </a:p>
+          <a:p>
+            <a:pPr marL="0" indent="0">
+              <a:buNone/>
+            </a:pPr>
+            <a:r>
+              <a:rPr lang="en-US" dirty="0"/>
+              <a:t>[4] – Gary </a:t>
+            </a:r>
+            <a:r>
+              <a:rPr lang="en-US" dirty="0" err="1"/>
+              <a:t>Overett</a:t>
+            </a:r>
+            <a:r>
+              <a:rPr lang="en-US" dirty="0"/>
+              <a:t> and Lars </a:t>
+            </a:r>
+            <a:r>
+              <a:rPr lang="en-US" dirty="0" err="1"/>
+              <a:t>Petersson</a:t>
+            </a:r>
+            <a:r>
+              <a:rPr lang="en-US" dirty="0"/>
+              <a:t>, Large Scale Sign Detection using HOG Feature Variants, Locked Bag 8001, Canberra, NICTA, 2011</a:t>
+            </a:r>
+          </a:p>
+        </p:txBody>
+      </p:sp>
+      <p:sp>
+        <p:nvSpPr>
+          <p:cNvPr id="4" name="Slide Number Placeholder 3"/>
+          <p:cNvSpPr>
+            <a:spLocks noGrp="1"/>
+          </p:cNvSpPr>
+          <p:nvPr>
+            <p:ph type="sldNum" sz="quarter" idx="12"/>
           </p:nvPr>
         </p:nvSpPr>
         <p:spPr/>
@@ -7197,284 +7766,290 @@
           <a:bodyPr/>
           <a:lstStyle/>
           <a:p>
-            <a:r>
-              <a:rPr lang="sk-SK" dirty="0"/>
-              <a:t>1. </a:t>
-            </a:r>
-            <a:r>
-              <a:rPr lang="en-US" dirty="0"/>
-              <a:t>M</a:t>
-            </a:r>
-            <a:r>
-              <a:rPr lang="sk-SK" dirty="0"/>
-              <a:t>ôž</a:t>
-            </a:r>
-            <a:r>
-              <a:rPr lang="en-US" dirty="0" err="1"/>
-              <a:t>ete</a:t>
+            <a:fld id="{636BBA97-DC0C-4E24-A4D9-865394CAD3F8}" type="slidenum">
+              <a:rPr lang="sk-SK" smtClean="0"/>
+              <a:t>12</a:t>
+            </a:fld>
+            <a:endParaRPr lang="sk-SK"/>
+          </a:p>
+        </p:txBody>
+      </p:sp>
+      <p:sp>
+        <p:nvSpPr>
+          <p:cNvPr id="5" name="TextBox 4"/>
+          <p:cNvSpPr txBox="1"/>
+          <p:nvPr/>
+        </p:nvSpPr>
+        <p:spPr>
+          <a:xfrm>
+            <a:off x="328474" y="295729"/>
+            <a:ext cx="3023585" cy="738664"/>
+          </a:xfrm>
+          <a:prstGeom prst="rect">
+            <a:avLst/>
+          </a:prstGeom>
+          <a:noFill/>
+        </p:spPr>
+        <p:txBody>
+          <a:bodyPr wrap="none" rtlCol="0">
+            <a:spAutoFit/>
+          </a:bodyPr>
+          <a:lstStyle/>
+          <a:p>
+            <a:r>
+              <a:rPr lang="sk-SK" sz="4200" dirty="0">
+                <a:latin typeface="+mj-lt"/>
+              </a:rPr>
+              <a:t>Referencie</a:t>
+            </a:r>
+          </a:p>
+        </p:txBody>
+      </p:sp>
+    </p:spTree>
+    <p:extLst>
+      <p:ext uri="{BB962C8B-B14F-4D97-AF65-F5344CB8AC3E}">
+        <p14:creationId xmlns:p14="http://schemas.microsoft.com/office/powerpoint/2010/main" val="3192853320"/>
+      </p:ext>
+    </p:extLst>
+  </p:cSld>
+  <p:clrMapOvr>
+    <a:masterClrMapping/>
+  </p:clrMapOvr>
+</p:sld>
+</file>
+
+<file path=ppt/slides/slide13.xml><?xml version="1.0" encoding="utf-8"?>
+<p:sld xmlns:a="http://schemas.openxmlformats.org/drawingml/2006/main" xmlns:r="http://schemas.openxmlformats.org/officeDocument/2006/relationships" xmlns:p="http://schemas.openxmlformats.org/presentationml/2006/main">
+  <p:cSld>
+    <p:spTree>
+      <p:nvGrpSpPr>
+        <p:cNvPr id="1" name=""/>
+        <p:cNvGrpSpPr/>
+        <p:nvPr/>
+      </p:nvGrpSpPr>
+      <p:grpSpPr>
+        <a:xfrm>
+          <a:off x="0" y="0"/>
+          <a:ext cx="0" cy="0"/>
+          <a:chOff x="0" y="0"/>
+          <a:chExt cx="0" cy="0"/>
+        </a:xfrm>
+      </p:grpSpPr>
+      <p:sp>
+        <p:nvSpPr>
+          <p:cNvPr id="2" name="Title 1"/>
+          <p:cNvSpPr>
+            <a:spLocks noGrp="1"/>
+          </p:cNvSpPr>
+          <p:nvPr>
+            <p:ph type="title"/>
+          </p:nvPr>
+        </p:nvSpPr>
+        <p:spPr/>
+        <p:txBody>
+          <a:bodyPr/>
+          <a:lstStyle/>
+          <a:p>
+            <a:r>
+              <a:rPr lang="sk-SK" dirty="0"/>
+              <a:t>Otázky</a:t>
+            </a:r>
+            <a:endParaRPr lang="en-US" dirty="0"/>
+          </a:p>
+        </p:txBody>
+      </p:sp>
+      <p:sp>
+        <p:nvSpPr>
+          <p:cNvPr id="3" name="Content Placeholder 2"/>
+          <p:cNvSpPr>
+            <a:spLocks noGrp="1"/>
+          </p:cNvSpPr>
+          <p:nvPr>
+            <p:ph idx="1"/>
+          </p:nvPr>
+        </p:nvSpPr>
+        <p:spPr>
+          <a:xfrm>
+            <a:off x="684212" y="1225120"/>
+            <a:ext cx="10087427" cy="5353234"/>
+          </a:xfrm>
+        </p:spPr>
+        <p:txBody>
+          <a:bodyPr>
+            <a:normAutofit/>
+          </a:bodyPr>
+          <a:lstStyle/>
+          <a:p>
+            <a:r>
+              <a:rPr lang="sk-SK" dirty="0"/>
+              <a:t>1. Na prvý pohľad vyzerá ako keby bol SHOG pomerne slabý </a:t>
+            </a:r>
+            <a:r>
+              <a:rPr lang="sk-SK" dirty="0" err="1"/>
+              <a:t>deskriptor</a:t>
+            </a:r>
+            <a:r>
+              <a:rPr lang="sk-SK" dirty="0"/>
+              <a:t>, keďže je potrebné v jednotlivých krokoch kaskády použiť väčší počet slabých </a:t>
+            </a:r>
+            <a:r>
+              <a:rPr lang="sk-SK" dirty="0" err="1"/>
+              <a:t>klasifikátorov</a:t>
+            </a:r>
+            <a:r>
+              <a:rPr lang="sk-SK" dirty="0"/>
+              <a:t>. Môžete</a:t>
             </a:r>
             <a:r>
               <a:rPr lang="en-US" dirty="0"/>
               <a:t> </a:t>
             </a:r>
             <a:r>
-              <a:rPr lang="en-US" dirty="0" err="1"/>
-              <a:t>teda</a:t>
+              <a:rPr lang="sk-SK" dirty="0"/>
+              <a:t>teda presnejšie uviesť</a:t>
+            </a:r>
+            <a:r>
+              <a:rPr lang="en-US" dirty="0"/>
+              <a:t> v </a:t>
+            </a:r>
+            <a:r>
+              <a:rPr lang="sk-SK" dirty="0"/>
+              <a:t>č</a:t>
+            </a:r>
+            <a:r>
+              <a:rPr lang="en-US" dirty="0"/>
+              <a:t>om m</a:t>
+            </a:r>
+            <a:r>
+              <a:rPr lang="sk-SK" dirty="0"/>
+              <a:t>á</a:t>
             </a:r>
             <a:r>
               <a:rPr lang="en-US" dirty="0"/>
               <a:t> </a:t>
             </a:r>
             <a:r>
-              <a:rPr lang="en-US" dirty="0" err="1"/>
-              <a:t>presnej</a:t>
-            </a:r>
-            <a:r>
-              <a:rPr lang="sk-SK" dirty="0"/>
-              <a:t>š</a:t>
-            </a:r>
-            <a:r>
-              <a:rPr lang="en-US" dirty="0" err="1"/>
-              <a:t>ie</a:t>
+              <a:rPr lang="sk-SK" dirty="0"/>
+              <a:t>spočívať</a:t>
             </a:r>
             <a:r>
               <a:rPr lang="en-US" dirty="0"/>
               <a:t> </a:t>
             </a:r>
             <a:r>
-              <a:rPr lang="en-US" dirty="0" err="1"/>
-              <a:t>uviest</a:t>
+              <a:rPr lang="sk-SK" dirty="0"/>
+              <a:t>jeho schopnosť</a:t>
             </a:r>
             <a:r>
               <a:rPr lang="en-US" dirty="0"/>
-              <a:t>’ v </a:t>
-            </a:r>
-            <a:r>
-              <a:rPr lang="sk-SK" dirty="0"/>
-              <a:t>č</a:t>
-            </a:r>
-            <a:r>
-              <a:rPr lang="en-US" dirty="0"/>
-              <a:t>om m</a:t>
-            </a:r>
-            <a:r>
-              <a:rPr lang="sk-SK" dirty="0"/>
-              <a:t>á</a:t>
+              <a:t> by</a:t>
+            </a:r>
+            <a:r>
+              <a:rPr lang="sk-SK" dirty="0"/>
+              <a:t>ť</a:t>
             </a:r>
             <a:r>
               <a:rPr lang="en-US" dirty="0"/>
               <a:t> </a:t>
             </a:r>
             <a:r>
-              <a:rPr lang="en-US" dirty="0" err="1"/>
-              <a:t>spo</a:t>
-            </a:r>
-            <a:r>
-              <a:rPr lang="sk-SK" dirty="0"/>
-              <a:t>čí</a:t>
-            </a:r>
-            <a:r>
-              <a:rPr lang="en-US" dirty="0"/>
-              <a:t>vat’ </a:t>
-            </a:r>
-            <a:r>
-              <a:rPr lang="en-US" dirty="0" err="1"/>
-              <a:t>jeho</a:t>
+              <a:rPr lang="sk-SK" dirty="0"/>
+              <a:t>použiteľný</a:t>
             </a:r>
             <a:r>
               <a:rPr lang="en-US" dirty="0"/>
               <a:t> </a:t>
             </a:r>
             <a:r>
-              <a:rPr lang="en-US" dirty="0" err="1"/>
-              <a:t>schopnos</a:t>
-            </a:r>
-            <a:r>
-              <a:rPr lang="sk-SK" dirty="0"/>
-              <a:t>ť</a:t>
-            </a:r>
-            <a:r>
-              <a:rPr lang="en-US" dirty="0"/>
-              <a:t> by</a:t>
-            </a:r>
-            <a:r>
-              <a:rPr lang="sk-SK" dirty="0"/>
-              <a:t>ť</a:t>
+              <a:rPr lang="sk-SK" dirty="0"/>
+              <a:t>na</a:t>
             </a:r>
             <a:r>
               <a:rPr lang="en-US" dirty="0"/>
               <a:t> </a:t>
             </a:r>
             <a:r>
-              <a:rPr lang="en-US" dirty="0" err="1"/>
-              <a:t>pou</a:t>
-            </a:r>
-            <a:r>
-              <a:rPr lang="sk-SK" dirty="0"/>
-              <a:t>ž</a:t>
-            </a:r>
-            <a:r>
-              <a:rPr lang="en-US" dirty="0" err="1"/>
-              <a:t>ite</a:t>
-            </a:r>
-            <a:r>
-              <a:rPr lang="sk-SK" dirty="0"/>
-              <a:t>ľ</a:t>
-            </a:r>
-            <a:r>
-              <a:rPr lang="en-US" dirty="0"/>
-              <a:t>n</a:t>
-            </a:r>
-            <a:r>
-              <a:rPr lang="sk-SK" dirty="0"/>
-              <a:t>ý</a:t>
+              <a:rPr lang="sk-SK" dirty="0"/>
+              <a:t>konci</a:t>
             </a:r>
             <a:r>
               <a:rPr lang="en-US" dirty="0"/>
               <a:t> </a:t>
             </a:r>
             <a:r>
-              <a:rPr lang="en-US" dirty="0" err="1"/>
-              <a:t>na</a:t>
+              <a:rPr lang="sk-SK" dirty="0"/>
+              <a:t>kaskády</a:t>
+            </a:r>
+            <a:r>
+              <a:rPr lang="en-US" dirty="0"/>
+              <a:t> a</a:t>
+            </a:r>
+            <a:r>
+              <a:rPr lang="sk-SK" dirty="0"/>
+              <a:t> či sa</a:t>
+            </a:r>
+            <a:r>
+              <a:rPr lang="en-US" dirty="0"/>
+              <a:t> t</a:t>
+            </a:r>
+            <a:r>
+              <a:rPr lang="sk-SK" dirty="0"/>
+              <a:t>á</a:t>
+            </a:r>
+            <a:r>
+              <a:rPr lang="en-US" dirty="0"/>
+              <a:t>to </a:t>
+            </a:r>
+            <a:r>
+              <a:rPr lang="sk-SK" dirty="0"/>
+              <a:t>schopnosť</a:t>
             </a:r>
             <a:r>
               <a:rPr lang="en-US" dirty="0"/>
               <a:t> </a:t>
             </a:r>
             <a:r>
-              <a:rPr lang="en-US" dirty="0" err="1"/>
-              <a:t>konci</a:t>
+              <a:rPr lang="sk-SK" dirty="0"/>
+              <a:t>prejavila</a:t>
             </a:r>
             <a:r>
               <a:rPr lang="en-US" dirty="0"/>
               <a:t> </a:t>
             </a:r>
             <a:r>
-              <a:rPr lang="en-US" dirty="0" err="1"/>
-              <a:t>kask</a:t>
-            </a:r>
-            <a:r>
-              <a:rPr lang="sk-SK" dirty="0"/>
-              <a:t>á</a:t>
-            </a:r>
-            <a:r>
-              <a:rPr lang="en-US" dirty="0" err="1"/>
-              <a:t>dy</a:t>
-            </a:r>
-            <a:r>
-              <a:rPr lang="en-US" dirty="0"/>
-              <a:t> a </a:t>
-            </a:r>
-            <a:r>
-              <a:rPr lang="sk-SK" dirty="0"/>
-              <a:t>č</a:t>
-            </a:r>
-            <a:r>
-              <a:rPr lang="en-US" dirty="0" err="1"/>
-              <a:t>i</a:t>
+              <a:rPr lang="sk-SK" dirty="0"/>
+              <a:t>pri</a:t>
             </a:r>
             <a:r>
               <a:rPr lang="en-US" dirty="0"/>
               <a:t> </a:t>
             </a:r>
             <a:r>
-              <a:rPr lang="en-US" dirty="0" err="1"/>
-              <a:t>sa</a:t>
-            </a:r>
-            <a:r>
-              <a:rPr lang="en-US" dirty="0"/>
-              <a:t> t</a:t>
-            </a:r>
-            <a:r>
-              <a:rPr lang="sk-SK" dirty="0"/>
-              <a:t>á</a:t>
-            </a:r>
-            <a:r>
-              <a:rPr lang="en-US" dirty="0"/>
-              <a:t>to </a:t>
-            </a:r>
-            <a:r>
-              <a:rPr lang="en-US" dirty="0" err="1"/>
-              <a:t>schopnos</a:t>
-            </a:r>
-            <a:r>
-              <a:rPr lang="sk-SK" dirty="0"/>
-              <a:t>ť</a:t>
+              <a:rPr lang="sk-SK" dirty="0"/>
+              <a:t>testovaní, napr.</a:t>
             </a:r>
             <a:r>
               <a:rPr lang="en-US" dirty="0"/>
               <a:t> </a:t>
             </a:r>
             <a:r>
-              <a:rPr lang="en-US" dirty="0" err="1"/>
-              <a:t>prejavila</a:t>
+              <a:rPr lang="sk-SK" dirty="0"/>
+              <a:t>pri porovnaní</a:t>
+            </a:r>
+            <a:r>
+              <a:rPr lang="en-US" dirty="0"/>
+              <a:t> s </a:t>
+            </a:r>
+            <a:r>
+              <a:rPr lang="sk-SK" dirty="0" err="1"/>
+              <a:t>HAARovými</a:t>
             </a:r>
             <a:r>
               <a:rPr lang="en-US" dirty="0"/>
               <a:t> </a:t>
             </a:r>
             <a:r>
-              <a:rPr lang="en-US" dirty="0" err="1"/>
-              <a:t>pri</a:t>
-            </a:r>
-            <a:r>
-              <a:rPr lang="en-US" dirty="0"/>
-              <a:t> </a:t>
-            </a:r>
-            <a:r>
-              <a:rPr lang="en-US" dirty="0" err="1"/>
-              <a:t>testovan</a:t>
-            </a:r>
-            <a:r>
-              <a:rPr lang="sk-SK" dirty="0"/>
-              <a:t>í</a:t>
-            </a:r>
-            <a:r>
-              <a:rPr lang="en-US" dirty="0"/>
-              <a:t>, </a:t>
-            </a:r>
-            <a:r>
-              <a:rPr lang="en-US" dirty="0" err="1"/>
-              <a:t>napr</a:t>
-            </a:r>
-            <a:r>
-              <a:rPr lang="en-US" dirty="0"/>
-              <a:t>. </a:t>
-            </a:r>
-            <a:r>
-              <a:rPr lang="en-US" dirty="0" err="1"/>
-              <a:t>pri</a:t>
-            </a:r>
-            <a:r>
-              <a:rPr lang="en-US" dirty="0"/>
-              <a:t> </a:t>
-            </a:r>
-            <a:r>
-              <a:rPr lang="en-US" dirty="0" err="1"/>
-              <a:t>porovnan</a:t>
-            </a:r>
-            <a:r>
-              <a:rPr lang="sk-SK" dirty="0"/>
-              <a:t>í</a:t>
-            </a:r>
-            <a:r>
-              <a:rPr lang="en-US" dirty="0"/>
-              <a:t> s </a:t>
-            </a:r>
-            <a:r>
-              <a:rPr lang="en-US" dirty="0" err="1"/>
-              <a:t>HAARov</a:t>
-            </a:r>
-            <a:r>
-              <a:rPr lang="sk-SK" dirty="0"/>
-              <a:t>ý</a:t>
-            </a:r>
-            <a:r>
-              <a:rPr lang="en-US" dirty="0"/>
-              <a:t>mi </a:t>
-            </a:r>
-            <a:r>
-              <a:rPr lang="en-US" dirty="0" err="1"/>
+              <a:rPr lang="sk-SK" dirty="0"/>
               <a:t>vlnkami</a:t>
             </a:r>
             <a:r>
@@ -7486,239 +8061,100 @@
           <a:p>
             <a:r>
               <a:rPr lang="sk-SK" dirty="0"/>
-              <a:t>2. </a:t>
-            </a:r>
-            <a:r>
-              <a:rPr lang="en-US" dirty="0" err="1"/>
-              <a:t>Mohli</a:t>
-            </a:r>
-            <a:r>
-              <a:rPr lang="en-US" dirty="0"/>
-              <a:t> by </a:t>
-            </a:r>
-            <a:r>
-              <a:rPr lang="en-US" dirty="0" err="1"/>
-              <a:t>ste</a:t>
-            </a:r>
-            <a:r>
-              <a:rPr lang="en-US" dirty="0"/>
+              <a:t>Výpočet jednej vlnky v detekčnom kroku je 6-9 prístupov do pamäte a 10-20 aritmetických operácií</a:t>
+            </a:r>
+          </a:p>
+          <a:p>
+            <a:r>
+              <a:rPr lang="sk-SK" dirty="0"/>
+              <a:t>Výpočet jednej črty SHOG </a:t>
+            </a:r>
+            <a:r>
+              <a:rPr lang="sk-SK" dirty="0" err="1"/>
+              <a:t>deskriptora</a:t>
+            </a:r>
+            <a:r>
+              <a:rPr lang="sk-SK" dirty="0"/>
+              <a:t> v detekčnom kroku je 1 prístup do pamäte (za cenu pomalšieho výpočtového kroku)</a:t>
+            </a:r>
+          </a:p>
+          <a:p>
+            <a:r>
+              <a:rPr lang="sk-SK" dirty="0"/>
+              <a:t>Popisná vlastnosť </a:t>
+            </a:r>
+            <a:r>
+              <a:rPr lang="sk-SK" dirty="0" err="1"/>
+              <a:t>Haarovej</a:t>
+            </a:r>
+            <a:r>
+              <a:rPr lang="sk-SK" dirty="0"/>
+              <a:t> vlnky je omnoho viac nestabilnejšia ako SHOG </a:t>
+            </a:r>
+            <a:r>
+              <a:rPr lang="sk-SK" dirty="0" err="1"/>
+              <a:t>deskriptora</a:t>
+            </a:r>
+            <a:r>
+              <a:rPr lang="sk-SK" dirty="0"/>
+              <a:t> – </a:t>
+            </a:r>
+            <a:r>
+              <a:rPr lang="sk-SK" dirty="0" err="1"/>
+              <a:t>popisnosť</a:t>
+            </a:r>
+            <a:r>
+              <a:rPr lang="sk-SK" dirty="0"/>
               <a:t> </a:t>
             </a:r>
             <a:r>
-              <a:rPr lang="en-US" dirty="0" err="1"/>
-              <a:t>uvies</a:t>
-            </a:r>
-            <a:r>
-              <a:rPr lang="sk-SK" dirty="0"/>
-              <a:t>ť</a:t>
-            </a:r>
-            <a:r>
-              <a:rPr lang="en-US" dirty="0"/>
-              <a:t> </a:t>
-            </a:r>
-            <a:r>
-              <a:rPr lang="en-US" dirty="0" err="1"/>
-              <a:t>bli</a:t>
-            </a:r>
-            <a:r>
-              <a:rPr lang="sk-SK" dirty="0"/>
-              <a:t>žš</a:t>
-            </a:r>
-            <a:r>
-              <a:rPr lang="en-US" dirty="0" err="1"/>
-              <a:t>ie</a:t>
-            </a:r>
-            <a:r>
-              <a:rPr lang="en-US" dirty="0"/>
-              <a:t> </a:t>
-            </a:r>
-            <a:r>
-              <a:rPr lang="en-US" dirty="0" err="1"/>
-              <a:t>detaily</a:t>
-            </a:r>
-            <a:r>
-              <a:rPr lang="en-US" dirty="0"/>
-              <a:t> (</a:t>
-            </a:r>
-            <a:r>
-              <a:rPr lang="en-US" dirty="0" err="1"/>
-              <a:t>spom</a:t>
-            </a:r>
-            <a:r>
-              <a:rPr lang="sk-SK" dirty="0"/>
-              <a:t>í</a:t>
-            </a:r>
-            <a:r>
-              <a:rPr lang="en-US" dirty="0"/>
-              <a:t>nan</a:t>
-            </a:r>
-            <a:r>
-              <a:rPr lang="sk-SK" dirty="0"/>
-              <a:t>é</a:t>
-            </a:r>
-            <a:r>
-              <a:rPr lang="en-US" dirty="0"/>
-              <a:t> v </a:t>
-            </a:r>
-            <a:r>
-              <a:rPr lang="en-US" dirty="0" err="1"/>
-              <a:t>posudku</a:t>
-            </a:r>
-            <a:r>
-              <a:rPr lang="en-US" dirty="0"/>
-              <a:t> </a:t>
-            </a:r>
-            <a:r>
-              <a:rPr lang="en-US" dirty="0" err="1"/>
-              <a:t>vy</a:t>
-            </a:r>
-            <a:r>
-              <a:rPr lang="sk-SK" dirty="0"/>
-              <a:t>šš</a:t>
-            </a:r>
-            <a:r>
-              <a:rPr lang="en-US" dirty="0" err="1"/>
-              <a:t>ie</a:t>
-            </a:r>
-            <a:r>
-              <a:rPr lang="en-US" dirty="0"/>
-              <a:t>) </a:t>
-            </a:r>
-            <a:r>
-              <a:rPr lang="en-US" dirty="0" err="1"/>
-              <a:t>vykonan</a:t>
-            </a:r>
-            <a:r>
-              <a:rPr lang="sk-SK" dirty="0"/>
-              <a:t>ý</a:t>
-            </a:r>
-            <a:r>
-              <a:rPr lang="en-US" dirty="0" err="1"/>
-              <a:t>ch</a:t>
-            </a:r>
-            <a:r>
-              <a:rPr lang="en-US" dirty="0"/>
-              <a:t> </a:t>
-            </a:r>
-            <a:r>
-              <a:rPr lang="en-US" dirty="0" err="1"/>
-              <a:t>experimentov</a:t>
-            </a:r>
-            <a:r>
-              <a:rPr lang="en-US" dirty="0"/>
-              <a:t>? </a:t>
-            </a:r>
+              <a:rPr lang="sk-SK" dirty="0" err="1"/>
+              <a:t>Haarovej</a:t>
+            </a:r>
+            <a:r>
+              <a:rPr lang="sk-SK" dirty="0"/>
+              <a:t> vlnky má väčší rozptyl</a:t>
+            </a:r>
+          </a:p>
+          <a:p>
+            <a:r>
+              <a:rPr lang="sk-SK" dirty="0"/>
+              <a:t>Táto vlastnosť sa prejavila na vplyve na zlepšenie detekcie po pridaní slabého </a:t>
+            </a:r>
+            <a:r>
+              <a:rPr lang="sk-SK" dirty="0" err="1"/>
+              <a:t>klasifikátora</a:t>
+            </a:r>
+            <a:r>
+              <a:rPr lang="sk-SK" dirty="0"/>
+              <a:t> – veľmi podobné zmeny</a:t>
+            </a:r>
+          </a:p>
+          <a:p>
             <a:endParaRPr lang="sk-SK" dirty="0"/>
           </a:p>
-          <a:p>
-            <a:r>
-              <a:rPr lang="sk-SK" dirty="0"/>
-              <a:t>3. </a:t>
-            </a:r>
-            <a:r>
-              <a:rPr lang="en-US" dirty="0"/>
-              <a:t>Na </a:t>
-            </a:r>
-            <a:r>
-              <a:rPr lang="en-US" dirty="0" err="1"/>
-              <a:t>konkr</a:t>
-            </a:r>
-            <a:r>
-              <a:rPr lang="sk-SK" dirty="0"/>
-              <a:t>é</a:t>
-            </a:r>
-            <a:r>
-              <a:rPr lang="en-US" dirty="0" err="1"/>
-              <a:t>tnych</a:t>
-            </a:r>
-            <a:r>
-              <a:rPr lang="en-US" dirty="0"/>
-              <a:t> </a:t>
-            </a:r>
-            <a:r>
-              <a:rPr lang="en-US" dirty="0" err="1"/>
-              <a:t>hodnot</a:t>
-            </a:r>
-            <a:r>
-              <a:rPr lang="sk-SK" dirty="0"/>
-              <a:t>á</a:t>
-            </a:r>
-            <a:r>
-              <a:rPr lang="en-US" dirty="0" err="1"/>
-              <a:t>ch</a:t>
-            </a:r>
-            <a:r>
-              <a:rPr lang="en-US" dirty="0"/>
-              <a:t> </a:t>
-            </a:r>
-            <a:r>
-              <a:rPr lang="en-US" dirty="0" err="1"/>
-              <a:t>vysvetlite</a:t>
-            </a:r>
-            <a:r>
-              <a:rPr lang="en-US" dirty="0"/>
-              <a:t>, </a:t>
-            </a:r>
-            <a:r>
-              <a:rPr lang="en-US" dirty="0" err="1"/>
-              <a:t>ako</a:t>
-            </a:r>
-            <a:r>
-              <a:rPr lang="en-US" dirty="0"/>
-              <a:t> </a:t>
-            </a:r>
-            <a:r>
-              <a:rPr lang="en-US" dirty="0" err="1"/>
-              <a:t>sa</a:t>
-            </a:r>
-            <a:r>
-              <a:rPr lang="en-US" dirty="0"/>
-              <a:t> </a:t>
-            </a:r>
-            <a:r>
-              <a:rPr lang="en-US" dirty="0" err="1"/>
-              <a:t>po</a:t>
-            </a:r>
-            <a:r>
-              <a:rPr lang="sk-SK" dirty="0"/>
-              <a:t>čí</a:t>
-            </a:r>
-            <a:r>
-              <a:rPr lang="en-US" dirty="0"/>
-              <a:t>ta </a:t>
-            </a:r>
-            <a:r>
-              <a:rPr lang="en-US" dirty="0" err="1"/>
-              <a:t>deskriptor</a:t>
-            </a:r>
-            <a:r>
-              <a:rPr lang="en-US" dirty="0"/>
-              <a:t> SHOG z </a:t>
-            </a:r>
-            <a:r>
-              <a:rPr lang="en-US" dirty="0" err="1"/>
-              <a:t>pixelov</a:t>
-            </a:r>
-            <a:r>
-              <a:rPr lang="en-US" dirty="0"/>
-              <a:t> v </a:t>
-            </a:r>
-            <a:r>
-              <a:rPr lang="en-US" dirty="0" err="1"/>
-              <a:t>obr</a:t>
-            </a:r>
-            <a:r>
-              <a:rPr lang="sk-SK" dirty="0"/>
-              <a:t>á</a:t>
-            </a:r>
-            <a:r>
-              <a:rPr lang="en-US" dirty="0" err="1"/>
-              <a:t>zku</a:t>
-            </a:r>
-            <a:r>
-              <a:rPr lang="en-US" dirty="0"/>
-              <a:t>.</a:t>
-            </a:r>
+        </p:txBody>
+      </p:sp>
+      <p:sp>
+        <p:nvSpPr>
+          <p:cNvPr id="4" name="Slide Number Placeholder 3"/>
+          <p:cNvSpPr>
+            <a:spLocks noGrp="1"/>
+          </p:cNvSpPr>
+          <p:nvPr>
+            <p:ph type="sldNum" sz="quarter" idx="12"/>
+          </p:nvPr>
+        </p:nvSpPr>
+        <p:spPr/>
+        <p:txBody>
+          <a:bodyPr/>
+          <a:lstStyle/>
+          <a:p>
+            <a:fld id="{636BBA97-DC0C-4E24-A4D9-865394CAD3F8}" type="slidenum">
+              <a:rPr lang="sk-SK" smtClean="0"/>
+              <a:t>13</a:t>
+            </a:fld>
+            <a:endParaRPr lang="sk-SK"/>
           </a:p>
         </p:txBody>
       </p:sp>
@@ -7726,6 +8162,2468 @@
     <p:extLst>
       <p:ext uri="{BB962C8B-B14F-4D97-AF65-F5344CB8AC3E}">
         <p14:creationId xmlns:p14="http://schemas.microsoft.com/office/powerpoint/2010/main" val="2176468858"/>
+      </p:ext>
+    </p:extLst>
+  </p:cSld>
+  <p:clrMapOvr>
+    <a:masterClrMapping/>
+  </p:clrMapOvr>
+</p:sld>
+</file>
+
+<file path=ppt/slides/slide14.xml><?xml version="1.0" encoding="utf-8"?>
+<p:sld xmlns:a="http://schemas.openxmlformats.org/drawingml/2006/main" xmlns:r="http://schemas.openxmlformats.org/officeDocument/2006/relationships" xmlns:p="http://schemas.openxmlformats.org/presentationml/2006/main">
+  <p:cSld>
+    <p:spTree>
+      <p:nvGrpSpPr>
+        <p:cNvPr id="1" name=""/>
+        <p:cNvGrpSpPr/>
+        <p:nvPr/>
+      </p:nvGrpSpPr>
+      <p:grpSpPr>
+        <a:xfrm>
+          <a:off x="0" y="0"/>
+          <a:ext cx="0" cy="0"/>
+          <a:chOff x="0" y="0"/>
+          <a:chExt cx="0" cy="0"/>
+        </a:xfrm>
+      </p:grpSpPr>
+      <p:sp>
+        <p:nvSpPr>
+          <p:cNvPr id="3" name="Content Placeholder 2"/>
+          <p:cNvSpPr>
+            <a:spLocks noGrp="1"/>
+          </p:cNvSpPr>
+          <p:nvPr>
+            <p:ph idx="1"/>
+          </p:nvPr>
+        </p:nvSpPr>
+        <p:spPr>
+          <a:xfrm>
+            <a:off x="612450" y="1209541"/>
+            <a:ext cx="10159189" cy="5457590"/>
+          </a:xfrm>
+        </p:spPr>
+        <p:txBody>
+          <a:bodyPr>
+            <a:normAutofit/>
+          </a:bodyPr>
+          <a:lstStyle/>
+          <a:p>
+            <a:r>
+              <a:rPr lang="sk-SK" dirty="0"/>
+              <a:t>2. Mohli by ste uviesť bližšie detaily (spomínané v posudku vyššie) vykonaných experimentov?</a:t>
+            </a:r>
+          </a:p>
+          <a:p>
+            <a:r>
+              <a:rPr lang="sk-SK" dirty="0"/>
+              <a:t>Vstupné parametre pre oba modely:</a:t>
+            </a:r>
+          </a:p>
+          <a:p>
+            <a:pPr lvl="1"/>
+            <a:r>
+              <a:rPr lang="sk-SK" dirty="0"/>
+              <a:t>Vstupné parametre: 1000 pozitívnych </a:t>
+            </a:r>
+            <a:r>
+              <a:rPr lang="sk-SK" dirty="0" err="1"/>
+              <a:t>samplov</a:t>
+            </a:r>
+            <a:r>
+              <a:rPr lang="sk-SK" dirty="0"/>
+              <a:t>, 2000 negatívnych </a:t>
+            </a:r>
+            <a:r>
+              <a:rPr lang="sk-SK" dirty="0" err="1"/>
+              <a:t>samplov</a:t>
+            </a:r>
+            <a:r>
+              <a:rPr lang="sk-SK" dirty="0"/>
+              <a:t>, </a:t>
+            </a:r>
+            <a:r>
+              <a:rPr lang="sk-SK" dirty="0" err="1"/>
+              <a:t>veľkost</a:t>
+            </a:r>
+            <a:r>
+              <a:rPr lang="sk-SK" dirty="0"/>
+              <a:t> detekčného okna 20x50, hĺbka rozhodovacích stromov – 1, </a:t>
+            </a:r>
+            <a:r>
+              <a:rPr lang="sk-SK" dirty="0" err="1"/>
+              <a:t>Real</a:t>
+            </a:r>
+            <a:r>
+              <a:rPr lang="sk-SK" dirty="0"/>
+              <a:t> AdaBoost, maximum slabých </a:t>
+            </a:r>
+            <a:r>
+              <a:rPr lang="sk-SK" dirty="0" err="1"/>
+              <a:t>klasifikátorov</a:t>
+            </a:r>
+            <a:r>
+              <a:rPr lang="sk-SK" dirty="0"/>
+              <a:t> 100, minimálny Hit Rate – 0.995, </a:t>
+            </a:r>
+            <a:r>
+              <a:rPr lang="sk-SK" dirty="0" err="1"/>
+              <a:t>Weight</a:t>
+            </a:r>
+            <a:r>
+              <a:rPr lang="sk-SK" dirty="0"/>
+              <a:t> </a:t>
+            </a:r>
+            <a:r>
+              <a:rPr lang="sk-SK" dirty="0" err="1"/>
+              <a:t>Trim</a:t>
+            </a:r>
+            <a:r>
+              <a:rPr lang="sk-SK" dirty="0"/>
+              <a:t> Rate – 0.95</a:t>
+            </a:r>
+          </a:p>
+          <a:p>
+            <a:r>
+              <a:rPr lang="sk-SK" dirty="0" err="1"/>
+              <a:t>Haarové</a:t>
+            </a:r>
+            <a:r>
+              <a:rPr lang="sk-SK" dirty="0"/>
+              <a:t> vlnky model – Použité BASIC </a:t>
+            </a:r>
+            <a:r>
+              <a:rPr lang="sk-SK" dirty="0" err="1"/>
+              <a:t>Haarové</a:t>
+            </a:r>
+            <a:r>
+              <a:rPr lang="sk-SK" dirty="0"/>
+              <a:t> vlnky</a:t>
+            </a:r>
+          </a:p>
+          <a:p>
+            <a:pPr lvl="1"/>
+            <a:r>
+              <a:rPr lang="sk-SK" dirty="0"/>
+              <a:t>Natrénovaný model obsahoval – 19 </a:t>
+            </a:r>
+            <a:r>
+              <a:rPr lang="sk-SK" dirty="0" err="1"/>
+              <a:t>stagov</a:t>
+            </a:r>
+            <a:r>
+              <a:rPr lang="sk-SK" dirty="0"/>
+              <a:t> kaskády – 112 slabých </a:t>
+            </a:r>
+            <a:r>
+              <a:rPr lang="sk-SK" dirty="0" err="1"/>
+              <a:t>klasifikátorov</a:t>
+            </a:r>
+            <a:endParaRPr lang="sk-SK" dirty="0"/>
+          </a:p>
+          <a:p>
+            <a:r>
+              <a:rPr lang="sk-SK" dirty="0"/>
+              <a:t>SHOG model – bez prídavných parametrov</a:t>
+            </a:r>
+          </a:p>
+          <a:p>
+            <a:pPr lvl="1"/>
+            <a:r>
+              <a:rPr lang="sk-SK" dirty="0"/>
+              <a:t>Natrénovaný model obsahoval – 15 </a:t>
+            </a:r>
+            <a:r>
+              <a:rPr lang="sk-SK" dirty="0" err="1"/>
+              <a:t>stagov</a:t>
+            </a:r>
+            <a:r>
+              <a:rPr lang="sk-SK" dirty="0"/>
+              <a:t> kaskády – 274 slabých </a:t>
+            </a:r>
+            <a:r>
+              <a:rPr lang="sk-SK" dirty="0" err="1"/>
+              <a:t>klasifikátorov</a:t>
+            </a:r>
+            <a:endParaRPr lang="sk-SK" dirty="0"/>
+          </a:p>
+          <a:p>
+            <a:r>
+              <a:rPr lang="sk-SK" dirty="0"/>
+              <a:t>Výsledky boli vyhodnotené pomocou porovnávania s anotáciami na vybraných obrázkoch </a:t>
+            </a:r>
+            <a:r>
+              <a:rPr lang="sk-SK" dirty="0" err="1"/>
+              <a:t>datasetu</a:t>
+            </a:r>
+            <a:r>
+              <a:rPr lang="sk-SK" dirty="0"/>
+              <a:t> futbalistov – v prípade dostatočného prelínania sa vyhodnotil</a:t>
+            </a:r>
+          </a:p>
+        </p:txBody>
+      </p:sp>
+      <p:sp>
+        <p:nvSpPr>
+          <p:cNvPr id="4" name="Slide Number Placeholder 3"/>
+          <p:cNvSpPr>
+            <a:spLocks noGrp="1"/>
+          </p:cNvSpPr>
+          <p:nvPr>
+            <p:ph type="sldNum" sz="quarter" idx="12"/>
+          </p:nvPr>
+        </p:nvSpPr>
+        <p:spPr/>
+        <p:txBody>
+          <a:bodyPr/>
+          <a:lstStyle/>
+          <a:p>
+            <a:fld id="{636BBA97-DC0C-4E24-A4D9-865394CAD3F8}" type="slidenum">
+              <a:rPr lang="sk-SK" smtClean="0"/>
+              <a:t>14</a:t>
+            </a:fld>
+            <a:endParaRPr lang="sk-SK"/>
+          </a:p>
+        </p:txBody>
+      </p:sp>
+    </p:spTree>
+    <p:extLst>
+      <p:ext uri="{BB962C8B-B14F-4D97-AF65-F5344CB8AC3E}">
+        <p14:creationId xmlns:p14="http://schemas.microsoft.com/office/powerpoint/2010/main" val="3820870848"/>
+      </p:ext>
+    </p:extLst>
+  </p:cSld>
+  <p:clrMapOvr>
+    <a:masterClrMapping/>
+  </p:clrMapOvr>
+</p:sld>
+</file>
+
+<file path=ppt/slides/slide15.xml><?xml version="1.0" encoding="utf-8"?>
+<p:sld xmlns:a="http://schemas.openxmlformats.org/drawingml/2006/main" xmlns:r="http://schemas.openxmlformats.org/officeDocument/2006/relationships" xmlns:p="http://schemas.openxmlformats.org/presentationml/2006/main">
+  <p:cSld>
+    <p:spTree>
+      <p:nvGrpSpPr>
+        <p:cNvPr id="1" name=""/>
+        <p:cNvGrpSpPr/>
+        <p:nvPr/>
+      </p:nvGrpSpPr>
+      <p:grpSpPr>
+        <a:xfrm>
+          <a:off x="0" y="0"/>
+          <a:ext cx="0" cy="0"/>
+          <a:chOff x="0" y="0"/>
+          <a:chExt cx="0" cy="0"/>
+        </a:xfrm>
+      </p:grpSpPr>
+      <p:sp>
+        <p:nvSpPr>
+          <p:cNvPr id="3" name="Content Placeholder 2"/>
+          <p:cNvSpPr>
+            <a:spLocks noGrp="1"/>
+          </p:cNvSpPr>
+          <p:nvPr>
+            <p:ph idx="1"/>
+          </p:nvPr>
+        </p:nvSpPr>
+        <p:spPr>
+          <a:xfrm>
+            <a:off x="268812" y="232996"/>
+            <a:ext cx="9976020" cy="1018755"/>
+          </a:xfrm>
+        </p:spPr>
+        <p:txBody>
+          <a:bodyPr/>
+          <a:lstStyle/>
+          <a:p>
+            <a:r>
+              <a:rPr lang="sk-SK" dirty="0"/>
+              <a:t>3. Na konkrétnych hodnotách vysvetlite, ako sa počíta </a:t>
+            </a:r>
+            <a:r>
+              <a:rPr lang="sk-SK" dirty="0" err="1"/>
+              <a:t>deskriptor</a:t>
+            </a:r>
+            <a:r>
+              <a:rPr lang="sk-SK" dirty="0"/>
+              <a:t> SHOG z pixelov v obrázku</a:t>
+            </a:r>
+            <a:endParaRPr lang="en-US" dirty="0"/>
+          </a:p>
+          <a:p>
+            <a:endParaRPr lang="sk-SK" dirty="0"/>
+          </a:p>
+        </p:txBody>
+      </p:sp>
+      <p:sp>
+        <p:nvSpPr>
+          <p:cNvPr id="4" name="Slide Number Placeholder 3"/>
+          <p:cNvSpPr>
+            <a:spLocks noGrp="1"/>
+          </p:cNvSpPr>
+          <p:nvPr>
+            <p:ph type="sldNum" sz="quarter" idx="12"/>
+          </p:nvPr>
+        </p:nvSpPr>
+        <p:spPr/>
+        <p:txBody>
+          <a:bodyPr/>
+          <a:lstStyle/>
+          <a:p>
+            <a:fld id="{636BBA97-DC0C-4E24-A4D9-865394CAD3F8}" type="slidenum">
+              <a:rPr lang="sk-SK" smtClean="0"/>
+              <a:t>15</a:t>
+            </a:fld>
+            <a:endParaRPr lang="sk-SK"/>
+          </a:p>
+        </p:txBody>
+      </p:sp>
+      <p:graphicFrame>
+        <p:nvGraphicFramePr>
+          <p:cNvPr id="6" name="Table 5"/>
+          <p:cNvGraphicFramePr>
+            <a:graphicFrameLocks noGrp="1"/>
+          </p:cNvGraphicFramePr>
+          <p:nvPr>
+            <p:extLst>
+              <p:ext uri="{D42A27DB-BD31-4B8C-83A1-F6EECF244321}">
+                <p14:modId xmlns:p14="http://schemas.microsoft.com/office/powerpoint/2010/main" val="1201404633"/>
+              </p:ext>
+            </p:extLst>
+          </p:nvPr>
+        </p:nvGraphicFramePr>
+        <p:xfrm>
+          <a:off x="638910" y="1079925"/>
+          <a:ext cx="4879574" cy="3143785"/>
+        </p:xfrm>
+        <a:graphic>
+          <a:graphicData uri="http://schemas.openxmlformats.org/drawingml/2006/table">
+            <a:tbl>
+              <a:tblPr firstRow="1" bandRow="1">
+                <a:tableStyleId>{5C22544A-7EE6-4342-B048-85BDC9FD1C3A}</a:tableStyleId>
+              </a:tblPr>
+              <a:tblGrid>
+                <a:gridCol w="958954">
+                  <a:extLst>
+                    <a:ext uri="{9D8B030D-6E8A-4147-A177-3AD203B41FA5}">
+                      <a16:colId xmlns:a16="http://schemas.microsoft.com/office/drawing/2014/main" val="2051494239"/>
+                    </a:ext>
+                  </a:extLst>
+                </a:gridCol>
+                <a:gridCol w="958954">
+                  <a:extLst>
+                    <a:ext uri="{9D8B030D-6E8A-4147-A177-3AD203B41FA5}">
+                      <a16:colId xmlns:a16="http://schemas.microsoft.com/office/drawing/2014/main" val="2329033900"/>
+                    </a:ext>
+                  </a:extLst>
+                </a:gridCol>
+                <a:gridCol w="1040229">
+                  <a:extLst>
+                    <a:ext uri="{9D8B030D-6E8A-4147-A177-3AD203B41FA5}">
+                      <a16:colId xmlns:a16="http://schemas.microsoft.com/office/drawing/2014/main" val="1856403486"/>
+                    </a:ext>
+                  </a:extLst>
+                </a:gridCol>
+                <a:gridCol w="958954">
+                  <a:extLst>
+                    <a:ext uri="{9D8B030D-6E8A-4147-A177-3AD203B41FA5}">
+                      <a16:colId xmlns:a16="http://schemas.microsoft.com/office/drawing/2014/main" val="1751651507"/>
+                    </a:ext>
+                  </a:extLst>
+                </a:gridCol>
+                <a:gridCol w="962483">
+                  <a:extLst>
+                    <a:ext uri="{9D8B030D-6E8A-4147-A177-3AD203B41FA5}">
+                      <a16:colId xmlns:a16="http://schemas.microsoft.com/office/drawing/2014/main" val="68902876"/>
+                    </a:ext>
+                  </a:extLst>
+                </a:gridCol>
+              </a:tblGrid>
+              <a:tr h="628757">
+                <a:tc>
+                  <a:txBody>
+                    <a:bodyPr/>
+                    <a:lstStyle/>
+                    <a:p>
+                      <a:r>
+                        <a:rPr lang="sk-SK" sz="3000" dirty="0"/>
+                        <a:t>14</a:t>
+                      </a:r>
+                    </a:p>
+                  </a:txBody>
+                  <a:tcPr/>
+                </a:tc>
+                <a:tc>
+                  <a:txBody>
+                    <a:bodyPr/>
+                    <a:lstStyle/>
+                    <a:p>
+                      <a:r>
+                        <a:rPr lang="sk-SK" sz="3000" dirty="0"/>
+                        <a:t>45</a:t>
+                      </a:r>
+                    </a:p>
+                  </a:txBody>
+                  <a:tcPr/>
+                </a:tc>
+                <a:tc>
+                  <a:txBody>
+                    <a:bodyPr/>
+                    <a:lstStyle/>
+                    <a:p>
+                      <a:r>
+                        <a:rPr lang="sk-SK" sz="3000" dirty="0"/>
+                        <a:t>87</a:t>
+                      </a:r>
+                    </a:p>
+                  </a:txBody>
+                  <a:tcPr/>
+                </a:tc>
+                <a:tc>
+                  <a:txBody>
+                    <a:bodyPr/>
+                    <a:lstStyle/>
+                    <a:p>
+                      <a:r>
+                        <a:rPr lang="sk-SK" sz="3000" dirty="0"/>
+                        <a:t>29</a:t>
+                      </a:r>
+                    </a:p>
+                  </a:txBody>
+                  <a:tcPr/>
+                </a:tc>
+                <a:tc>
+                  <a:txBody>
+                    <a:bodyPr/>
+                    <a:lstStyle/>
+                    <a:p>
+                      <a:r>
+                        <a:rPr lang="sk-SK" sz="3000" dirty="0"/>
+                        <a:t>69</a:t>
+                      </a:r>
+                    </a:p>
+                  </a:txBody>
+                  <a:tcPr/>
+                </a:tc>
+                <a:extLst>
+                  <a:ext uri="{0D108BD9-81ED-4DB2-BD59-A6C34878D82A}">
+                    <a16:rowId xmlns:a16="http://schemas.microsoft.com/office/drawing/2014/main" val="239080233"/>
+                  </a:ext>
+                </a:extLst>
+              </a:tr>
+              <a:tr h="628757">
+                <a:tc>
+                  <a:txBody>
+                    <a:bodyPr/>
+                    <a:lstStyle/>
+                    <a:p>
+                      <a:r>
+                        <a:rPr lang="sk-SK" sz="3000" dirty="0"/>
+                        <a:t>80</a:t>
+                      </a:r>
+                    </a:p>
+                  </a:txBody>
+                  <a:tcPr/>
+                </a:tc>
+                <a:tc>
+                  <a:txBody>
+                    <a:bodyPr/>
+                    <a:lstStyle/>
+                    <a:p>
+                      <a:r>
+                        <a:rPr lang="sk-SK" sz="3000" dirty="0"/>
+                        <a:t>75</a:t>
+                      </a:r>
+                    </a:p>
+                  </a:txBody>
+                  <a:tcPr/>
+                </a:tc>
+                <a:tc>
+                  <a:txBody>
+                    <a:bodyPr/>
+                    <a:lstStyle/>
+                    <a:p>
+                      <a:r>
+                        <a:rPr lang="sk-SK" sz="3000" dirty="0"/>
+                        <a:t>37</a:t>
+                      </a:r>
+                    </a:p>
+                  </a:txBody>
+                  <a:tcPr/>
+                </a:tc>
+                <a:tc>
+                  <a:txBody>
+                    <a:bodyPr/>
+                    <a:lstStyle/>
+                    <a:p>
+                      <a:r>
+                        <a:rPr lang="sk-SK" sz="3000" dirty="0"/>
+                        <a:t>19</a:t>
+                      </a:r>
+                    </a:p>
+                  </a:txBody>
+                  <a:tcPr/>
+                </a:tc>
+                <a:tc>
+                  <a:txBody>
+                    <a:bodyPr/>
+                    <a:lstStyle/>
+                    <a:p>
+                      <a:r>
+                        <a:rPr lang="sk-SK" sz="3000" dirty="0"/>
+                        <a:t>46</a:t>
+                      </a:r>
+                    </a:p>
+                  </a:txBody>
+                  <a:tcPr/>
+                </a:tc>
+                <a:extLst>
+                  <a:ext uri="{0D108BD9-81ED-4DB2-BD59-A6C34878D82A}">
+                    <a16:rowId xmlns:a16="http://schemas.microsoft.com/office/drawing/2014/main" val="2557505366"/>
+                  </a:ext>
+                </a:extLst>
+              </a:tr>
+              <a:tr h="628757">
+                <a:tc>
+                  <a:txBody>
+                    <a:bodyPr/>
+                    <a:lstStyle/>
+                    <a:p>
+                      <a:r>
+                        <a:rPr lang="sk-SK" sz="3000" dirty="0"/>
+                        <a:t>58</a:t>
+                      </a:r>
+                    </a:p>
+                  </a:txBody>
+                  <a:tcPr/>
+                </a:tc>
+                <a:tc>
+                  <a:txBody>
+                    <a:bodyPr/>
+                    <a:lstStyle/>
+                    <a:p>
+                      <a:r>
+                        <a:rPr lang="sk-SK" sz="3000" dirty="0"/>
+                        <a:t>44</a:t>
+                      </a:r>
+                    </a:p>
+                  </a:txBody>
+                  <a:tcPr/>
+                </a:tc>
+                <a:tc>
+                  <a:txBody>
+                    <a:bodyPr/>
+                    <a:lstStyle/>
+                    <a:p>
+                      <a:r>
+                        <a:rPr lang="sk-SK" sz="3000" dirty="0"/>
+                        <a:t>49</a:t>
+                      </a:r>
+                    </a:p>
+                  </a:txBody>
+                  <a:tcPr/>
+                </a:tc>
+                <a:tc>
+                  <a:txBody>
+                    <a:bodyPr/>
+                    <a:lstStyle/>
+                    <a:p>
+                      <a:r>
+                        <a:rPr lang="sk-SK" sz="3000" dirty="0"/>
+                        <a:t>99</a:t>
+                      </a:r>
+                    </a:p>
+                  </a:txBody>
+                  <a:tcPr/>
+                </a:tc>
+                <a:tc>
+                  <a:txBody>
+                    <a:bodyPr/>
+                    <a:lstStyle/>
+                    <a:p>
+                      <a:r>
+                        <a:rPr lang="sk-SK" sz="3000" dirty="0"/>
+                        <a:t>56</a:t>
+                      </a:r>
+                    </a:p>
+                  </a:txBody>
+                  <a:tcPr/>
+                </a:tc>
+                <a:extLst>
+                  <a:ext uri="{0D108BD9-81ED-4DB2-BD59-A6C34878D82A}">
+                    <a16:rowId xmlns:a16="http://schemas.microsoft.com/office/drawing/2014/main" val="1569269462"/>
+                  </a:ext>
+                </a:extLst>
+              </a:tr>
+              <a:tr h="628757">
+                <a:tc>
+                  <a:txBody>
+                    <a:bodyPr/>
+                    <a:lstStyle/>
+                    <a:p>
+                      <a:r>
+                        <a:rPr lang="sk-SK" sz="3000" dirty="0"/>
+                        <a:t>74</a:t>
+                      </a:r>
+                    </a:p>
+                  </a:txBody>
+                  <a:tcPr/>
+                </a:tc>
+                <a:tc>
+                  <a:txBody>
+                    <a:bodyPr/>
+                    <a:lstStyle/>
+                    <a:p>
+                      <a:r>
+                        <a:rPr lang="sk-SK" sz="3000" dirty="0"/>
+                        <a:t>96</a:t>
+                      </a:r>
+                    </a:p>
+                  </a:txBody>
+                  <a:tcPr/>
+                </a:tc>
+                <a:tc>
+                  <a:txBody>
+                    <a:bodyPr/>
+                    <a:lstStyle/>
+                    <a:p>
+                      <a:r>
+                        <a:rPr lang="sk-SK" sz="3000" dirty="0"/>
+                        <a:t>95</a:t>
+                      </a:r>
+                    </a:p>
+                  </a:txBody>
+                  <a:tcPr/>
+                </a:tc>
+                <a:tc>
+                  <a:txBody>
+                    <a:bodyPr/>
+                    <a:lstStyle/>
+                    <a:p>
+                      <a:r>
+                        <a:rPr lang="sk-SK" sz="3000" dirty="0"/>
+                        <a:t>34</a:t>
+                      </a:r>
+                    </a:p>
+                  </a:txBody>
+                  <a:tcPr/>
+                </a:tc>
+                <a:tc>
+                  <a:txBody>
+                    <a:bodyPr/>
+                    <a:lstStyle/>
+                    <a:p>
+                      <a:r>
+                        <a:rPr lang="sk-SK" sz="3000" dirty="0"/>
+                        <a:t>98</a:t>
+                      </a:r>
+                    </a:p>
+                  </a:txBody>
+                  <a:tcPr/>
+                </a:tc>
+                <a:extLst>
+                  <a:ext uri="{0D108BD9-81ED-4DB2-BD59-A6C34878D82A}">
+                    <a16:rowId xmlns:a16="http://schemas.microsoft.com/office/drawing/2014/main" val="1499209447"/>
+                  </a:ext>
+                </a:extLst>
+              </a:tr>
+              <a:tr h="628757">
+                <a:tc>
+                  <a:txBody>
+                    <a:bodyPr/>
+                    <a:lstStyle/>
+                    <a:p>
+                      <a:r>
+                        <a:rPr lang="sk-SK" sz="3000" dirty="0"/>
+                        <a:t>83</a:t>
+                      </a:r>
+                    </a:p>
+                  </a:txBody>
+                  <a:tcPr/>
+                </a:tc>
+                <a:tc>
+                  <a:txBody>
+                    <a:bodyPr/>
+                    <a:lstStyle/>
+                    <a:p>
+                      <a:r>
+                        <a:rPr lang="sk-SK" sz="3000" dirty="0"/>
+                        <a:t>89</a:t>
+                      </a:r>
+                    </a:p>
+                  </a:txBody>
+                  <a:tcPr/>
+                </a:tc>
+                <a:tc>
+                  <a:txBody>
+                    <a:bodyPr/>
+                    <a:lstStyle/>
+                    <a:p>
+                      <a:r>
+                        <a:rPr lang="sk-SK" sz="3000" dirty="0"/>
+                        <a:t>45</a:t>
+                      </a:r>
+                    </a:p>
+                  </a:txBody>
+                  <a:tcPr/>
+                </a:tc>
+                <a:tc>
+                  <a:txBody>
+                    <a:bodyPr/>
+                    <a:lstStyle/>
+                    <a:p>
+                      <a:r>
+                        <a:rPr lang="sk-SK" sz="3000" dirty="0"/>
+                        <a:t>46</a:t>
+                      </a:r>
+                    </a:p>
+                  </a:txBody>
+                  <a:tcPr/>
+                </a:tc>
+                <a:tc>
+                  <a:txBody>
+                    <a:bodyPr/>
+                    <a:lstStyle/>
+                    <a:p>
+                      <a:r>
+                        <a:rPr lang="sk-SK" sz="3000" dirty="0"/>
+                        <a:t>21</a:t>
+                      </a:r>
+                    </a:p>
+                  </a:txBody>
+                  <a:tcPr/>
+                </a:tc>
+                <a:extLst>
+                  <a:ext uri="{0D108BD9-81ED-4DB2-BD59-A6C34878D82A}">
+                    <a16:rowId xmlns:a16="http://schemas.microsoft.com/office/drawing/2014/main" val="881777703"/>
+                  </a:ext>
+                </a:extLst>
+              </a:tr>
+            </a:tbl>
+          </a:graphicData>
+        </a:graphic>
+      </p:graphicFrame>
+      <p:graphicFrame>
+        <p:nvGraphicFramePr>
+          <p:cNvPr id="8" name="Table 7"/>
+          <p:cNvGraphicFramePr>
+            <a:graphicFrameLocks noGrp="1"/>
+          </p:cNvGraphicFramePr>
+          <p:nvPr>
+            <p:extLst>
+              <p:ext uri="{D42A27DB-BD31-4B8C-83A1-F6EECF244321}">
+                <p14:modId xmlns:p14="http://schemas.microsoft.com/office/powerpoint/2010/main" val="1161764567"/>
+              </p:ext>
+            </p:extLst>
+          </p:nvPr>
+        </p:nvGraphicFramePr>
+        <p:xfrm>
+          <a:off x="5735356" y="1079925"/>
+          <a:ext cx="4879574" cy="3143785"/>
+        </p:xfrm>
+        <a:graphic>
+          <a:graphicData uri="http://schemas.openxmlformats.org/drawingml/2006/table">
+            <a:tbl>
+              <a:tblPr firstRow="1" bandRow="1">
+                <a:tableStyleId>{5C22544A-7EE6-4342-B048-85BDC9FD1C3A}</a:tableStyleId>
+              </a:tblPr>
+              <a:tblGrid>
+                <a:gridCol w="958954">
+                  <a:extLst>
+                    <a:ext uri="{9D8B030D-6E8A-4147-A177-3AD203B41FA5}">
+                      <a16:colId xmlns:a16="http://schemas.microsoft.com/office/drawing/2014/main" val="2051494239"/>
+                    </a:ext>
+                  </a:extLst>
+                </a:gridCol>
+                <a:gridCol w="958954">
+                  <a:extLst>
+                    <a:ext uri="{9D8B030D-6E8A-4147-A177-3AD203B41FA5}">
+                      <a16:colId xmlns:a16="http://schemas.microsoft.com/office/drawing/2014/main" val="2329033900"/>
+                    </a:ext>
+                  </a:extLst>
+                </a:gridCol>
+                <a:gridCol w="1040229">
+                  <a:extLst>
+                    <a:ext uri="{9D8B030D-6E8A-4147-A177-3AD203B41FA5}">
+                      <a16:colId xmlns:a16="http://schemas.microsoft.com/office/drawing/2014/main" val="1856403486"/>
+                    </a:ext>
+                  </a:extLst>
+                </a:gridCol>
+                <a:gridCol w="958954">
+                  <a:extLst>
+                    <a:ext uri="{9D8B030D-6E8A-4147-A177-3AD203B41FA5}">
+                      <a16:colId xmlns:a16="http://schemas.microsoft.com/office/drawing/2014/main" val="1751651507"/>
+                    </a:ext>
+                  </a:extLst>
+                </a:gridCol>
+                <a:gridCol w="962483">
+                  <a:extLst>
+                    <a:ext uri="{9D8B030D-6E8A-4147-A177-3AD203B41FA5}">
+                      <a16:colId xmlns:a16="http://schemas.microsoft.com/office/drawing/2014/main" val="68902876"/>
+                    </a:ext>
+                  </a:extLst>
+                </a:gridCol>
+              </a:tblGrid>
+              <a:tr h="628757">
+                <a:tc>
+                  <a:txBody>
+                    <a:bodyPr/>
+                    <a:lstStyle/>
+                    <a:p>
+                      <a:r>
+                        <a:rPr lang="sk-SK" sz="3000" dirty="0"/>
+                        <a:t>0</a:t>
+                      </a:r>
+                    </a:p>
+                  </a:txBody>
+                  <a:tcPr/>
+                </a:tc>
+                <a:tc>
+                  <a:txBody>
+                    <a:bodyPr/>
+                    <a:lstStyle/>
+                    <a:p>
+                      <a:r>
+                        <a:rPr lang="sk-SK" sz="3000" dirty="0"/>
+                        <a:t>0</a:t>
+                      </a:r>
+                    </a:p>
+                  </a:txBody>
+                  <a:tcPr/>
+                </a:tc>
+                <a:tc>
+                  <a:txBody>
+                    <a:bodyPr/>
+                    <a:lstStyle/>
+                    <a:p>
+                      <a:r>
+                        <a:rPr lang="sk-SK" sz="3000" dirty="0"/>
+                        <a:t>0</a:t>
+                      </a:r>
+                    </a:p>
+                  </a:txBody>
+                  <a:tcPr/>
+                </a:tc>
+                <a:tc>
+                  <a:txBody>
+                    <a:bodyPr/>
+                    <a:lstStyle/>
+                    <a:p>
+                      <a:r>
+                        <a:rPr lang="sk-SK" sz="3000" dirty="0"/>
+                        <a:t>0</a:t>
+                      </a:r>
+                    </a:p>
+                  </a:txBody>
+                  <a:tcPr/>
+                </a:tc>
+                <a:tc>
+                  <a:txBody>
+                    <a:bodyPr/>
+                    <a:lstStyle/>
+                    <a:p>
+                      <a:r>
+                        <a:rPr lang="sk-SK" sz="3000" dirty="0"/>
+                        <a:t>0</a:t>
+                      </a:r>
+                    </a:p>
+                  </a:txBody>
+                  <a:tcPr/>
+                </a:tc>
+                <a:extLst>
+                  <a:ext uri="{0D108BD9-81ED-4DB2-BD59-A6C34878D82A}">
+                    <a16:rowId xmlns:a16="http://schemas.microsoft.com/office/drawing/2014/main" val="239080233"/>
+                  </a:ext>
+                </a:extLst>
+              </a:tr>
+              <a:tr h="628757">
+                <a:tc>
+                  <a:txBody>
+                    <a:bodyPr/>
+                    <a:lstStyle/>
+                    <a:p>
+                      <a:r>
+                        <a:rPr lang="sk-SK" sz="3000" dirty="0"/>
+                        <a:t>0</a:t>
+                      </a:r>
+                    </a:p>
+                  </a:txBody>
+                  <a:tcPr/>
+                </a:tc>
+                <a:tc>
+                  <a:txBody>
+                    <a:bodyPr/>
+                    <a:lstStyle/>
+                    <a:p>
+                      <a:r>
+                        <a:rPr lang="sk-SK" sz="3000" dirty="0"/>
+                        <a:t>0</a:t>
+                      </a:r>
+                    </a:p>
+                  </a:txBody>
+                  <a:tcPr/>
+                </a:tc>
+                <a:tc>
+                  <a:txBody>
+                    <a:bodyPr/>
+                    <a:lstStyle/>
+                    <a:p>
+                      <a:r>
+                        <a:rPr lang="sk-SK" sz="3000" dirty="0"/>
+                        <a:t>0</a:t>
+                      </a:r>
+                    </a:p>
+                  </a:txBody>
+                  <a:tcPr/>
+                </a:tc>
+                <a:tc>
+                  <a:txBody>
+                    <a:bodyPr/>
+                    <a:lstStyle/>
+                    <a:p>
+                      <a:r>
+                        <a:rPr lang="sk-SK" sz="3000" dirty="0"/>
+                        <a:t>79</a:t>
+                      </a:r>
+                    </a:p>
+                  </a:txBody>
+                  <a:tcPr/>
+                </a:tc>
+                <a:tc>
+                  <a:txBody>
+                    <a:bodyPr/>
+                    <a:lstStyle/>
+                    <a:p>
+                      <a:r>
+                        <a:rPr lang="sk-SK" sz="3000" dirty="0"/>
+                        <a:t>0</a:t>
+                      </a:r>
+                    </a:p>
+                  </a:txBody>
+                  <a:tcPr/>
+                </a:tc>
+                <a:extLst>
+                  <a:ext uri="{0D108BD9-81ED-4DB2-BD59-A6C34878D82A}">
+                    <a16:rowId xmlns:a16="http://schemas.microsoft.com/office/drawing/2014/main" val="2557505366"/>
+                  </a:ext>
+                </a:extLst>
+              </a:tr>
+              <a:tr h="628757">
+                <a:tc>
+                  <a:txBody>
+                    <a:bodyPr/>
+                    <a:lstStyle/>
+                    <a:p>
+                      <a:r>
+                        <a:rPr lang="sk-SK" sz="3000" dirty="0"/>
+                        <a:t>0</a:t>
+                      </a:r>
+                    </a:p>
+                  </a:txBody>
+                  <a:tcPr/>
+                </a:tc>
+                <a:tc>
+                  <a:txBody>
+                    <a:bodyPr/>
+                    <a:lstStyle/>
+                    <a:p>
+                      <a:r>
+                        <a:rPr lang="sk-SK" sz="3000" dirty="0"/>
+                        <a:t>0</a:t>
+                      </a:r>
+                    </a:p>
+                  </a:txBody>
+                  <a:tcPr/>
+                </a:tc>
+                <a:tc>
+                  <a:txBody>
+                    <a:bodyPr/>
+                    <a:lstStyle/>
+                    <a:p>
+                      <a:r>
+                        <a:rPr lang="sk-SK" sz="3000" dirty="0"/>
+                        <a:t>113</a:t>
+                      </a:r>
+                    </a:p>
+                  </a:txBody>
+                  <a:tcPr/>
+                </a:tc>
+                <a:tc>
+                  <a:txBody>
+                    <a:bodyPr/>
+                    <a:lstStyle/>
+                    <a:p>
+                      <a:r>
+                        <a:rPr lang="sk-SK" sz="3000" dirty="0"/>
+                        <a:t>22</a:t>
+                      </a:r>
+                    </a:p>
+                  </a:txBody>
+                  <a:tcPr/>
+                </a:tc>
+                <a:tc>
+                  <a:txBody>
+                    <a:bodyPr/>
+                    <a:lstStyle/>
+                    <a:p>
+                      <a:r>
+                        <a:rPr lang="sk-SK" sz="3000" dirty="0"/>
+                        <a:t>0</a:t>
+                      </a:r>
+                    </a:p>
+                  </a:txBody>
+                  <a:tcPr/>
+                </a:tc>
+                <a:extLst>
+                  <a:ext uri="{0D108BD9-81ED-4DB2-BD59-A6C34878D82A}">
+                    <a16:rowId xmlns:a16="http://schemas.microsoft.com/office/drawing/2014/main" val="1569269462"/>
+                  </a:ext>
+                </a:extLst>
+              </a:tr>
+              <a:tr h="628757">
+                <a:tc>
+                  <a:txBody>
+                    <a:bodyPr/>
+                    <a:lstStyle/>
+                    <a:p>
+                      <a:r>
+                        <a:rPr lang="sk-SK" sz="3000" dirty="0"/>
+                        <a:t>0</a:t>
+                      </a:r>
+                    </a:p>
+                  </a:txBody>
+                  <a:tcPr/>
+                </a:tc>
+                <a:tc>
+                  <a:txBody>
+                    <a:bodyPr/>
+                    <a:lstStyle/>
+                    <a:p>
+                      <a:r>
+                        <a:rPr lang="sk-SK" sz="3000" dirty="0"/>
+                        <a:t>66</a:t>
+                      </a:r>
+                    </a:p>
+                  </a:txBody>
+                  <a:tcPr/>
+                </a:tc>
+                <a:tc>
+                  <a:txBody>
+                    <a:bodyPr/>
+                    <a:lstStyle/>
+                    <a:p>
+                      <a:r>
+                        <a:rPr lang="sk-SK" sz="3000" dirty="0"/>
+                        <a:t>0</a:t>
+                      </a:r>
+                    </a:p>
+                  </a:txBody>
+                  <a:tcPr/>
+                </a:tc>
+                <a:tc>
+                  <a:txBody>
+                    <a:bodyPr/>
+                    <a:lstStyle/>
+                    <a:p>
+                      <a:r>
+                        <a:rPr lang="sk-SK" sz="3000" dirty="0"/>
+                        <a:t>0</a:t>
+                      </a:r>
+                    </a:p>
+                  </a:txBody>
+                  <a:tcPr/>
+                </a:tc>
+                <a:tc>
+                  <a:txBody>
+                    <a:bodyPr/>
+                    <a:lstStyle/>
+                    <a:p>
+                      <a:r>
+                        <a:rPr lang="sk-SK" sz="3000" dirty="0"/>
+                        <a:t>0</a:t>
+                      </a:r>
+                    </a:p>
+                  </a:txBody>
+                  <a:tcPr/>
+                </a:tc>
+                <a:extLst>
+                  <a:ext uri="{0D108BD9-81ED-4DB2-BD59-A6C34878D82A}">
+                    <a16:rowId xmlns:a16="http://schemas.microsoft.com/office/drawing/2014/main" val="1499209447"/>
+                  </a:ext>
+                </a:extLst>
+              </a:tr>
+              <a:tr h="628757">
+                <a:tc>
+                  <a:txBody>
+                    <a:bodyPr/>
+                    <a:lstStyle/>
+                    <a:p>
+                      <a:r>
+                        <a:rPr lang="sk-SK" sz="3000" dirty="0"/>
+                        <a:t>0</a:t>
+                      </a:r>
+                    </a:p>
+                  </a:txBody>
+                  <a:tcPr/>
+                </a:tc>
+                <a:tc>
+                  <a:txBody>
+                    <a:bodyPr/>
+                    <a:lstStyle/>
+                    <a:p>
+                      <a:r>
+                        <a:rPr lang="sk-SK" sz="3000" dirty="0"/>
+                        <a:t>0</a:t>
+                      </a:r>
+                    </a:p>
+                  </a:txBody>
+                  <a:tcPr/>
+                </a:tc>
+                <a:tc>
+                  <a:txBody>
+                    <a:bodyPr/>
+                    <a:lstStyle/>
+                    <a:p>
+                      <a:r>
+                        <a:rPr lang="sk-SK" sz="3000" dirty="0"/>
+                        <a:t>0</a:t>
+                      </a:r>
+                    </a:p>
+                  </a:txBody>
+                  <a:tcPr/>
+                </a:tc>
+                <a:tc>
+                  <a:txBody>
+                    <a:bodyPr/>
+                    <a:lstStyle/>
+                    <a:p>
+                      <a:r>
+                        <a:rPr lang="sk-SK" sz="3000" dirty="0"/>
+                        <a:t>0</a:t>
+                      </a:r>
+                    </a:p>
+                  </a:txBody>
+                  <a:tcPr/>
+                </a:tc>
+                <a:tc>
+                  <a:txBody>
+                    <a:bodyPr/>
+                    <a:lstStyle/>
+                    <a:p>
+                      <a:r>
+                        <a:rPr lang="sk-SK" sz="3000" dirty="0"/>
+                        <a:t>0</a:t>
+                      </a:r>
+                    </a:p>
+                  </a:txBody>
+                  <a:tcPr/>
+                </a:tc>
+                <a:extLst>
+                  <a:ext uri="{0D108BD9-81ED-4DB2-BD59-A6C34878D82A}">
+                    <a16:rowId xmlns:a16="http://schemas.microsoft.com/office/drawing/2014/main" val="881777703"/>
+                  </a:ext>
+                </a:extLst>
+              </a:tr>
+            </a:tbl>
+          </a:graphicData>
+        </a:graphic>
+      </p:graphicFrame>
+      <p:sp>
+        <p:nvSpPr>
+          <p:cNvPr id="10" name="TextBox 9"/>
+          <p:cNvSpPr txBox="1"/>
+          <p:nvPr/>
+        </p:nvSpPr>
+        <p:spPr>
+          <a:xfrm>
+            <a:off x="638910" y="4501144"/>
+            <a:ext cx="10115918" cy="1631216"/>
+          </a:xfrm>
+          <a:prstGeom prst="rect">
+            <a:avLst/>
+          </a:prstGeom>
+          <a:noFill/>
+        </p:spPr>
+        <p:txBody>
+          <a:bodyPr wrap="square" rtlCol="0">
+            <a:spAutoFit/>
+          </a:bodyPr>
+          <a:lstStyle/>
+          <a:p>
+            <a:r>
+              <a:rPr lang="sk-SK" sz="2000" dirty="0"/>
+              <a:t>Ľavá tabuľka - hodnoty náhodného obrazu – pravá tabuľka je Orientácia 1(0-7)</a:t>
+            </a:r>
+          </a:p>
+          <a:p>
+            <a:r>
+              <a:rPr lang="sk-SK" sz="2000" dirty="0"/>
+              <a:t>Hodnotu 79 dostaneme ako: </a:t>
+            </a:r>
+            <a:r>
+              <a:rPr lang="en-US" sz="2000" dirty="0"/>
+              <a:t>abs(dx) + abs(</a:t>
+            </a:r>
+            <a:r>
+              <a:rPr lang="en-US" sz="2000" dirty="0" err="1"/>
+              <a:t>dy</a:t>
+            </a:r>
+            <a:r>
+              <a:rPr lang="en-US" sz="2000" dirty="0"/>
+              <a:t>)</a:t>
+            </a:r>
+            <a:endParaRPr lang="sk-SK" sz="2000" dirty="0"/>
+          </a:p>
+          <a:p>
+            <a:r>
+              <a:rPr lang="sk-SK" sz="2000" dirty="0"/>
+              <a:t>Orientáciu 1 dostaneme ako: </a:t>
+            </a:r>
+            <a:r>
+              <a:rPr lang="es-ES" sz="2000" dirty="0"/>
+              <a:t>(</a:t>
+            </a:r>
+            <a:r>
+              <a:rPr lang="en-US" sz="2000" dirty="0" err="1"/>
+              <a:t>dy</a:t>
+            </a:r>
+            <a:r>
+              <a:rPr lang="es-ES" sz="2000" dirty="0"/>
+              <a:t> &lt; 0) * 4 + (dx &lt; 0) * 2 + (</a:t>
+            </a:r>
+            <a:r>
+              <a:rPr lang="es-ES" sz="2000" dirty="0" err="1"/>
+              <a:t>abs</a:t>
+            </a:r>
+            <a:r>
+              <a:rPr lang="es-ES" sz="2000" dirty="0"/>
+              <a:t>(</a:t>
+            </a:r>
+            <a:r>
+              <a:rPr lang="es-ES" sz="2000" dirty="0" err="1"/>
+              <a:t>dy</a:t>
+            </a:r>
+            <a:r>
+              <a:rPr lang="es-ES" sz="2000" dirty="0"/>
+              <a:t>) &gt; </a:t>
+            </a:r>
+            <a:r>
+              <a:rPr lang="es-ES" sz="2000" dirty="0" err="1"/>
+              <a:t>abs</a:t>
+            </a:r>
+            <a:r>
+              <a:rPr lang="es-ES" sz="2000" dirty="0"/>
+              <a:t>(dx)) * 1</a:t>
+            </a:r>
+          </a:p>
+          <a:p>
+            <a:r>
+              <a:rPr lang="sk-SK" sz="2000" dirty="0"/>
+              <a:t>Na výpočet gradientu používame masku -1,0,1 tzn. dx = -37 + 46 a </a:t>
+            </a:r>
+            <a:r>
+              <a:rPr lang="sk-SK" sz="2000" dirty="0" err="1"/>
+              <a:t>dy</a:t>
+            </a:r>
+            <a:r>
+              <a:rPr lang="sk-SK" sz="2000" dirty="0"/>
+              <a:t> = -29 + 99</a:t>
+            </a:r>
+            <a:endParaRPr lang="es-ES" sz="2000" dirty="0"/>
+          </a:p>
+          <a:p>
+            <a:r>
+              <a:rPr lang="sk-SK" sz="2000" dirty="0"/>
+              <a:t>Pravá tabuľka obsahuje hodnoty gradientov obrazu pre danú orientáciu</a:t>
+            </a:r>
+          </a:p>
+        </p:txBody>
+      </p:sp>
+    </p:spTree>
+    <p:extLst>
+      <p:ext uri="{BB962C8B-B14F-4D97-AF65-F5344CB8AC3E}">
+        <p14:creationId xmlns:p14="http://schemas.microsoft.com/office/powerpoint/2010/main" val="2092512851"/>
+      </p:ext>
+    </p:extLst>
+  </p:cSld>
+  <p:clrMapOvr>
+    <a:masterClrMapping/>
+  </p:clrMapOvr>
+</p:sld>
+</file>
+
+<file path=ppt/slides/slide16.xml><?xml version="1.0" encoding="utf-8"?>
+<p:sld xmlns:a="http://schemas.openxmlformats.org/drawingml/2006/main" xmlns:r="http://schemas.openxmlformats.org/officeDocument/2006/relationships" xmlns:p="http://schemas.openxmlformats.org/presentationml/2006/main">
+  <p:cSld>
+    <p:spTree>
+      <p:nvGrpSpPr>
+        <p:cNvPr id="1" name=""/>
+        <p:cNvGrpSpPr/>
+        <p:nvPr/>
+      </p:nvGrpSpPr>
+      <p:grpSpPr>
+        <a:xfrm>
+          <a:off x="0" y="0"/>
+          <a:ext cx="0" cy="0"/>
+          <a:chOff x="0" y="0"/>
+          <a:chExt cx="0" cy="0"/>
+        </a:xfrm>
+      </p:grpSpPr>
+      <p:sp>
+        <p:nvSpPr>
+          <p:cNvPr id="4" name="Slide Number Placeholder 3"/>
+          <p:cNvSpPr>
+            <a:spLocks noGrp="1"/>
+          </p:cNvSpPr>
+          <p:nvPr>
+            <p:ph type="sldNum" sz="quarter" idx="12"/>
+          </p:nvPr>
+        </p:nvSpPr>
+        <p:spPr/>
+        <p:txBody>
+          <a:bodyPr/>
+          <a:lstStyle/>
+          <a:p>
+            <a:fld id="{636BBA97-DC0C-4E24-A4D9-865394CAD3F8}" type="slidenum">
+              <a:rPr lang="sk-SK" smtClean="0"/>
+              <a:t>16</a:t>
+            </a:fld>
+            <a:endParaRPr lang="sk-SK"/>
+          </a:p>
+        </p:txBody>
+      </p:sp>
+      <p:graphicFrame>
+        <p:nvGraphicFramePr>
+          <p:cNvPr id="9" name="Table 8"/>
+          <p:cNvGraphicFramePr>
+            <a:graphicFrameLocks noGrp="1"/>
+          </p:cNvGraphicFramePr>
+          <p:nvPr>
+            <p:extLst>
+              <p:ext uri="{D42A27DB-BD31-4B8C-83A1-F6EECF244321}">
+                <p14:modId xmlns:p14="http://schemas.microsoft.com/office/powerpoint/2010/main" val="3604137412"/>
+              </p:ext>
+            </p:extLst>
+          </p:nvPr>
+        </p:nvGraphicFramePr>
+        <p:xfrm>
+          <a:off x="389437" y="347159"/>
+          <a:ext cx="4879574" cy="3143785"/>
+        </p:xfrm>
+        <a:graphic>
+          <a:graphicData uri="http://schemas.openxmlformats.org/drawingml/2006/table">
+            <a:tbl>
+              <a:tblPr firstRow="1" bandRow="1">
+                <a:tableStyleId>{69CF1AB2-1976-4502-BF36-3FF5EA218861}</a:tableStyleId>
+              </a:tblPr>
+              <a:tblGrid>
+                <a:gridCol w="958954">
+                  <a:extLst>
+                    <a:ext uri="{9D8B030D-6E8A-4147-A177-3AD203B41FA5}">
+                      <a16:colId xmlns:a16="http://schemas.microsoft.com/office/drawing/2014/main" val="2051494239"/>
+                    </a:ext>
+                  </a:extLst>
+                </a:gridCol>
+                <a:gridCol w="958954">
+                  <a:extLst>
+                    <a:ext uri="{9D8B030D-6E8A-4147-A177-3AD203B41FA5}">
+                      <a16:colId xmlns:a16="http://schemas.microsoft.com/office/drawing/2014/main" val="2329033900"/>
+                    </a:ext>
+                  </a:extLst>
+                </a:gridCol>
+                <a:gridCol w="1040229">
+                  <a:extLst>
+                    <a:ext uri="{9D8B030D-6E8A-4147-A177-3AD203B41FA5}">
+                      <a16:colId xmlns:a16="http://schemas.microsoft.com/office/drawing/2014/main" val="1856403486"/>
+                    </a:ext>
+                  </a:extLst>
+                </a:gridCol>
+                <a:gridCol w="958954">
+                  <a:extLst>
+                    <a:ext uri="{9D8B030D-6E8A-4147-A177-3AD203B41FA5}">
+                      <a16:colId xmlns:a16="http://schemas.microsoft.com/office/drawing/2014/main" val="1751651507"/>
+                    </a:ext>
+                  </a:extLst>
+                </a:gridCol>
+                <a:gridCol w="962483">
+                  <a:extLst>
+                    <a:ext uri="{9D8B030D-6E8A-4147-A177-3AD203B41FA5}">
+                      <a16:colId xmlns:a16="http://schemas.microsoft.com/office/drawing/2014/main" val="68902876"/>
+                    </a:ext>
+                  </a:extLst>
+                </a:gridCol>
+              </a:tblGrid>
+              <a:tr h="628757">
+                <a:tc>
+                  <a:txBody>
+                    <a:bodyPr/>
+                    <a:lstStyle/>
+                    <a:p>
+                      <a:r>
+                        <a:rPr lang="sk-SK" sz="3000" dirty="0"/>
+                        <a:t>0</a:t>
+                      </a:r>
+                    </a:p>
+                  </a:txBody>
+                  <a:tcPr/>
+                </a:tc>
+                <a:tc>
+                  <a:txBody>
+                    <a:bodyPr/>
+                    <a:lstStyle/>
+                    <a:p>
+                      <a:r>
+                        <a:rPr lang="sk-SK" sz="3000" dirty="0"/>
+                        <a:t>0</a:t>
+                      </a:r>
+                    </a:p>
+                  </a:txBody>
+                  <a:tcPr/>
+                </a:tc>
+                <a:tc>
+                  <a:txBody>
+                    <a:bodyPr/>
+                    <a:lstStyle/>
+                    <a:p>
+                      <a:r>
+                        <a:rPr lang="sk-SK" sz="3000" dirty="0"/>
+                        <a:t>0</a:t>
+                      </a:r>
+                    </a:p>
+                  </a:txBody>
+                  <a:tcPr/>
+                </a:tc>
+                <a:tc>
+                  <a:txBody>
+                    <a:bodyPr/>
+                    <a:lstStyle/>
+                    <a:p>
+                      <a:r>
+                        <a:rPr lang="sk-SK" sz="3000" dirty="0"/>
+                        <a:t>0</a:t>
+                      </a:r>
+                    </a:p>
+                  </a:txBody>
+                  <a:tcPr/>
+                </a:tc>
+                <a:tc>
+                  <a:txBody>
+                    <a:bodyPr/>
+                    <a:lstStyle/>
+                    <a:p>
+                      <a:r>
+                        <a:rPr lang="sk-SK" sz="3000" dirty="0"/>
+                        <a:t>0</a:t>
+                      </a:r>
+                    </a:p>
+                  </a:txBody>
+                  <a:tcPr/>
+                </a:tc>
+                <a:extLst>
+                  <a:ext uri="{0D108BD9-81ED-4DB2-BD59-A6C34878D82A}">
+                    <a16:rowId xmlns:a16="http://schemas.microsoft.com/office/drawing/2014/main" val="239080233"/>
+                  </a:ext>
+                </a:extLst>
+              </a:tr>
+              <a:tr h="628757">
+                <a:tc>
+                  <a:txBody>
+                    <a:bodyPr/>
+                    <a:lstStyle/>
+                    <a:p>
+                      <a:r>
+                        <a:rPr lang="sk-SK" sz="3000" dirty="0"/>
+                        <a:t>0</a:t>
+                      </a:r>
+                    </a:p>
+                  </a:txBody>
+                  <a:tcPr/>
+                </a:tc>
+                <a:tc>
+                  <a:txBody>
+                    <a:bodyPr/>
+                    <a:lstStyle/>
+                    <a:p>
+                      <a:r>
+                        <a:rPr lang="sk-SK" sz="3000" dirty="0"/>
+                        <a:t>0</a:t>
+                      </a:r>
+                    </a:p>
+                  </a:txBody>
+                  <a:tcPr/>
+                </a:tc>
+                <a:tc>
+                  <a:txBody>
+                    <a:bodyPr/>
+                    <a:lstStyle/>
+                    <a:p>
+                      <a:r>
+                        <a:rPr lang="sk-SK" sz="3000" dirty="0"/>
+                        <a:t>0</a:t>
+                      </a:r>
+                    </a:p>
+                  </a:txBody>
+                  <a:tcPr/>
+                </a:tc>
+                <a:tc>
+                  <a:txBody>
+                    <a:bodyPr/>
+                    <a:lstStyle/>
+                    <a:p>
+                      <a:r>
+                        <a:rPr lang="sk-SK" sz="3000" dirty="0"/>
+                        <a:t>79</a:t>
+                      </a:r>
+                    </a:p>
+                  </a:txBody>
+                  <a:tcPr/>
+                </a:tc>
+                <a:tc>
+                  <a:txBody>
+                    <a:bodyPr/>
+                    <a:lstStyle/>
+                    <a:p>
+                      <a:r>
+                        <a:rPr lang="sk-SK" sz="3000" dirty="0"/>
+                        <a:t>0</a:t>
+                      </a:r>
+                    </a:p>
+                  </a:txBody>
+                  <a:tcPr/>
+                </a:tc>
+                <a:extLst>
+                  <a:ext uri="{0D108BD9-81ED-4DB2-BD59-A6C34878D82A}">
+                    <a16:rowId xmlns:a16="http://schemas.microsoft.com/office/drawing/2014/main" val="2557505366"/>
+                  </a:ext>
+                </a:extLst>
+              </a:tr>
+              <a:tr h="628757">
+                <a:tc>
+                  <a:txBody>
+                    <a:bodyPr/>
+                    <a:lstStyle/>
+                    <a:p>
+                      <a:r>
+                        <a:rPr lang="sk-SK" sz="3000" dirty="0"/>
+                        <a:t>0</a:t>
+                      </a:r>
+                    </a:p>
+                  </a:txBody>
+                  <a:tcPr/>
+                </a:tc>
+                <a:tc>
+                  <a:txBody>
+                    <a:bodyPr/>
+                    <a:lstStyle/>
+                    <a:p>
+                      <a:r>
+                        <a:rPr lang="sk-SK" sz="3000" dirty="0"/>
+                        <a:t>0</a:t>
+                      </a:r>
+                    </a:p>
+                  </a:txBody>
+                  <a:tcPr/>
+                </a:tc>
+                <a:tc>
+                  <a:txBody>
+                    <a:bodyPr/>
+                    <a:lstStyle/>
+                    <a:p>
+                      <a:r>
+                        <a:rPr lang="sk-SK" sz="3000" dirty="0"/>
+                        <a:t>113</a:t>
+                      </a:r>
+                    </a:p>
+                  </a:txBody>
+                  <a:tcPr/>
+                </a:tc>
+                <a:tc>
+                  <a:txBody>
+                    <a:bodyPr/>
+                    <a:lstStyle/>
+                    <a:p>
+                      <a:r>
+                        <a:rPr lang="sk-SK" sz="3000" dirty="0"/>
+                        <a:t>22</a:t>
+                      </a:r>
+                    </a:p>
+                  </a:txBody>
+                  <a:tcPr/>
+                </a:tc>
+                <a:tc>
+                  <a:txBody>
+                    <a:bodyPr/>
+                    <a:lstStyle/>
+                    <a:p>
+                      <a:r>
+                        <a:rPr lang="sk-SK" sz="3000" dirty="0"/>
+                        <a:t>0</a:t>
+                      </a:r>
+                    </a:p>
+                  </a:txBody>
+                  <a:tcPr/>
+                </a:tc>
+                <a:extLst>
+                  <a:ext uri="{0D108BD9-81ED-4DB2-BD59-A6C34878D82A}">
+                    <a16:rowId xmlns:a16="http://schemas.microsoft.com/office/drawing/2014/main" val="1569269462"/>
+                  </a:ext>
+                </a:extLst>
+              </a:tr>
+              <a:tr h="628757">
+                <a:tc>
+                  <a:txBody>
+                    <a:bodyPr/>
+                    <a:lstStyle/>
+                    <a:p>
+                      <a:r>
+                        <a:rPr lang="sk-SK" sz="3000" dirty="0"/>
+                        <a:t>0</a:t>
+                      </a:r>
+                    </a:p>
+                  </a:txBody>
+                  <a:tcPr/>
+                </a:tc>
+                <a:tc>
+                  <a:txBody>
+                    <a:bodyPr/>
+                    <a:lstStyle/>
+                    <a:p>
+                      <a:r>
+                        <a:rPr lang="sk-SK" sz="3000" dirty="0"/>
+                        <a:t>66</a:t>
+                      </a:r>
+                    </a:p>
+                  </a:txBody>
+                  <a:tcPr/>
+                </a:tc>
+                <a:tc>
+                  <a:txBody>
+                    <a:bodyPr/>
+                    <a:lstStyle/>
+                    <a:p>
+                      <a:r>
+                        <a:rPr lang="sk-SK" sz="3000" dirty="0"/>
+                        <a:t>0</a:t>
+                      </a:r>
+                    </a:p>
+                  </a:txBody>
+                  <a:tcPr/>
+                </a:tc>
+                <a:tc>
+                  <a:txBody>
+                    <a:bodyPr/>
+                    <a:lstStyle/>
+                    <a:p>
+                      <a:r>
+                        <a:rPr lang="sk-SK" sz="3000" dirty="0"/>
+                        <a:t>0</a:t>
+                      </a:r>
+                    </a:p>
+                  </a:txBody>
+                  <a:tcPr/>
+                </a:tc>
+                <a:tc>
+                  <a:txBody>
+                    <a:bodyPr/>
+                    <a:lstStyle/>
+                    <a:p>
+                      <a:r>
+                        <a:rPr lang="sk-SK" sz="3000" dirty="0"/>
+                        <a:t>0</a:t>
+                      </a:r>
+                    </a:p>
+                  </a:txBody>
+                  <a:tcPr/>
+                </a:tc>
+                <a:extLst>
+                  <a:ext uri="{0D108BD9-81ED-4DB2-BD59-A6C34878D82A}">
+                    <a16:rowId xmlns:a16="http://schemas.microsoft.com/office/drawing/2014/main" val="1499209447"/>
+                  </a:ext>
+                </a:extLst>
+              </a:tr>
+              <a:tr h="628757">
+                <a:tc>
+                  <a:txBody>
+                    <a:bodyPr/>
+                    <a:lstStyle/>
+                    <a:p>
+                      <a:r>
+                        <a:rPr lang="sk-SK" sz="3000" dirty="0"/>
+                        <a:t>0</a:t>
+                      </a:r>
+                    </a:p>
+                  </a:txBody>
+                  <a:tcPr/>
+                </a:tc>
+                <a:tc>
+                  <a:txBody>
+                    <a:bodyPr/>
+                    <a:lstStyle/>
+                    <a:p>
+                      <a:r>
+                        <a:rPr lang="sk-SK" sz="3000" dirty="0"/>
+                        <a:t>0</a:t>
+                      </a:r>
+                    </a:p>
+                  </a:txBody>
+                  <a:tcPr/>
+                </a:tc>
+                <a:tc>
+                  <a:txBody>
+                    <a:bodyPr/>
+                    <a:lstStyle/>
+                    <a:p>
+                      <a:r>
+                        <a:rPr lang="sk-SK" sz="3000" dirty="0"/>
+                        <a:t>0</a:t>
+                      </a:r>
+                    </a:p>
+                  </a:txBody>
+                  <a:tcPr/>
+                </a:tc>
+                <a:tc>
+                  <a:txBody>
+                    <a:bodyPr/>
+                    <a:lstStyle/>
+                    <a:p>
+                      <a:r>
+                        <a:rPr lang="sk-SK" sz="3000" dirty="0"/>
+                        <a:t>0</a:t>
+                      </a:r>
+                    </a:p>
+                  </a:txBody>
+                  <a:tcPr/>
+                </a:tc>
+                <a:tc>
+                  <a:txBody>
+                    <a:bodyPr/>
+                    <a:lstStyle/>
+                    <a:p>
+                      <a:r>
+                        <a:rPr lang="sk-SK" sz="3000" dirty="0"/>
+                        <a:t>0</a:t>
+                      </a:r>
+                    </a:p>
+                  </a:txBody>
+                  <a:tcPr/>
+                </a:tc>
+                <a:extLst>
+                  <a:ext uri="{0D108BD9-81ED-4DB2-BD59-A6C34878D82A}">
+                    <a16:rowId xmlns:a16="http://schemas.microsoft.com/office/drawing/2014/main" val="881777703"/>
+                  </a:ext>
+                </a:extLst>
+              </a:tr>
+            </a:tbl>
+          </a:graphicData>
+        </a:graphic>
+      </p:graphicFrame>
+      <p:graphicFrame>
+        <p:nvGraphicFramePr>
+          <p:cNvPr id="10" name="Table 9"/>
+          <p:cNvGraphicFramePr>
+            <a:graphicFrameLocks noGrp="1"/>
+          </p:cNvGraphicFramePr>
+          <p:nvPr>
+            <p:extLst>
+              <p:ext uri="{D42A27DB-BD31-4B8C-83A1-F6EECF244321}">
+                <p14:modId xmlns:p14="http://schemas.microsoft.com/office/powerpoint/2010/main" val="2277852551"/>
+              </p:ext>
+            </p:extLst>
+          </p:nvPr>
+        </p:nvGraphicFramePr>
+        <p:xfrm>
+          <a:off x="5472966" y="357199"/>
+          <a:ext cx="4879574" cy="3143785"/>
+        </p:xfrm>
+        <a:graphic>
+          <a:graphicData uri="http://schemas.openxmlformats.org/drawingml/2006/table">
+            <a:tbl>
+              <a:tblPr firstRow="1" bandRow="1">
+                <a:tableStyleId>{69CF1AB2-1976-4502-BF36-3FF5EA218861}</a:tableStyleId>
+              </a:tblPr>
+              <a:tblGrid>
+                <a:gridCol w="958954">
+                  <a:extLst>
+                    <a:ext uri="{9D8B030D-6E8A-4147-A177-3AD203B41FA5}">
+                      <a16:colId xmlns:a16="http://schemas.microsoft.com/office/drawing/2014/main" val="2051494239"/>
+                    </a:ext>
+                  </a:extLst>
+                </a:gridCol>
+                <a:gridCol w="958954">
+                  <a:extLst>
+                    <a:ext uri="{9D8B030D-6E8A-4147-A177-3AD203B41FA5}">
+                      <a16:colId xmlns:a16="http://schemas.microsoft.com/office/drawing/2014/main" val="2329033900"/>
+                    </a:ext>
+                  </a:extLst>
+                </a:gridCol>
+                <a:gridCol w="1040229">
+                  <a:extLst>
+                    <a:ext uri="{9D8B030D-6E8A-4147-A177-3AD203B41FA5}">
+                      <a16:colId xmlns:a16="http://schemas.microsoft.com/office/drawing/2014/main" val="1856403486"/>
+                    </a:ext>
+                  </a:extLst>
+                </a:gridCol>
+                <a:gridCol w="958954">
+                  <a:extLst>
+                    <a:ext uri="{9D8B030D-6E8A-4147-A177-3AD203B41FA5}">
+                      <a16:colId xmlns:a16="http://schemas.microsoft.com/office/drawing/2014/main" val="1751651507"/>
+                    </a:ext>
+                  </a:extLst>
+                </a:gridCol>
+                <a:gridCol w="962483">
+                  <a:extLst>
+                    <a:ext uri="{9D8B030D-6E8A-4147-A177-3AD203B41FA5}">
+                      <a16:colId xmlns:a16="http://schemas.microsoft.com/office/drawing/2014/main" val="68902876"/>
+                    </a:ext>
+                  </a:extLst>
+                </a:gridCol>
+              </a:tblGrid>
+              <a:tr h="628757">
+                <a:tc>
+                  <a:txBody>
+                    <a:bodyPr/>
+                    <a:lstStyle/>
+                    <a:p>
+                      <a:r>
+                        <a:rPr lang="sk-SK" sz="3000" dirty="0"/>
+                        <a:t>0</a:t>
+                      </a:r>
+                    </a:p>
+                  </a:txBody>
+                  <a:tcPr>
+                    <a:solidFill>
+                      <a:schemeClr val="bg2">
+                        <a:lumMod val="40000"/>
+                        <a:lumOff val="60000"/>
+                      </a:schemeClr>
+                    </a:solidFill>
+                  </a:tcPr>
+                </a:tc>
+                <a:tc>
+                  <a:txBody>
+                    <a:bodyPr/>
+                    <a:lstStyle/>
+                    <a:p>
+                      <a:r>
+                        <a:rPr lang="sk-SK" sz="3000" dirty="0"/>
+                        <a:t>0</a:t>
+                      </a:r>
+                    </a:p>
+                  </a:txBody>
+                  <a:tcPr>
+                    <a:solidFill>
+                      <a:schemeClr val="bg2">
+                        <a:lumMod val="40000"/>
+                        <a:lumOff val="60000"/>
+                      </a:schemeClr>
+                    </a:solidFill>
+                  </a:tcPr>
+                </a:tc>
+                <a:tc>
+                  <a:txBody>
+                    <a:bodyPr/>
+                    <a:lstStyle/>
+                    <a:p>
+                      <a:r>
+                        <a:rPr lang="sk-SK" sz="3000" dirty="0"/>
+                        <a:t>0</a:t>
+                      </a:r>
+                    </a:p>
+                  </a:txBody>
+                  <a:tcPr>
+                    <a:solidFill>
+                      <a:schemeClr val="bg2">
+                        <a:lumMod val="40000"/>
+                        <a:lumOff val="60000"/>
+                      </a:schemeClr>
+                    </a:solidFill>
+                  </a:tcPr>
+                </a:tc>
+                <a:tc>
+                  <a:txBody>
+                    <a:bodyPr/>
+                    <a:lstStyle/>
+                    <a:p>
+                      <a:r>
+                        <a:rPr lang="sk-SK" sz="3000" dirty="0"/>
+                        <a:t>0</a:t>
+                      </a:r>
+                    </a:p>
+                  </a:txBody>
+                  <a:tcPr>
+                    <a:solidFill>
+                      <a:schemeClr val="bg2">
+                        <a:lumMod val="40000"/>
+                        <a:lumOff val="60000"/>
+                      </a:schemeClr>
+                    </a:solidFill>
+                  </a:tcPr>
+                </a:tc>
+                <a:tc>
+                  <a:txBody>
+                    <a:bodyPr/>
+                    <a:lstStyle/>
+                    <a:p>
+                      <a:r>
+                        <a:rPr lang="sk-SK" sz="3000" dirty="0"/>
+                        <a:t>0</a:t>
+                      </a:r>
+                    </a:p>
+                  </a:txBody>
+                  <a:tcPr/>
+                </a:tc>
+                <a:extLst>
+                  <a:ext uri="{0D108BD9-81ED-4DB2-BD59-A6C34878D82A}">
+                    <a16:rowId xmlns:a16="http://schemas.microsoft.com/office/drawing/2014/main" val="239080233"/>
+                  </a:ext>
+                </a:extLst>
+              </a:tr>
+              <a:tr h="628757">
+                <a:tc>
+                  <a:txBody>
+                    <a:bodyPr/>
+                    <a:lstStyle/>
+                    <a:p>
+                      <a:r>
+                        <a:rPr lang="sk-SK" sz="3000" dirty="0"/>
+                        <a:t>0</a:t>
+                      </a:r>
+                    </a:p>
+                  </a:txBody>
+                  <a:tcPr>
+                    <a:solidFill>
+                      <a:schemeClr val="bg2">
+                        <a:lumMod val="40000"/>
+                        <a:lumOff val="60000"/>
+                      </a:schemeClr>
+                    </a:solidFill>
+                  </a:tcPr>
+                </a:tc>
+                <a:tc>
+                  <a:txBody>
+                    <a:bodyPr/>
+                    <a:lstStyle/>
+                    <a:p>
+                      <a:r>
+                        <a:rPr lang="sk-SK" sz="3000" dirty="0"/>
+                        <a:t>0</a:t>
+                      </a:r>
+                    </a:p>
+                  </a:txBody>
+                  <a:tcPr>
+                    <a:solidFill>
+                      <a:schemeClr val="bg2">
+                        <a:lumMod val="40000"/>
+                        <a:lumOff val="60000"/>
+                      </a:schemeClr>
+                    </a:solidFill>
+                  </a:tcPr>
+                </a:tc>
+                <a:tc>
+                  <a:txBody>
+                    <a:bodyPr/>
+                    <a:lstStyle/>
+                    <a:p>
+                      <a:r>
+                        <a:rPr lang="sk-SK" sz="3000" dirty="0"/>
+                        <a:t>0</a:t>
+                      </a:r>
+                    </a:p>
+                  </a:txBody>
+                  <a:tcPr>
+                    <a:solidFill>
+                      <a:schemeClr val="bg2">
+                        <a:lumMod val="40000"/>
+                        <a:lumOff val="60000"/>
+                      </a:schemeClr>
+                    </a:solidFill>
+                  </a:tcPr>
+                </a:tc>
+                <a:tc>
+                  <a:txBody>
+                    <a:bodyPr/>
+                    <a:lstStyle/>
+                    <a:p>
+                      <a:r>
+                        <a:rPr lang="sk-SK" sz="3000" dirty="0"/>
+                        <a:t>79</a:t>
+                      </a:r>
+                    </a:p>
+                  </a:txBody>
+                  <a:tcPr>
+                    <a:solidFill>
+                      <a:schemeClr val="bg2">
+                        <a:lumMod val="40000"/>
+                        <a:lumOff val="60000"/>
+                      </a:schemeClr>
+                    </a:solidFill>
+                  </a:tcPr>
+                </a:tc>
+                <a:tc>
+                  <a:txBody>
+                    <a:bodyPr/>
+                    <a:lstStyle/>
+                    <a:p>
+                      <a:r>
+                        <a:rPr lang="sk-SK" sz="3000" dirty="0"/>
+                        <a:t>79</a:t>
+                      </a:r>
+                    </a:p>
+                  </a:txBody>
+                  <a:tcPr/>
+                </a:tc>
+                <a:extLst>
+                  <a:ext uri="{0D108BD9-81ED-4DB2-BD59-A6C34878D82A}">
+                    <a16:rowId xmlns:a16="http://schemas.microsoft.com/office/drawing/2014/main" val="2557505366"/>
+                  </a:ext>
+                </a:extLst>
+              </a:tr>
+              <a:tr h="628757">
+                <a:tc>
+                  <a:txBody>
+                    <a:bodyPr/>
+                    <a:lstStyle/>
+                    <a:p>
+                      <a:r>
+                        <a:rPr lang="sk-SK" sz="3000" dirty="0"/>
+                        <a:t>0</a:t>
+                      </a:r>
+                    </a:p>
+                  </a:txBody>
+                  <a:tcPr>
+                    <a:solidFill>
+                      <a:schemeClr val="bg2">
+                        <a:lumMod val="40000"/>
+                        <a:lumOff val="60000"/>
+                      </a:schemeClr>
+                    </a:solidFill>
+                  </a:tcPr>
+                </a:tc>
+                <a:tc>
+                  <a:txBody>
+                    <a:bodyPr/>
+                    <a:lstStyle/>
+                    <a:p>
+                      <a:r>
+                        <a:rPr lang="sk-SK" sz="3000" dirty="0"/>
+                        <a:t>0</a:t>
+                      </a:r>
+                    </a:p>
+                  </a:txBody>
+                  <a:tcPr>
+                    <a:solidFill>
+                      <a:schemeClr val="bg2">
+                        <a:lumMod val="40000"/>
+                        <a:lumOff val="60000"/>
+                      </a:schemeClr>
+                    </a:solidFill>
+                  </a:tcPr>
+                </a:tc>
+                <a:tc>
+                  <a:txBody>
+                    <a:bodyPr/>
+                    <a:lstStyle/>
+                    <a:p>
+                      <a:r>
+                        <a:rPr lang="sk-SK" sz="3000" dirty="0"/>
+                        <a:t>113</a:t>
+                      </a:r>
+                    </a:p>
+                  </a:txBody>
+                  <a:tcPr>
+                    <a:solidFill>
+                      <a:schemeClr val="bg2">
+                        <a:lumMod val="40000"/>
+                        <a:lumOff val="60000"/>
+                      </a:schemeClr>
+                    </a:solidFill>
+                  </a:tcPr>
+                </a:tc>
+                <a:tc>
+                  <a:txBody>
+                    <a:bodyPr/>
+                    <a:lstStyle/>
+                    <a:p>
+                      <a:r>
+                        <a:rPr lang="sk-SK" sz="3000" dirty="0"/>
+                        <a:t>214</a:t>
+                      </a:r>
+                    </a:p>
+                  </a:txBody>
+                  <a:tcPr>
+                    <a:solidFill>
+                      <a:schemeClr val="bg2">
+                        <a:lumMod val="40000"/>
+                        <a:lumOff val="60000"/>
+                      </a:schemeClr>
+                    </a:solidFill>
+                  </a:tcPr>
+                </a:tc>
+                <a:tc>
+                  <a:txBody>
+                    <a:bodyPr/>
+                    <a:lstStyle/>
+                    <a:p>
+                      <a:r>
+                        <a:rPr lang="sk-SK" sz="3000" dirty="0"/>
+                        <a:t>214</a:t>
+                      </a:r>
+                    </a:p>
+                  </a:txBody>
+                  <a:tcPr/>
+                </a:tc>
+                <a:extLst>
+                  <a:ext uri="{0D108BD9-81ED-4DB2-BD59-A6C34878D82A}">
+                    <a16:rowId xmlns:a16="http://schemas.microsoft.com/office/drawing/2014/main" val="1569269462"/>
+                  </a:ext>
+                </a:extLst>
+              </a:tr>
+              <a:tr h="628757">
+                <a:tc>
+                  <a:txBody>
+                    <a:bodyPr/>
+                    <a:lstStyle/>
+                    <a:p>
+                      <a:r>
+                        <a:rPr lang="sk-SK" sz="3000" dirty="0"/>
+                        <a:t>0</a:t>
+                      </a:r>
+                    </a:p>
+                  </a:txBody>
+                  <a:tcPr>
+                    <a:solidFill>
+                      <a:schemeClr val="bg2">
+                        <a:lumMod val="40000"/>
+                        <a:lumOff val="60000"/>
+                      </a:schemeClr>
+                    </a:solidFill>
+                  </a:tcPr>
+                </a:tc>
+                <a:tc>
+                  <a:txBody>
+                    <a:bodyPr/>
+                    <a:lstStyle/>
+                    <a:p>
+                      <a:r>
+                        <a:rPr lang="sk-SK" sz="3000" dirty="0"/>
+                        <a:t>66</a:t>
+                      </a:r>
+                    </a:p>
+                  </a:txBody>
+                  <a:tcPr>
+                    <a:solidFill>
+                      <a:schemeClr val="bg2">
+                        <a:lumMod val="40000"/>
+                        <a:lumOff val="60000"/>
+                      </a:schemeClr>
+                    </a:solidFill>
+                  </a:tcPr>
+                </a:tc>
+                <a:tc>
+                  <a:txBody>
+                    <a:bodyPr/>
+                    <a:lstStyle/>
+                    <a:p>
+                      <a:r>
+                        <a:rPr lang="sk-SK" sz="3000" dirty="0"/>
+                        <a:t>179</a:t>
+                      </a:r>
+                    </a:p>
+                  </a:txBody>
+                  <a:tcPr>
+                    <a:solidFill>
+                      <a:schemeClr val="bg2">
+                        <a:lumMod val="40000"/>
+                        <a:lumOff val="60000"/>
+                      </a:schemeClr>
+                    </a:solidFill>
+                  </a:tcPr>
+                </a:tc>
+                <a:tc>
+                  <a:txBody>
+                    <a:bodyPr/>
+                    <a:lstStyle/>
+                    <a:p>
+                      <a:r>
+                        <a:rPr lang="sk-SK" sz="3000" dirty="0"/>
+                        <a:t>280</a:t>
+                      </a:r>
+                    </a:p>
+                  </a:txBody>
+                  <a:tcPr>
+                    <a:solidFill>
+                      <a:schemeClr val="bg2">
+                        <a:lumMod val="40000"/>
+                        <a:lumOff val="60000"/>
+                      </a:schemeClr>
+                    </a:solidFill>
+                  </a:tcPr>
+                </a:tc>
+                <a:tc>
+                  <a:txBody>
+                    <a:bodyPr/>
+                    <a:lstStyle/>
+                    <a:p>
+                      <a:r>
+                        <a:rPr lang="sk-SK" sz="3000" dirty="0"/>
+                        <a:t>280</a:t>
+                      </a:r>
+                    </a:p>
+                  </a:txBody>
+                  <a:tcPr/>
+                </a:tc>
+                <a:extLst>
+                  <a:ext uri="{0D108BD9-81ED-4DB2-BD59-A6C34878D82A}">
+                    <a16:rowId xmlns:a16="http://schemas.microsoft.com/office/drawing/2014/main" val="1499209447"/>
+                  </a:ext>
+                </a:extLst>
+              </a:tr>
+              <a:tr h="628757">
+                <a:tc>
+                  <a:txBody>
+                    <a:bodyPr/>
+                    <a:lstStyle/>
+                    <a:p>
+                      <a:r>
+                        <a:rPr lang="sk-SK" sz="3000" dirty="0"/>
+                        <a:t>0</a:t>
+                      </a:r>
+                    </a:p>
+                  </a:txBody>
+                  <a:tcPr/>
+                </a:tc>
+                <a:tc>
+                  <a:txBody>
+                    <a:bodyPr/>
+                    <a:lstStyle/>
+                    <a:p>
+                      <a:r>
+                        <a:rPr lang="sk-SK" sz="3000" dirty="0"/>
+                        <a:t>66</a:t>
+                      </a:r>
+                    </a:p>
+                  </a:txBody>
+                  <a:tcPr/>
+                </a:tc>
+                <a:tc>
+                  <a:txBody>
+                    <a:bodyPr/>
+                    <a:lstStyle/>
+                    <a:p>
+                      <a:r>
+                        <a:rPr lang="sk-SK" sz="3000" dirty="0"/>
+                        <a:t>179</a:t>
+                      </a:r>
+                    </a:p>
+                  </a:txBody>
+                  <a:tcPr/>
+                </a:tc>
+                <a:tc>
+                  <a:txBody>
+                    <a:bodyPr/>
+                    <a:lstStyle/>
+                    <a:p>
+                      <a:r>
+                        <a:rPr lang="sk-SK" sz="3000" dirty="0"/>
+                        <a:t>280</a:t>
+                      </a:r>
+                    </a:p>
+                  </a:txBody>
+                  <a:tcPr/>
+                </a:tc>
+                <a:tc>
+                  <a:txBody>
+                    <a:bodyPr/>
+                    <a:lstStyle/>
+                    <a:p>
+                      <a:r>
+                        <a:rPr lang="sk-SK" sz="3000" dirty="0"/>
+                        <a:t>280</a:t>
+                      </a:r>
+                    </a:p>
+                  </a:txBody>
+                  <a:tcPr/>
+                </a:tc>
+                <a:extLst>
+                  <a:ext uri="{0D108BD9-81ED-4DB2-BD59-A6C34878D82A}">
+                    <a16:rowId xmlns:a16="http://schemas.microsoft.com/office/drawing/2014/main" val="881777703"/>
+                  </a:ext>
+                </a:extLst>
+              </a:tr>
+            </a:tbl>
+          </a:graphicData>
+        </a:graphic>
+      </p:graphicFrame>
+      <p:sp>
+        <p:nvSpPr>
+          <p:cNvPr id="11" name="TextBox 10"/>
+          <p:cNvSpPr txBox="1"/>
+          <p:nvPr/>
+        </p:nvSpPr>
+        <p:spPr>
+          <a:xfrm>
+            <a:off x="287459" y="3761830"/>
+            <a:ext cx="9963103" cy="1569660"/>
+          </a:xfrm>
+          <a:prstGeom prst="rect">
+            <a:avLst/>
+          </a:prstGeom>
+          <a:noFill/>
+        </p:spPr>
+        <p:txBody>
+          <a:bodyPr wrap="square" rtlCol="0">
+            <a:spAutoFit/>
+          </a:bodyPr>
+          <a:lstStyle/>
+          <a:p>
+            <a:r>
+              <a:rPr lang="sk-SK" sz="2400" dirty="0"/>
+              <a:t>Ľavá tabuľka obsahuje hodnoty gradientov</a:t>
+            </a:r>
+          </a:p>
+          <a:p>
+            <a:r>
+              <a:rPr lang="sk-SK" sz="2400" dirty="0"/>
+              <a:t>Pravá tabuľka integrálny obraz hodnôt gradientov</a:t>
+            </a:r>
+          </a:p>
+          <a:p>
+            <a:r>
+              <a:rPr lang="sk-SK" sz="2400" dirty="0"/>
+              <a:t>Veľkosť buniek SHOG </a:t>
+            </a:r>
+            <a:r>
+              <a:rPr lang="sk-SK" sz="2400" dirty="0" err="1"/>
+              <a:t>deskriptora</a:t>
+            </a:r>
+            <a:r>
+              <a:rPr lang="sk-SK" sz="2400" dirty="0"/>
+              <a:t> je 4x4 a posun je 1x1</a:t>
+            </a:r>
+          </a:p>
+          <a:p>
+            <a:r>
+              <a:rPr lang="sk-SK" sz="2400" dirty="0"/>
+              <a:t>Z orientácie 1 nám preto vzniknú 4 hodnoty</a:t>
+            </a:r>
+          </a:p>
+        </p:txBody>
+      </p:sp>
+      <p:graphicFrame>
+        <p:nvGraphicFramePr>
+          <p:cNvPr id="12" name="Table 11"/>
+          <p:cNvGraphicFramePr>
+            <a:graphicFrameLocks noGrp="1"/>
+          </p:cNvGraphicFramePr>
+          <p:nvPr>
+            <p:extLst>
+              <p:ext uri="{D42A27DB-BD31-4B8C-83A1-F6EECF244321}">
+                <p14:modId xmlns:p14="http://schemas.microsoft.com/office/powerpoint/2010/main" val="3654402486"/>
+              </p:ext>
+            </p:extLst>
+          </p:nvPr>
+        </p:nvGraphicFramePr>
+        <p:xfrm>
+          <a:off x="6865903" y="5026690"/>
+          <a:ext cx="4844833" cy="1616695"/>
+        </p:xfrm>
+        <a:graphic>
+          <a:graphicData uri="http://schemas.openxmlformats.org/drawingml/2006/table">
+            <a:tbl>
+              <a:tblPr firstRow="1" bandRow="1">
+                <a:tableStyleId>{69CF1AB2-1976-4502-BF36-3FF5EA218861}</a:tableStyleId>
+              </a:tblPr>
+              <a:tblGrid>
+                <a:gridCol w="2065752">
+                  <a:extLst>
+                    <a:ext uri="{9D8B030D-6E8A-4147-A177-3AD203B41FA5}">
+                      <a16:colId xmlns:a16="http://schemas.microsoft.com/office/drawing/2014/main" val="2012010547"/>
+                    </a:ext>
+                  </a:extLst>
+                </a:gridCol>
+                <a:gridCol w="2779081">
+                  <a:extLst>
+                    <a:ext uri="{9D8B030D-6E8A-4147-A177-3AD203B41FA5}">
+                      <a16:colId xmlns:a16="http://schemas.microsoft.com/office/drawing/2014/main" val="3149485451"/>
+                    </a:ext>
+                  </a:extLst>
+                </a:gridCol>
+              </a:tblGrid>
+              <a:tr h="763255">
+                <a:tc>
+                  <a:txBody>
+                    <a:bodyPr/>
+                    <a:lstStyle/>
+                    <a:p>
+                      <a:r>
+                        <a:rPr lang="sk-SK" sz="2500" dirty="0"/>
+                        <a:t>280</a:t>
+                      </a:r>
+                    </a:p>
+                  </a:txBody>
+                  <a:tcPr/>
+                </a:tc>
+                <a:tc>
+                  <a:txBody>
+                    <a:bodyPr/>
+                    <a:lstStyle/>
+                    <a:p>
+                      <a:r>
+                        <a:rPr lang="sk-SK" sz="2500" dirty="0"/>
+                        <a:t>280 – 66 = 214</a:t>
+                      </a:r>
+                    </a:p>
+                  </a:txBody>
+                  <a:tcPr/>
+                </a:tc>
+                <a:extLst>
+                  <a:ext uri="{0D108BD9-81ED-4DB2-BD59-A6C34878D82A}">
+                    <a16:rowId xmlns:a16="http://schemas.microsoft.com/office/drawing/2014/main" val="141990935"/>
+                  </a:ext>
+                </a:extLst>
+              </a:tr>
+              <a:tr h="763255">
+                <a:tc>
+                  <a:txBody>
+                    <a:bodyPr/>
+                    <a:lstStyle/>
+                    <a:p>
+                      <a:r>
+                        <a:rPr lang="sk-SK" sz="2500" dirty="0"/>
+                        <a:t>280 – 79 = 201</a:t>
+                      </a:r>
+                    </a:p>
+                  </a:txBody>
+                  <a:tcPr/>
+                </a:tc>
+                <a:tc>
+                  <a:txBody>
+                    <a:bodyPr/>
+                    <a:lstStyle/>
+                    <a:p>
+                      <a:r>
+                        <a:rPr lang="sk-SK" sz="2500" dirty="0"/>
+                        <a:t>280 – 79 – 66 = 135</a:t>
+                      </a:r>
+                    </a:p>
+                  </a:txBody>
+                  <a:tcPr/>
+                </a:tc>
+                <a:extLst>
+                  <a:ext uri="{0D108BD9-81ED-4DB2-BD59-A6C34878D82A}">
+                    <a16:rowId xmlns:a16="http://schemas.microsoft.com/office/drawing/2014/main" val="4062208542"/>
+                  </a:ext>
+                </a:extLst>
+              </a:tr>
+            </a:tbl>
+          </a:graphicData>
+        </a:graphic>
+      </p:graphicFrame>
+    </p:spTree>
+    <p:extLst>
+      <p:ext uri="{BB962C8B-B14F-4D97-AF65-F5344CB8AC3E}">
+        <p14:creationId xmlns:p14="http://schemas.microsoft.com/office/powerpoint/2010/main" val="2468078096"/>
       </p:ext>
     </p:extLst>
   </p:cSld>
@@ -7769,7 +10667,7 @@
           <a:p>
             <a:r>
               <a:rPr lang="sk-SK" dirty="0"/>
-              <a:t>Počítačové videnie</a:t>
+              <a:t>Ciele</a:t>
             </a:r>
           </a:p>
         </p:txBody>
@@ -7791,33 +10689,75 @@
           <a:p>
             <a:r>
               <a:rPr lang="sk-SK" dirty="0"/>
-              <a:t>Snaha spracovať obraz čo najrýchlejšie</a:t>
-            </a:r>
-          </a:p>
-          <a:p>
-            <a:r>
-              <a:rPr lang="sk-SK" dirty="0"/>
-              <a:t>Extrakcia dát</a:t>
-            </a:r>
-          </a:p>
-          <a:p>
-            <a:r>
-              <a:rPr lang="sk-SK" dirty="0"/>
-              <a:t>Výstup pre iné procesy</a:t>
-            </a:r>
-          </a:p>
-          <a:p>
-            <a:r>
-              <a:rPr lang="sk-SK" dirty="0"/>
-              <a:t>Dôraz na využitie najnovších technológií – náročnosť implementácií</a:t>
-            </a:r>
+              <a:t>Analýza súčasného stavu</a:t>
+            </a:r>
+          </a:p>
+          <a:p>
+            <a:r>
+              <a:rPr lang="sk-SK" dirty="0"/>
+              <a:t>Výber vhodnej implementácie </a:t>
+            </a:r>
+            <a:r>
+              <a:rPr lang="sk-SK" dirty="0" err="1"/>
+              <a:t>Adaboostu</a:t>
+            </a:r>
+            <a:endParaRPr lang="sk-SK" dirty="0"/>
+          </a:p>
+          <a:p>
+            <a:r>
+              <a:rPr lang="sk-SK" dirty="0"/>
+              <a:t>Návrh a paralelná implementácia </a:t>
+            </a:r>
+            <a:r>
+              <a:rPr lang="sk-SK" dirty="0" err="1"/>
+              <a:t>extraktora</a:t>
+            </a:r>
+            <a:r>
+              <a:rPr lang="sk-SK" dirty="0"/>
+              <a:t> príznakov na GPU a CPU</a:t>
+            </a:r>
+          </a:p>
+          <a:p>
+            <a:r>
+              <a:rPr lang="sk-SK" dirty="0"/>
+              <a:t>Porovnanie GPU a CPU implementácií</a:t>
+            </a:r>
+          </a:p>
+          <a:p>
+            <a:r>
+              <a:rPr lang="sk-SK" dirty="0"/>
+              <a:t>Experimentálne vyhodnotenie na vybranej úlohe detekcie objektov a záver</a:t>
+            </a:r>
+          </a:p>
+        </p:txBody>
+      </p:sp>
+      <p:sp>
+        <p:nvSpPr>
+          <p:cNvPr id="4" name="Slide Number Placeholder 3"/>
+          <p:cNvSpPr>
+            <a:spLocks noGrp="1"/>
+          </p:cNvSpPr>
+          <p:nvPr>
+            <p:ph type="sldNum" sz="quarter" idx="12"/>
+          </p:nvPr>
+        </p:nvSpPr>
+        <p:spPr/>
+        <p:txBody>
+          <a:bodyPr/>
+          <a:lstStyle/>
+          <a:p>
+            <a:fld id="{636BBA97-DC0C-4E24-A4D9-865394CAD3F8}" type="slidenum">
+              <a:rPr lang="sk-SK" smtClean="0"/>
+              <a:t>2</a:t>
+            </a:fld>
+            <a:endParaRPr lang="sk-SK"/>
           </a:p>
         </p:txBody>
       </p:sp>
     </p:spTree>
     <p:extLst>
       <p:ext uri="{BB962C8B-B14F-4D97-AF65-F5344CB8AC3E}">
-        <p14:creationId xmlns:p14="http://schemas.microsoft.com/office/powerpoint/2010/main" val="2570867946"/>
+        <p14:creationId xmlns:p14="http://schemas.microsoft.com/office/powerpoint/2010/main" val="1111957943"/>
       </p:ext>
     </p:extLst>
   </p:cSld>
@@ -7860,18 +10800,9 @@
           <a:lstStyle/>
           <a:p>
             <a:r>
-              <a:rPr lang="sk-SK" dirty="0" err="1"/>
-              <a:t>Deskriptory</a:t>
-            </a:r>
-            <a:r>
-              <a:rPr lang="sk-SK" dirty="0"/>
-              <a:t> a </a:t>
-            </a:r>
-            <a:r>
-              <a:rPr lang="sk-SK" dirty="0" err="1"/>
-              <a:t>klasifikátory</a:t>
-            </a:r>
-            <a:endParaRPr lang="sk-SK" dirty="0"/>
+              <a:rPr lang="sk-SK" dirty="0"/>
+              <a:t>Motivácie</a:t>
+            </a:r>
           </a:p>
         </p:txBody>
       </p:sp>
@@ -7891,113 +10822,60 @@
           <a:lstStyle/>
           <a:p>
             <a:r>
-              <a:rPr lang="sk-SK" dirty="0" err="1"/>
-              <a:t>Deskriptory</a:t>
-            </a:r>
+              <a:rPr lang="sk-SK" dirty="0"/>
+              <a:t>Obrovské množstvo dát v multimédiách – potreba automatizovaného spracovávania</a:t>
+            </a:r>
+          </a:p>
+          <a:p>
+            <a:r>
+              <a:rPr lang="sk-SK" dirty="0"/>
+              <a:t>Práca s obrazom za účelom extrakcie dát pre ďalšie procesy – napríklad autonómne vozidlá</a:t>
+            </a:r>
+          </a:p>
+          <a:p>
+            <a:r>
+              <a:rPr lang="sk-SK" dirty="0"/>
+              <a:t>Snaha spracovať dáta čo najrýchlejšie – paralelné výpočty</a:t>
+            </a:r>
+          </a:p>
+          <a:p>
+            <a:r>
+              <a:rPr lang="sk-SK" dirty="0"/>
+              <a:t>Rýchly vývoj nových trendov – potrebné prispôsobovať algoritmy na nové úlohy a technológie</a:t>
+            </a:r>
+          </a:p>
+          <a:p>
             <a:endParaRPr lang="sk-SK" dirty="0"/>
           </a:p>
-          <a:p>
-            <a:pPr>
-              <a:buFont typeface="Arial" panose="020B0604020202020204" pitchFamily="34" charset="0"/>
-              <a:buChar char="•"/>
-            </a:pPr>
-            <a:r>
-              <a:rPr lang="sk-SK" dirty="0"/>
-              <a:t>Popis obrazu so zámerom dobrej extrakcie určitých čŕt</a:t>
-            </a:r>
-          </a:p>
-          <a:p>
-            <a:pPr>
-              <a:buFont typeface="Arial" panose="020B0604020202020204" pitchFamily="34" charset="0"/>
-              <a:buChar char="•"/>
-            </a:pPr>
-            <a:r>
-              <a:rPr lang="sk-SK" dirty="0"/>
-              <a:t>Hodnotia sa hlavne podľa </a:t>
-            </a:r>
-            <a:r>
-              <a:rPr lang="sk-SK" dirty="0" err="1"/>
-              <a:t>popisovacej</a:t>
-            </a:r>
-            <a:r>
-              <a:rPr lang="sk-SK" dirty="0"/>
-              <a:t> schopnosti a rýchlosti</a:t>
-            </a:r>
-          </a:p>
-          <a:p>
-            <a:pPr>
-              <a:buFont typeface="Arial" panose="020B0604020202020204" pitchFamily="34" charset="0"/>
-              <a:buChar char="•"/>
-            </a:pPr>
-            <a:r>
-              <a:rPr lang="sk-SK" dirty="0"/>
-              <a:t>Na každú </a:t>
-            </a:r>
-            <a:r>
-              <a:rPr lang="sk-SK" dirty="0" err="1"/>
-              <a:t>úlohú</a:t>
-            </a:r>
-            <a:r>
-              <a:rPr lang="sk-SK" dirty="0"/>
-              <a:t> je vhodný iný</a:t>
-            </a:r>
-          </a:p>
-          <a:p>
-            <a:r>
-              <a:rPr lang="sk-SK" dirty="0" err="1"/>
-              <a:t>Klasifikátory</a:t>
-            </a:r>
-            <a:endParaRPr lang="sk-SK" dirty="0"/>
-          </a:p>
-          <a:p>
-            <a:pPr>
-              <a:buFont typeface="Arial" panose="020B0604020202020204" pitchFamily="34" charset="0"/>
-              <a:buChar char="•"/>
-            </a:pPr>
-            <a:r>
-              <a:rPr lang="sk-SK" dirty="0"/>
-              <a:t>Robia rozhodnutia na základe natrénovaného modelu – štatistika, strojové učenie</a:t>
-            </a:r>
-          </a:p>
-          <a:p>
-            <a:pPr>
-              <a:buFont typeface="Arial" panose="020B0604020202020204" pitchFamily="34" charset="0"/>
-              <a:buChar char="•"/>
-            </a:pPr>
-            <a:r>
-              <a:rPr lang="sk-SK" dirty="0"/>
-              <a:t>2 fázy – </a:t>
-            </a:r>
-            <a:r>
-              <a:rPr lang="sk-SK" dirty="0" err="1"/>
-              <a:t>trénovacia</a:t>
-            </a:r>
-            <a:r>
-              <a:rPr lang="sk-SK" dirty="0"/>
-              <a:t>, testovacia</a:t>
-            </a:r>
-          </a:p>
-          <a:p>
-            <a:pPr>
-              <a:buFont typeface="Arial" panose="020B0604020202020204" pitchFamily="34" charset="0"/>
-              <a:buChar char="•"/>
-            </a:pPr>
-            <a:r>
-              <a:rPr lang="sk-SK" dirty="0"/>
-              <a:t>Vlastnosti výsledného modelu závisia od vstupných parametrov a </a:t>
-            </a:r>
-            <a:r>
-              <a:rPr lang="sk-SK" dirty="0" err="1"/>
-              <a:t>deskriptora</a:t>
-            </a:r>
-            <a:endParaRPr lang="sk-SK" dirty="0"/>
+        </p:txBody>
+      </p:sp>
+      <p:sp>
+        <p:nvSpPr>
+          <p:cNvPr id="4" name="Slide Number Placeholder 3"/>
+          <p:cNvSpPr>
+            <a:spLocks noGrp="1"/>
+          </p:cNvSpPr>
+          <p:nvPr>
+            <p:ph type="sldNum" sz="quarter" idx="12"/>
+          </p:nvPr>
+        </p:nvSpPr>
+        <p:spPr/>
+        <p:txBody>
+          <a:bodyPr/>
+          <a:lstStyle/>
+          <a:p>
+            <a:fld id="{636BBA97-DC0C-4E24-A4D9-865394CAD3F8}" type="slidenum">
+              <a:rPr lang="sk-SK" smtClean="0"/>
+              <a:t>3</a:t>
+            </a:fld>
+            <a:endParaRPr lang="sk-SK"/>
           </a:p>
         </p:txBody>
       </p:sp>
     </p:spTree>
     <p:extLst>
       <p:ext uri="{BB962C8B-B14F-4D97-AF65-F5344CB8AC3E}">
-        <p14:creationId xmlns:p14="http://schemas.microsoft.com/office/powerpoint/2010/main" val="1414900010"/>
+        <p14:creationId xmlns:p14="http://schemas.microsoft.com/office/powerpoint/2010/main" val="2570867946"/>
       </p:ext>
     </p:extLst>
   </p:cSld>
@@ -8040,9 +10918,18 @@
           <a:lstStyle/>
           <a:p>
             <a:r>
-              <a:rPr lang="sk-SK" dirty="0"/>
-              <a:t>AdaBoost</a:t>
-            </a:r>
+              <a:rPr lang="sk-SK" dirty="0" err="1"/>
+              <a:t>Deskriptory</a:t>
+            </a:r>
+            <a:r>
+              <a:rPr lang="sk-SK" dirty="0"/>
+              <a:t> a </a:t>
+            </a:r>
+            <a:r>
+              <a:rPr lang="sk-SK" dirty="0" err="1"/>
+              <a:t>klasifikátory</a:t>
+            </a:r>
+            <a:endParaRPr lang="sk-SK" dirty="0"/>
           </a:p>
         </p:txBody>
       </p:sp>
@@ -8056,75 +10943,177 @@
             <p:ph idx="1"/>
           </p:nvPr>
         </p:nvSpPr>
-        <p:spPr>
-          <a:xfrm>
-            <a:off x="1103312" y="2052918"/>
-            <a:ext cx="4738195" cy="4152573"/>
-          </a:xfrm>
-        </p:spPr>
+        <p:spPr/>
+        <p:txBody>
+          <a:bodyPr>
+            <a:normAutofit lnSpcReduction="10000"/>
+          </a:bodyPr>
+          <a:lstStyle/>
+          <a:p>
+            <a:r>
+              <a:rPr lang="sk-SK" dirty="0" err="1"/>
+              <a:t>Deskriptory</a:t>
+            </a:r>
+            <a:endParaRPr lang="sk-SK" dirty="0"/>
+          </a:p>
+          <a:p>
+            <a:pPr lvl="1">
+              <a:buFont typeface="Arial" panose="020B0604020202020204" pitchFamily="34" charset="0"/>
+              <a:buChar char="•"/>
+            </a:pPr>
+            <a:r>
+              <a:rPr lang="sk-SK" dirty="0"/>
+              <a:t>Popis obrazu so zámerom dobrej extrakcie určitých čŕt</a:t>
+            </a:r>
+          </a:p>
+          <a:p>
+            <a:pPr lvl="1">
+              <a:buFont typeface="Arial" panose="020B0604020202020204" pitchFamily="34" charset="0"/>
+              <a:buChar char="•"/>
+            </a:pPr>
+            <a:r>
+              <a:rPr lang="sk-SK" dirty="0"/>
+              <a:t>Hodnotia sa hlavne podľa </a:t>
+            </a:r>
+            <a:r>
+              <a:rPr lang="sk-SK" dirty="0" err="1"/>
+              <a:t>popisovacej</a:t>
+            </a:r>
+            <a:r>
+              <a:rPr lang="sk-SK" dirty="0"/>
+              <a:t> schopnosti a rýchlosti</a:t>
+            </a:r>
+          </a:p>
+          <a:p>
+            <a:pPr lvl="1">
+              <a:buFont typeface="Arial" panose="020B0604020202020204" pitchFamily="34" charset="0"/>
+              <a:buChar char="•"/>
+            </a:pPr>
+            <a:r>
+              <a:rPr lang="sk-SK" dirty="0"/>
+              <a:t>Na každú </a:t>
+            </a:r>
+            <a:r>
+              <a:rPr lang="sk-SK" dirty="0" err="1"/>
+              <a:t>úlohú</a:t>
+            </a:r>
+            <a:r>
+              <a:rPr lang="sk-SK" dirty="0"/>
+              <a:t> je vhodný iný</a:t>
+            </a:r>
+          </a:p>
+          <a:p>
+            <a:r>
+              <a:rPr lang="sk-SK" dirty="0" err="1"/>
+              <a:t>Klasifikátory</a:t>
+            </a:r>
+            <a:endParaRPr lang="sk-SK" dirty="0"/>
+          </a:p>
+          <a:p>
+            <a:pPr lvl="1">
+              <a:buFont typeface="Arial" panose="020B0604020202020204" pitchFamily="34" charset="0"/>
+              <a:buChar char="•"/>
+            </a:pPr>
+            <a:r>
+              <a:rPr lang="sk-SK" dirty="0"/>
+              <a:t>Robia rozhodnutia na základe natrénovaného modelu – štatistika, strojové učenie</a:t>
+            </a:r>
+          </a:p>
+          <a:p>
+            <a:pPr lvl="1">
+              <a:buFont typeface="Arial" panose="020B0604020202020204" pitchFamily="34" charset="0"/>
+              <a:buChar char="•"/>
+            </a:pPr>
+            <a:r>
+              <a:rPr lang="sk-SK" dirty="0"/>
+              <a:t>2 fázy – </a:t>
+            </a:r>
+            <a:r>
+              <a:rPr lang="sk-SK" dirty="0" err="1"/>
+              <a:t>trénovacia</a:t>
+            </a:r>
+            <a:r>
+              <a:rPr lang="sk-SK" dirty="0"/>
+              <a:t>, testovacia</a:t>
+            </a:r>
+          </a:p>
+          <a:p>
+            <a:pPr lvl="1">
+              <a:buFont typeface="Arial" panose="020B0604020202020204" pitchFamily="34" charset="0"/>
+              <a:buChar char="•"/>
+            </a:pPr>
+            <a:r>
+              <a:rPr lang="sk-SK" dirty="0"/>
+              <a:t>Vlastnosti výsledného modelu závisia od vstupných parametrov a </a:t>
+            </a:r>
+            <a:r>
+              <a:rPr lang="sk-SK" dirty="0" err="1"/>
+              <a:t>deskriptora</a:t>
+            </a:r>
+            <a:endParaRPr lang="sk-SK" dirty="0"/>
+          </a:p>
+          <a:p>
+            <a:pPr marL="0" indent="0">
+              <a:buNone/>
+            </a:pPr>
+            <a:r>
+              <a:rPr lang="sk-SK" dirty="0"/>
+              <a:t>Vhodný </a:t>
+            </a:r>
+            <a:r>
+              <a:rPr lang="sk-SK" dirty="0" err="1"/>
+              <a:t>deskriptor</a:t>
+            </a:r>
+            <a:r>
+              <a:rPr lang="sk-SK" dirty="0"/>
+              <a:t> v spojení s natrénovaným modelom </a:t>
+            </a:r>
+            <a:r>
+              <a:rPr lang="sk-SK" dirty="0" err="1"/>
+              <a:t>klasifikátora</a:t>
+            </a:r>
+            <a:r>
+              <a:rPr lang="sk-SK" dirty="0"/>
+              <a:t> dokáže </a:t>
+            </a:r>
+            <a:r>
+              <a:rPr lang="sk-SK" dirty="0" err="1"/>
+              <a:t>detekovať</a:t>
+            </a:r>
+            <a:r>
+              <a:rPr lang="sk-SK" dirty="0"/>
+              <a:t> dané triedy/objekty</a:t>
+            </a:r>
+          </a:p>
+        </p:txBody>
+      </p:sp>
+      <p:sp>
+        <p:nvSpPr>
+          <p:cNvPr id="4" name="Slide Number Placeholder 3"/>
+          <p:cNvSpPr>
+            <a:spLocks noGrp="1"/>
+          </p:cNvSpPr>
+          <p:nvPr>
+            <p:ph type="sldNum" sz="quarter" idx="12"/>
+          </p:nvPr>
+        </p:nvSpPr>
+        <p:spPr/>
         <p:txBody>
           <a:bodyPr/>
           <a:lstStyle/>
           <a:p>
-            <a:r>
-              <a:rPr lang="sk-SK" dirty="0"/>
-              <a:t>Meta-algoritmus strojového učenia</a:t>
-            </a:r>
-          </a:p>
-          <a:p>
-            <a:r>
-              <a:rPr lang="sk-SK" dirty="0"/>
-              <a:t>Využíva slabé klasifikátory – napríklad rozhodovacie stromy</a:t>
-            </a:r>
-          </a:p>
-          <a:p>
-            <a:r>
-              <a:rPr lang="sk-SK" dirty="0"/>
-              <a:t>Vážením slabých klasifikátorov vytvorí jeden silný klasifikátor</a:t>
-            </a:r>
-          </a:p>
-          <a:p>
-            <a:r>
-              <a:rPr lang="sk-SK" dirty="0"/>
-              <a:t>Existuje veľa variantov – DiscreteBoost, RealBoost, LogitBoost, GentleBoost</a:t>
-            </a:r>
-          </a:p>
-        </p:txBody>
-      </p:sp>
-      <p:pic>
-        <p:nvPicPr>
-          <p:cNvPr id="4" name="Picture 3"/>
-          <p:cNvPicPr>
-            <a:picLocks noChangeAspect="1"/>
-          </p:cNvPicPr>
-          <p:nvPr/>
-        </p:nvPicPr>
-        <p:blipFill>
-          <a:blip r:embed="rId2">
-            <a:extLst>
-              <a:ext uri="{28A0092B-C50C-407E-A947-70E740481C1C}">
-                <a14:useLocalDpi xmlns:a14="http://schemas.microsoft.com/office/drawing/2010/main" val="0"/>
-              </a:ext>
-            </a:extLst>
-          </a:blip>
-          <a:stretch>
-            <a:fillRect/>
-          </a:stretch>
-        </p:blipFill>
-        <p:spPr>
-          <a:xfrm>
-            <a:off x="5994980" y="2052918"/>
-            <a:ext cx="5333333" cy="4000000"/>
-          </a:xfrm>
-          <a:prstGeom prst="rect">
-            <a:avLst/>
-          </a:prstGeom>
-        </p:spPr>
-      </p:pic>
+            <a:fld id="{636BBA97-DC0C-4E24-A4D9-865394CAD3F8}" type="slidenum">
+              <a:rPr lang="sk-SK" smtClean="0"/>
+              <a:t>4</a:t>
+            </a:fld>
+            <a:endParaRPr lang="sk-SK"/>
+          </a:p>
+        </p:txBody>
+      </p:sp>
     </p:spTree>
     <p:extLst>
       <p:ext uri="{BB962C8B-B14F-4D97-AF65-F5344CB8AC3E}">
-        <p14:creationId xmlns:p14="http://schemas.microsoft.com/office/powerpoint/2010/main" val="1561605624"/>
+        <p14:creationId xmlns:p14="http://schemas.microsoft.com/office/powerpoint/2010/main" val="1414900010"/>
       </p:ext>
     </p:extLst>
   </p:cSld>
@@ -8168,13 +11157,8 @@
           <a:p>
             <a:r>
               <a:rPr lang="sk-SK" dirty="0"/>
-              <a:t>Analyzované </a:t>
-            </a:r>
-            <a:r>
-              <a:rPr lang="sk-SK" dirty="0" err="1"/>
-              <a:t>deskriptory</a:t>
-            </a:r>
-            <a:endParaRPr lang="sk-SK" dirty="0"/>
+              <a:t>AdaBoost</a:t>
+            </a:r>
           </a:p>
         </p:txBody>
       </p:sp>
@@ -8188,52 +11172,202 @@
             <p:ph idx="1"/>
           </p:nvPr>
         </p:nvSpPr>
-        <p:spPr/>
+        <p:spPr>
+          <a:xfrm>
+            <a:off x="739328" y="1440359"/>
+            <a:ext cx="5948110" cy="5066973"/>
+          </a:xfrm>
+        </p:spPr>
         <p:txBody>
           <a:bodyPr/>
           <a:lstStyle/>
           <a:p>
             <a:r>
               <a:rPr lang="sk-SK" dirty="0"/>
-              <a:t>Haarové vlnky</a:t>
-            </a:r>
-          </a:p>
-          <a:p>
-            <a:pPr>
+              <a:t>Meta-algoritmus strojového učenia</a:t>
+            </a:r>
+          </a:p>
+          <a:p>
+            <a:r>
+              <a:rPr lang="sk-SK" dirty="0"/>
+              <a:t>Využíva slabé klasifikátory – napríklad rozhodovacie stromy</a:t>
+            </a:r>
+          </a:p>
+          <a:p>
+            <a:r>
+              <a:rPr lang="sk-SK" dirty="0"/>
+              <a:t>Vážením slabých klasifikátorov vytvorí jeden silný </a:t>
+            </a:r>
+            <a:r>
+              <a:rPr lang="sk-SK" dirty="0" err="1"/>
+              <a:t>klasifikátor</a:t>
+            </a:r>
+            <a:endParaRPr lang="sk-SK" dirty="0"/>
+          </a:p>
+          <a:p>
+            <a:r>
+              <a:rPr lang="sk-SK" dirty="0"/>
+              <a:t>Vhodný pre kaskádovú klasifikáciu – viacero </a:t>
+            </a:r>
+            <a:r>
+              <a:rPr lang="sk-SK" dirty="0" err="1"/>
+              <a:t>klasifikátorov</a:t>
+            </a:r>
+            <a:r>
+              <a:rPr lang="sk-SK" dirty="0"/>
+              <a:t> za sebou – výsledok jeden silný </a:t>
+            </a:r>
+            <a:r>
+              <a:rPr lang="sk-SK" dirty="0" err="1"/>
+              <a:t>klasifikátor</a:t>
+            </a:r>
+            <a:endParaRPr lang="sk-SK" dirty="0"/>
+          </a:p>
+          <a:p>
+            <a:r>
+              <a:rPr lang="sk-SK" dirty="0"/>
+              <a:t>Viola-</a:t>
+            </a:r>
+            <a:r>
+              <a:rPr lang="sk-SK" dirty="0" err="1"/>
+              <a:t>Jones</a:t>
+            </a:r>
+            <a:r>
+              <a:rPr lang="sk-SK" dirty="0"/>
+              <a:t> kaskáda – </a:t>
+            </a:r>
+          </a:p>
+          <a:p>
+            <a:pPr lvl="1">
               <a:buFont typeface="Arial" panose="020B0604020202020204" pitchFamily="34" charset="0"/>
               <a:buChar char="•"/>
             </a:pPr>
             <a:r>
               <a:rPr lang="sk-SK" dirty="0"/>
-              <a:t>Veľmi jednoduché a možnosť vygenerovať veľa, ale problém rôznorodosti</a:t>
-            </a:r>
-          </a:p>
-          <a:p>
-            <a:r>
-              <a:rPr lang="sk-SK" dirty="0"/>
-              <a:t>Histogram of Oriented Gradients</a:t>
-            </a:r>
-          </a:p>
-          <a:p>
-            <a:pPr>
+              <a:t>Prvý </a:t>
+            </a:r>
+            <a:r>
+              <a:rPr lang="sk-SK" dirty="0" err="1"/>
+              <a:t>real-time</a:t>
+            </a:r>
+            <a:r>
+              <a:rPr lang="sk-SK" dirty="0"/>
+              <a:t> </a:t>
+            </a:r>
+            <a:r>
+              <a:rPr lang="sk-SK" dirty="0" err="1"/>
+              <a:t>framework</a:t>
+            </a:r>
+            <a:r>
+              <a:rPr lang="sk-SK" dirty="0"/>
+              <a:t> vyvinutý na detekciu tvárí</a:t>
+            </a:r>
+          </a:p>
+          <a:p>
+            <a:pPr lvl="1">
               <a:buFont typeface="Arial" panose="020B0604020202020204" pitchFamily="34" charset="0"/>
               <a:buChar char="•"/>
             </a:pPr>
             <a:r>
               <a:rPr lang="sk-SK" dirty="0"/>
-              <a:t>Silná popisovacia vlastnosť, ale problém paralelizácie niektorých krokov</a:t>
-            </a:r>
-          </a:p>
-          <a:p>
-            <a:r>
-              <a:rPr lang="sk-SK" dirty="0"/>
-              <a:t>LiteHOG/LiteHOG+ - zjednodušenie HOGu a použitie iných slabých klasifikátorov</a:t>
-            </a:r>
-          </a:p>
-          <a:p>
-            <a:r>
-              <a:rPr lang="sk-SK" dirty="0"/>
-              <a:t>SHOG/FDAHOG – rozšírenie logiky LiteHOG+ so zámerom využiť plný potenciál procesora</a:t>
+              <a:t>Využíva AdaBoost v spojení s </a:t>
+            </a:r>
+            <a:r>
+              <a:rPr lang="sk-SK" dirty="0" err="1"/>
+              <a:t>Haarovými</a:t>
+            </a:r>
+            <a:r>
+              <a:rPr lang="sk-SK" dirty="0"/>
+              <a:t> vlnkami</a:t>
+            </a:r>
+          </a:p>
+          <a:p>
+            <a:endParaRPr lang="sk-SK" dirty="0"/>
+          </a:p>
+          <a:p>
+            <a:endParaRPr lang="sk-SK" dirty="0"/>
+          </a:p>
+        </p:txBody>
+      </p:sp>
+      <p:pic>
+        <p:nvPicPr>
+          <p:cNvPr id="4" name="Picture 3"/>
+          <p:cNvPicPr>
+            <a:picLocks noChangeAspect="1"/>
+          </p:cNvPicPr>
+          <p:nvPr/>
+        </p:nvPicPr>
+        <p:blipFill>
+          <a:blip r:embed="rId2">
+            <a:extLst>
+              <a:ext uri="{28A0092B-C50C-407E-A947-70E740481C1C}">
+                <a14:useLocalDpi xmlns:a14="http://schemas.microsoft.com/office/drawing/2010/main" val="0"/>
+              </a:ext>
+            </a:extLst>
+          </a:blip>
+          <a:stretch>
+            <a:fillRect/>
+          </a:stretch>
+        </p:blipFill>
+        <p:spPr>
+          <a:xfrm>
+            <a:off x="6687438" y="1268393"/>
+            <a:ext cx="5333333" cy="4000000"/>
+          </a:xfrm>
+          <a:prstGeom prst="rect">
+            <a:avLst/>
+          </a:prstGeom>
+        </p:spPr>
+      </p:pic>
+      <p:sp>
+        <p:nvSpPr>
+          <p:cNvPr id="5" name="Slide Number Placeholder 4"/>
+          <p:cNvSpPr>
+            <a:spLocks noGrp="1"/>
+          </p:cNvSpPr>
+          <p:nvPr>
+            <p:ph type="sldNum" sz="quarter" idx="12"/>
+          </p:nvPr>
+        </p:nvSpPr>
+        <p:spPr/>
+        <p:txBody>
+          <a:bodyPr/>
+          <a:lstStyle/>
+          <a:p>
+            <a:fld id="{636BBA97-DC0C-4E24-A4D9-865394CAD3F8}" type="slidenum">
+              <a:rPr lang="sk-SK" smtClean="0"/>
+              <a:t>5</a:t>
+            </a:fld>
+            <a:endParaRPr lang="sk-SK"/>
+          </a:p>
+        </p:txBody>
+      </p:sp>
+      <p:sp>
+        <p:nvSpPr>
+          <p:cNvPr id="6" name="TextBox 5"/>
+          <p:cNvSpPr txBox="1"/>
+          <p:nvPr/>
+        </p:nvSpPr>
+        <p:spPr>
+          <a:xfrm>
+            <a:off x="7094737" y="5468224"/>
+            <a:ext cx="4518734" cy="276999"/>
+          </a:xfrm>
+          <a:prstGeom prst="rect">
+            <a:avLst/>
+          </a:prstGeom>
+          <a:noFill/>
+        </p:spPr>
+        <p:txBody>
+          <a:bodyPr wrap="square" rtlCol="0">
+            <a:spAutoFit/>
+          </a:bodyPr>
+          <a:lstStyle/>
+          <a:p>
+            <a:pPr algn="ctr"/>
+            <a:r>
+              <a:rPr lang="sk-SK" sz="1200" dirty="0"/>
+              <a:t>Zdroj: http:/www.37steps.com/</a:t>
             </a:r>
           </a:p>
         </p:txBody>
@@ -8241,7 +11375,7 @@
     </p:spTree>
     <p:extLst>
       <p:ext uri="{BB962C8B-B14F-4D97-AF65-F5344CB8AC3E}">
-        <p14:creationId xmlns:p14="http://schemas.microsoft.com/office/powerpoint/2010/main" val="1905402571"/>
+        <p14:creationId xmlns:p14="http://schemas.microsoft.com/office/powerpoint/2010/main" val="1561605624"/>
       </p:ext>
     </p:extLst>
   </p:cSld>
@@ -8285,83 +11419,84 @@
           <a:p>
             <a:r>
               <a:rPr lang="sk-SK" dirty="0"/>
-              <a:t>Príklady deskriptorov</a:t>
-            </a:r>
-            <a:endParaRPr lang="en-US" dirty="0"/>
-          </a:p>
-        </p:txBody>
-      </p:sp>
-      <p:pic>
-        <p:nvPicPr>
-          <p:cNvPr id="6" name="Content Placeholder 5" descr="D:\Users\killerwife\C source\Cuda shtuff\Bakalarka words\microsoftHog.png"/>
-          <p:cNvPicPr>
-            <a:picLocks noGrp="1"/>
-          </p:cNvPicPr>
+              <a:t>Vlastné pokusy</a:t>
+            </a:r>
+          </a:p>
+        </p:txBody>
+      </p:sp>
+      <p:sp>
+        <p:nvSpPr>
+          <p:cNvPr id="3" name="Content Placeholder 2"/>
+          <p:cNvSpPr>
+            <a:spLocks noGrp="1"/>
+          </p:cNvSpPr>
           <p:nvPr>
             <p:ph idx="1"/>
           </p:nvPr>
-        </p:nvPicPr>
-        <p:blipFill>
-          <a:blip r:embed="rId2">
-            <a:extLst>
-              <a:ext uri="{28A0092B-C50C-407E-A947-70E740481C1C}">
-                <a14:useLocalDpi xmlns:a14="http://schemas.microsoft.com/office/drawing/2010/main" val="0"/>
-              </a:ext>
-            </a:extLst>
-          </a:blip>
-          <a:srcRect/>
-          <a:stretch>
-            <a:fillRect/>
-          </a:stretch>
-        </p:blipFill>
-        <p:spPr bwMode="auto">
-          <a:xfrm>
-            <a:off x="5121759" y="1935331"/>
-            <a:ext cx="5336136" cy="4142173"/>
-          </a:xfrm>
-          <a:prstGeom prst="rect">
-            <a:avLst/>
-          </a:prstGeom>
-          <a:noFill/>
-          <a:ln>
-            <a:noFill/>
-          </a:ln>
-        </p:spPr>
-      </p:pic>
-      <p:pic>
-        <p:nvPicPr>
-          <p:cNvPr id="7" name="Picture 6"/>
-          <p:cNvPicPr>
-            <a:picLocks noChangeAspect="1"/>
-          </p:cNvPicPr>
-          <p:nvPr/>
-        </p:nvPicPr>
-        <p:blipFill>
-          <a:blip r:embed="rId3">
-            <a:extLst>
-              <a:ext uri="{28A0092B-C50C-407E-A947-70E740481C1C}">
-                <a14:useLocalDpi xmlns:a14="http://schemas.microsoft.com/office/drawing/2010/main" val="0"/>
-              </a:ext>
-            </a:extLst>
-          </a:blip>
-          <a:stretch>
-            <a:fillRect/>
-          </a:stretch>
-        </p:blipFill>
-        <p:spPr>
-          <a:xfrm>
-            <a:off x="802689" y="1935332"/>
-            <a:ext cx="4142173" cy="4142173"/>
-          </a:xfrm>
-          <a:prstGeom prst="rect">
-            <a:avLst/>
-          </a:prstGeom>
-        </p:spPr>
-      </p:pic>
+        </p:nvSpPr>
+        <p:spPr/>
+        <p:txBody>
+          <a:bodyPr/>
+          <a:lstStyle/>
+          <a:p>
+            <a:r>
+              <a:rPr lang="sk-SK" dirty="0"/>
+              <a:t>Oboznámenie sa s rôznymi knižnicami a algoritmami</a:t>
+            </a:r>
+          </a:p>
+          <a:p>
+            <a:r>
+              <a:rPr lang="sk-SK" dirty="0"/>
+              <a:t>Snaha implementovať vlastnú kaskádu a vlastný deskriptor</a:t>
+            </a:r>
+          </a:p>
+          <a:p>
+            <a:r>
+              <a:rPr lang="sk-SK" dirty="0"/>
+              <a:t>Implementácia vlastnej správy dát a detectMultiScale algoritmu</a:t>
+            </a:r>
+          </a:p>
+          <a:p>
+            <a:r>
+              <a:rPr lang="sk-SK" dirty="0"/>
+              <a:t>Postup vyžadoval implementáciu veľkého počtu častí, ktoré už existujú</a:t>
+            </a:r>
+          </a:p>
+          <a:p>
+            <a:r>
+              <a:rPr lang="sk-SK" dirty="0"/>
+              <a:t>Rozhodnutie použiť existujúcu Viola-Jones kaskádu</a:t>
+            </a:r>
+          </a:p>
+        </p:txBody>
+      </p:sp>
+      <p:sp>
+        <p:nvSpPr>
+          <p:cNvPr id="4" name="Slide Number Placeholder 3"/>
+          <p:cNvSpPr>
+            <a:spLocks noGrp="1"/>
+          </p:cNvSpPr>
+          <p:nvPr>
+            <p:ph type="sldNum" sz="quarter" idx="12"/>
+          </p:nvPr>
+        </p:nvSpPr>
+        <p:spPr/>
+        <p:txBody>
+          <a:bodyPr/>
+          <a:lstStyle/>
+          <a:p>
+            <a:fld id="{636BBA97-DC0C-4E24-A4D9-865394CAD3F8}" type="slidenum">
+              <a:rPr lang="sk-SK" smtClean="0"/>
+              <a:t>6</a:t>
+            </a:fld>
+            <a:endParaRPr lang="sk-SK"/>
+          </a:p>
+        </p:txBody>
+      </p:sp>
     </p:spTree>
     <p:extLst>
       <p:ext uri="{BB962C8B-B14F-4D97-AF65-F5344CB8AC3E}">
-        <p14:creationId xmlns:p14="http://schemas.microsoft.com/office/powerpoint/2010/main" val="4242231965"/>
+        <p14:creationId xmlns:p14="http://schemas.microsoft.com/office/powerpoint/2010/main" val="702880137"/>
       </p:ext>
     </p:extLst>
   </p:cSld>
@@ -8405,7 +11540,7 @@
           <a:p>
             <a:r>
               <a:rPr lang="sk-SK" dirty="0"/>
-              <a:t>Tréningová kaskáda</a:t>
+              <a:t>Výber AdaBoostu</a:t>
             </a:r>
           </a:p>
         </p:txBody>
@@ -8427,57 +11562,150 @@
           <a:p>
             <a:r>
               <a:rPr lang="sk-SK" dirty="0"/>
-              <a:t>Zoskupenie klasifikátorov – rýchle na začiatku, pomalé na konci</a:t>
-            </a:r>
-          </a:p>
-          <a:p>
-            <a:r>
-              <a:rPr lang="sk-SK" dirty="0"/>
-              <a:t>Vytvorenie jedného kvalitnejšieho klasifikátora</a:t>
-            </a:r>
-          </a:p>
-          <a:p>
-            <a:r>
-              <a:rPr lang="sk-SK" dirty="0"/>
-              <a:t>Viola-Jones kaskáda</a:t>
-            </a:r>
-          </a:p>
-          <a:p>
-            <a:pPr>
+              <a:t>Vyhodnotené 3 implementácie AdaBoostu – </a:t>
+            </a:r>
+          </a:p>
+          <a:p>
+            <a:pPr lvl="1">
               <a:buFont typeface="Arial" panose="020B0604020202020204" pitchFamily="34" charset="0"/>
               <a:buChar char="•"/>
             </a:pPr>
             <a:r>
-              <a:rPr lang="sk-SK" dirty="0"/>
-              <a:t>Prvý detekčný framework pracujúci v reálnom čase</a:t>
-            </a:r>
-          </a:p>
-          <a:p>
-            <a:pPr>
+              <a:rPr lang="sk-SK" dirty="0" err="1"/>
+              <a:t>OpenCV</a:t>
+            </a:r>
+            <a:r>
+              <a:rPr lang="sk-SK" dirty="0"/>
+              <a:t> 3.0 – Jednoduchá, všeobecne využiteľná</a:t>
+            </a:r>
+          </a:p>
+          <a:p>
+            <a:pPr lvl="1">
               <a:buFont typeface="Arial" panose="020B0604020202020204" pitchFamily="34" charset="0"/>
               <a:buChar char="•"/>
             </a:pPr>
             <a:r>
               <a:rPr lang="sk-SK" dirty="0"/>
-              <a:t>Pracuje s Haarovými vlnkami, HOGom alebo LBP deskriptormi</a:t>
-            </a:r>
-          </a:p>
-          <a:p>
-            <a:pPr>
+              <a:t>Viola-</a:t>
+            </a:r>
+            <a:r>
+              <a:rPr lang="sk-SK" dirty="0" err="1"/>
+              <a:t>Jones</a:t>
+            </a:r>
+            <a:r>
+              <a:rPr lang="sk-SK" dirty="0"/>
+              <a:t> kaskáda</a:t>
+            </a:r>
+          </a:p>
+          <a:p>
+            <a:pPr lvl="1">
               <a:buFont typeface="Arial" panose="020B0604020202020204" pitchFamily="34" charset="0"/>
               <a:buChar char="•"/>
             </a:pPr>
             <a:r>
               <a:rPr lang="sk-SK" dirty="0"/>
-              <a:t>Využíva AdaBoost ako klasifikátor</a:t>
-            </a:r>
+              <a:t>MultiBoost – všeobecne využiteľná, veľké množstvo </a:t>
+            </a:r>
+            <a:r>
+              <a:rPr lang="sk-SK" dirty="0" err="1"/>
+              <a:t>deskriptorov</a:t>
+            </a:r>
+            <a:r>
+              <a:rPr lang="sk-SK" dirty="0"/>
+              <a:t> a </a:t>
+            </a:r>
+            <a:r>
+              <a:rPr lang="sk-SK" dirty="0" err="1"/>
+              <a:t>klasifikátorov</a:t>
+            </a:r>
+            <a:r>
+              <a:rPr lang="sk-SK" dirty="0"/>
+              <a:t> ale bez algoritmov na detekciu</a:t>
+            </a:r>
+          </a:p>
+          <a:p>
+            <a:r>
+              <a:rPr lang="sk-SK" dirty="0"/>
+              <a:t>Výber Viola-Jones kaskády kvôli:</a:t>
+            </a:r>
+          </a:p>
+          <a:p>
+            <a:pPr lvl="1">
+              <a:buFont typeface="Arial" panose="020B0604020202020204" pitchFamily="34" charset="0"/>
+              <a:buChar char="•"/>
+            </a:pPr>
+            <a:r>
+              <a:rPr lang="sk-SK" dirty="0"/>
+              <a:t>Rýchlosti</a:t>
+            </a:r>
+          </a:p>
+          <a:p>
+            <a:pPr lvl="1">
+              <a:buFont typeface="Arial" panose="020B0604020202020204" pitchFamily="34" charset="0"/>
+              <a:buChar char="•"/>
+            </a:pPr>
+            <a:r>
+              <a:rPr lang="sk-SK" dirty="0"/>
+              <a:t>Zameraná na detekciu v obraze – veľa prídavných nástrojov</a:t>
+            </a:r>
+          </a:p>
+          <a:p>
+            <a:pPr lvl="1">
+              <a:buFont typeface="Arial" panose="020B0604020202020204" pitchFamily="34" charset="0"/>
+              <a:buChar char="•"/>
+            </a:pPr>
+            <a:r>
+              <a:rPr lang="sk-SK" dirty="0"/>
+              <a:t>Rozšíriteľnosti – rozhranie na implementáciu nových </a:t>
+            </a:r>
+            <a:r>
+              <a:rPr lang="sk-SK" dirty="0" err="1"/>
+              <a:t>deskriptorov</a:t>
+            </a:r>
+            <a:endParaRPr lang="sk-SK" dirty="0"/>
+          </a:p>
+          <a:p>
+            <a:pPr lvl="1">
+              <a:buFont typeface="Arial" panose="020B0604020202020204" pitchFamily="34" charset="0"/>
+              <a:buChar char="•"/>
+            </a:pPr>
+            <a:r>
+              <a:rPr lang="sk-SK" dirty="0"/>
+              <a:t>Existujúcim súčastiam detekcie (CPU/GPU)</a:t>
+            </a:r>
+          </a:p>
+          <a:p>
+            <a:endParaRPr lang="sk-SK" dirty="0"/>
+          </a:p>
+        </p:txBody>
+      </p:sp>
+      <p:sp>
+        <p:nvSpPr>
+          <p:cNvPr id="4" name="Slide Number Placeholder 3"/>
+          <p:cNvSpPr>
+            <a:spLocks noGrp="1"/>
+          </p:cNvSpPr>
+          <p:nvPr>
+            <p:ph type="sldNum" sz="quarter" idx="12"/>
+          </p:nvPr>
+        </p:nvSpPr>
+        <p:spPr/>
+        <p:txBody>
+          <a:bodyPr/>
+          <a:lstStyle/>
+          <a:p>
+            <a:fld id="{636BBA97-DC0C-4E24-A4D9-865394CAD3F8}" type="slidenum">
+              <a:rPr lang="sk-SK" smtClean="0"/>
+              <a:t>7</a:t>
+            </a:fld>
+            <a:endParaRPr lang="sk-SK"/>
           </a:p>
         </p:txBody>
       </p:sp>
     </p:spTree>
     <p:extLst>
       <p:ext uri="{BB962C8B-B14F-4D97-AF65-F5344CB8AC3E}">
-        <p14:creationId xmlns:p14="http://schemas.microsoft.com/office/powerpoint/2010/main" val="3737104187"/>
+        <p14:creationId xmlns:p14="http://schemas.microsoft.com/office/powerpoint/2010/main" val="2370232142"/>
       </p:ext>
     </p:extLst>
   </p:cSld>
@@ -8521,8 +11749,13 @@
           <a:p>
             <a:r>
               <a:rPr lang="sk-SK" dirty="0"/>
-              <a:t>Vlastné pokusy</a:t>
-            </a:r>
+              <a:t>Analyzované </a:t>
+            </a:r>
+            <a:r>
+              <a:rPr lang="sk-SK" dirty="0" err="1"/>
+              <a:t>deskriptory</a:t>
+            </a:r>
+            <a:endParaRPr lang="sk-SK" dirty="0"/>
           </a:p>
         </p:txBody>
       </p:sp>
@@ -8542,46 +11775,154 @@
           <a:lstStyle/>
           <a:p>
             <a:r>
-              <a:rPr lang="sk-SK" dirty="0"/>
-              <a:t>Motivácia – detekcia futbalistov</a:t>
-            </a:r>
-          </a:p>
-          <a:p>
-            <a:r>
-              <a:rPr lang="sk-SK" dirty="0"/>
-              <a:t>Oboznámenie sa s rôznymi knižnicami a algoritmami</a:t>
-            </a:r>
-          </a:p>
-          <a:p>
-            <a:r>
-              <a:rPr lang="sk-SK" dirty="0"/>
-              <a:t>Snaha implementovať vlastnú kaskádu a vlastný deskriptor</a:t>
-            </a:r>
-          </a:p>
-          <a:p>
-            <a:r>
-              <a:rPr lang="sk-SK" dirty="0"/>
-              <a:t>Implementácia vlastnej správy dát a detectMultiScale algoritmu</a:t>
-            </a:r>
-          </a:p>
-          <a:p>
-            <a:r>
-              <a:rPr lang="sk-SK" dirty="0"/>
-              <a:t>Postup vyžadoval implementáciu veľkého počtu častí, ktoré už existujú</a:t>
-            </a:r>
-          </a:p>
-          <a:p>
-            <a:r>
-              <a:rPr lang="sk-SK" dirty="0"/>
-              <a:t>Rozhodnutie použiť existujúcu Viola-Jones kaskádu</a:t>
-            </a:r>
+              <a:rPr lang="sk-SK" dirty="0" err="1"/>
+              <a:t>Haarové</a:t>
+            </a:r>
+            <a:r>
+              <a:rPr lang="sk-SK" dirty="0"/>
+              <a:t> vlnky </a:t>
+            </a:r>
+            <a:r>
+              <a:rPr lang="en-US" dirty="0"/>
+              <a:t>[1]</a:t>
+            </a:r>
+            <a:endParaRPr lang="sk-SK" dirty="0"/>
+          </a:p>
+          <a:p>
+            <a:pPr lvl="1">
+              <a:buFont typeface="Arial" panose="020B0604020202020204" pitchFamily="34" charset="0"/>
+              <a:buChar char="•"/>
+            </a:pPr>
+            <a:r>
+              <a:rPr lang="sk-SK" dirty="0"/>
+              <a:t>Veľmi jednoduché a možnosť vygenerovať veľa, ale problém rôznorodosti</a:t>
+            </a:r>
+          </a:p>
+          <a:p>
+            <a:r>
+              <a:rPr lang="sk-SK" dirty="0" err="1"/>
+              <a:t>Histogram</a:t>
+            </a:r>
+            <a:r>
+              <a:rPr lang="sk-SK" dirty="0"/>
+              <a:t> of </a:t>
+            </a:r>
+            <a:r>
+              <a:rPr lang="sk-SK" dirty="0" err="1"/>
+              <a:t>Oriented</a:t>
+            </a:r>
+            <a:r>
+              <a:rPr lang="sk-SK" dirty="0"/>
+              <a:t> </a:t>
+            </a:r>
+            <a:r>
+              <a:rPr lang="sk-SK" dirty="0" err="1"/>
+              <a:t>Gradients</a:t>
+            </a:r>
+            <a:r>
+              <a:rPr lang="sk-SK" dirty="0"/>
+              <a:t> </a:t>
+            </a:r>
+            <a:r>
+              <a:rPr lang="en-US" dirty="0"/>
+              <a:t>[2]</a:t>
+            </a:r>
+            <a:endParaRPr lang="sk-SK" dirty="0"/>
+          </a:p>
+          <a:p>
+            <a:pPr lvl="1">
+              <a:buFont typeface="Arial" panose="020B0604020202020204" pitchFamily="34" charset="0"/>
+              <a:buChar char="•"/>
+            </a:pPr>
+            <a:r>
+              <a:rPr lang="sk-SK" dirty="0"/>
+              <a:t>Silná popisovacia vlastnosť, ale problém paralelizácie niektorých krokov</a:t>
+            </a:r>
+          </a:p>
+          <a:p>
+            <a:r>
+              <a:rPr lang="sk-SK" dirty="0"/>
+              <a:t>LiteHOG/</a:t>
+            </a:r>
+            <a:r>
+              <a:rPr lang="sk-SK" dirty="0" err="1"/>
+              <a:t>LiteHOG</a:t>
+            </a:r>
+            <a:r>
+              <a:rPr lang="sk-SK" dirty="0"/>
+              <a:t>+ </a:t>
+            </a:r>
+            <a:r>
+              <a:rPr lang="en-US" dirty="0"/>
+              <a:t>[3]</a:t>
+            </a:r>
+            <a:r>
+              <a:rPr lang="sk-SK" dirty="0"/>
+              <a:t>- zjednodušenie HOGu a použitie iných slabých klasifikátorov</a:t>
+            </a:r>
+          </a:p>
+          <a:p>
+            <a:r>
+              <a:rPr lang="sk-SK" dirty="0"/>
+              <a:t>SHOG/FDAHOG </a:t>
+            </a:r>
+            <a:r>
+              <a:rPr lang="en-US" dirty="0"/>
+              <a:t>[4]</a:t>
+            </a:r>
+            <a:r>
+              <a:rPr lang="sk-SK" dirty="0"/>
+              <a:t>– rozšírenie logiky LiteHOG+ so zámerom využiť plný potenciál procesora</a:t>
+            </a:r>
+          </a:p>
+          <a:p>
+            <a:r>
+              <a:rPr lang="sk-SK" dirty="0"/>
+              <a:t>Bol vybraný SHOG </a:t>
+            </a:r>
+            <a:r>
+              <a:rPr lang="sk-SK" dirty="0" err="1"/>
+              <a:t>deskriptor</a:t>
+            </a:r>
+            <a:r>
+              <a:rPr lang="sk-SK" dirty="0"/>
+              <a:t>, pretože poskytuje najlepšie vlastnosti podľa našich potrieb – silný, rýchly a použiteľný s </a:t>
+            </a:r>
+            <a:r>
+              <a:rPr lang="sk-SK" dirty="0" err="1"/>
+              <a:t>AdaBoostom</a:t>
+            </a:r>
+            <a:endParaRPr lang="sk-SK" dirty="0"/>
+          </a:p>
+        </p:txBody>
+      </p:sp>
+      <p:sp>
+        <p:nvSpPr>
+          <p:cNvPr id="4" name="Slide Number Placeholder 3"/>
+          <p:cNvSpPr>
+            <a:spLocks noGrp="1"/>
+          </p:cNvSpPr>
+          <p:nvPr>
+            <p:ph type="sldNum" sz="quarter" idx="12"/>
+          </p:nvPr>
+        </p:nvSpPr>
+        <p:spPr/>
+        <p:txBody>
+          <a:bodyPr/>
+          <a:lstStyle/>
+          <a:p>
+            <a:fld id="{636BBA97-DC0C-4E24-A4D9-865394CAD3F8}" type="slidenum">
+              <a:rPr lang="sk-SK" smtClean="0"/>
+              <a:t>8</a:t>
+            </a:fld>
+            <a:endParaRPr lang="sk-SK"/>
           </a:p>
         </p:txBody>
       </p:sp>
     </p:spTree>
     <p:extLst>
       <p:ext uri="{BB962C8B-B14F-4D97-AF65-F5344CB8AC3E}">
-        <p14:creationId xmlns:p14="http://schemas.microsoft.com/office/powerpoint/2010/main" val="702880137"/>
+        <p14:creationId xmlns:p14="http://schemas.microsoft.com/office/powerpoint/2010/main" val="1905402571"/>
       </p:ext>
     </p:extLst>
   </p:cSld>
@@ -8625,8 +11966,13 @@
           <a:p>
             <a:r>
               <a:rPr lang="sk-SK" dirty="0"/>
-              <a:t>Výber AdaBoostu a deskriptora</a:t>
-            </a:r>
+              <a:t>Implementácia </a:t>
+            </a:r>
+            <a:r>
+              <a:rPr lang="sk-SK" dirty="0" err="1"/>
+              <a:t>deskriptoru</a:t>
+            </a:r>
+            <a:endParaRPr lang="sk-SK" dirty="0"/>
           </a:p>
         </p:txBody>
       </p:sp>
@@ -8640,75 +11986,138 @@
             <p:ph idx="1"/>
           </p:nvPr>
         </p:nvSpPr>
-        <p:spPr/>
-        <p:txBody>
-          <a:bodyPr/>
+        <p:spPr>
+          <a:xfrm>
+            <a:off x="1104293" y="1511380"/>
+            <a:ext cx="8946541" cy="4818399"/>
+          </a:xfrm>
+        </p:spPr>
+        <p:txBody>
+          <a:bodyPr>
+            <a:normAutofit/>
+          </a:bodyPr>
           <a:lstStyle/>
           <a:p>
             <a:r>
               <a:rPr lang="sk-SK" dirty="0"/>
-              <a:t>Vyhodnotené 3 implementácie AdaBoostu – OpenCV 3.0, Viola-Jones kaskáda – boost, MultiBoost</a:t>
-            </a:r>
-          </a:p>
-          <a:p>
-            <a:r>
-              <a:rPr lang="sk-SK" dirty="0"/>
-              <a:t>Výber Viola-Jones kaskády kvôli:</a:t>
-            </a:r>
-          </a:p>
-          <a:p>
-            <a:pPr>
+              <a:t>Implementácia dvoch častí – tréningová časť a detekčná časť</a:t>
+            </a:r>
+          </a:p>
+          <a:p>
+            <a:r>
+              <a:rPr lang="sk-SK" dirty="0"/>
+              <a:t>Každá časť sa skladá z dvoch krokov – výpočtový a klasifikačný</a:t>
+            </a:r>
+          </a:p>
+          <a:p>
+            <a:r>
+              <a:rPr lang="sk-SK" dirty="0"/>
+              <a:t>Tréningová časť</a:t>
+            </a:r>
+          </a:p>
+          <a:p>
+            <a:pPr lvl="1">
               <a:buFont typeface="Arial" panose="020B0604020202020204" pitchFamily="34" charset="0"/>
               <a:buChar char="•"/>
             </a:pPr>
             <a:r>
               <a:rPr lang="sk-SK" dirty="0"/>
-              <a:t>Rýchlosti</a:t>
-            </a:r>
-          </a:p>
-          <a:p>
-            <a:pPr>
+              <a:t>Jednoduchá, pretože počíta </a:t>
+            </a:r>
+            <a:r>
+              <a:rPr lang="sk-SK" dirty="0" err="1"/>
+              <a:t>deskriptor</a:t>
+            </a:r>
+            <a:r>
+              <a:rPr lang="sk-SK" dirty="0"/>
+              <a:t> pre jeden výsek</a:t>
+            </a:r>
+          </a:p>
+          <a:p>
+            <a:r>
+              <a:rPr lang="sk-SK" dirty="0"/>
+              <a:t>Detekčná časť</a:t>
+            </a:r>
+          </a:p>
+          <a:p>
+            <a:pPr lvl="1">
               <a:buFont typeface="Arial" panose="020B0604020202020204" pitchFamily="34" charset="0"/>
               <a:buChar char="•"/>
             </a:pPr>
             <a:r>
               <a:rPr lang="sk-SK" dirty="0"/>
-              <a:t>Rozšíriteľnosti</a:t>
-            </a:r>
-          </a:p>
-          <a:p>
-            <a:pPr>
+              <a:t>Komplikovaná, pretože musí rýchlo počítať hodnoty pre rôzne detekčné okná</a:t>
+            </a:r>
+          </a:p>
+          <a:p>
+            <a:pPr lvl="1">
               <a:buFont typeface="Arial" panose="020B0604020202020204" pitchFamily="34" charset="0"/>
               <a:buChar char="•"/>
             </a:pPr>
             <a:r>
               <a:rPr lang="sk-SK" dirty="0"/>
-              <a:t>Existujúcim súčastiam (CPU/GPU)</a:t>
-            </a:r>
-          </a:p>
-          <a:p>
-            <a:r>
-              <a:rPr lang="sk-SK" dirty="0"/>
-              <a:t>Porovnávanie spomínaných deskriptorov podľa zdokumentovaných poznatkov</a:t>
-            </a:r>
-          </a:p>
-          <a:p>
-            <a:r>
-              <a:rPr lang="sk-SK" dirty="0"/>
-              <a:t>Výber SHOGu kvôli najlepším </a:t>
-            </a:r>
-            <a:r>
-              <a:rPr lang="sk-SK"/>
-              <a:t>potenciálnym vlastnostiam – rýchlosť, práca s pamäťou</a:t>
-            </a:r>
-            <a:endParaRPr lang="sk-SK" dirty="0"/>
+              <a:t>Bolo potrebné vytvoriť adresovanie pre prelínanie detekčných okien</a:t>
+            </a:r>
+          </a:p>
+          <a:p>
+            <a:pPr lvl="1">
+              <a:buFont typeface="Arial" panose="020B0604020202020204" pitchFamily="34" charset="0"/>
+              <a:buChar char="•"/>
+            </a:pPr>
+            <a:r>
+              <a:rPr lang="sk-SK" dirty="0"/>
+              <a:t>Musí sa starať o rôzne škály obrazu – náročná efektívna alokácia pamäte a prepočty čŕt</a:t>
+            </a:r>
+          </a:p>
+          <a:p>
+            <a:r>
+              <a:rPr lang="sk-SK" dirty="0"/>
+              <a:t>Výpočtový krok – výpočet SHOG </a:t>
+            </a:r>
+            <a:r>
+              <a:rPr lang="sk-SK" dirty="0" err="1"/>
+              <a:t>deskriptora</a:t>
+            </a:r>
+            <a:r>
+              <a:rPr lang="sk-SK" dirty="0"/>
+              <a:t> a uloženie do pamäte</a:t>
+            </a:r>
+          </a:p>
+          <a:p>
+            <a:r>
+              <a:rPr lang="sk-SK" dirty="0"/>
+              <a:t>Klasifikačný krok – prístup do pamäte na správne miesto</a:t>
+            </a:r>
+          </a:p>
+        </p:txBody>
+      </p:sp>
+      <p:sp>
+        <p:nvSpPr>
+          <p:cNvPr id="4" name="Slide Number Placeholder 3"/>
+          <p:cNvSpPr>
+            <a:spLocks noGrp="1"/>
+          </p:cNvSpPr>
+          <p:nvPr>
+            <p:ph type="sldNum" sz="quarter" idx="12"/>
+          </p:nvPr>
+        </p:nvSpPr>
+        <p:spPr/>
+        <p:txBody>
+          <a:bodyPr/>
+          <a:lstStyle/>
+          <a:p>
+            <a:fld id="{636BBA97-DC0C-4E24-A4D9-865394CAD3F8}" type="slidenum">
+              <a:rPr lang="sk-SK" smtClean="0"/>
+              <a:t>9</a:t>
+            </a:fld>
+            <a:endParaRPr lang="sk-SK"/>
           </a:p>
         </p:txBody>
       </p:sp>
     </p:spTree>
     <p:extLst>
       <p:ext uri="{BB962C8B-B14F-4D97-AF65-F5344CB8AC3E}">
-        <p14:creationId xmlns:p14="http://schemas.microsoft.com/office/powerpoint/2010/main" val="2370232142"/>
+        <p14:creationId xmlns:p14="http://schemas.microsoft.com/office/powerpoint/2010/main" val="2275073544"/>
       </p:ext>
     </p:extLst>
   </p:cSld>
@@ -8982,4 +12391,299 @@
     </a:ext>
   </a:extLst>
 </a:theme>
+</file>
+
+<file path=ppt/theme/theme2.xml><?xml version="1.0" encoding="utf-8"?>
+<a:theme xmlns:a="http://schemas.openxmlformats.org/drawingml/2006/main" name="Office Theme">
+  <a:themeElements>
+    <a:clrScheme name="Office">
+      <a:dk1>
+        <a:sysClr val="windowText" lastClr="000000"/>
+      </a:dk1>
+      <a:lt1>
+        <a:sysClr val="window" lastClr="FFFFFF"/>
+      </a:lt1>
+      <a:dk2>
+        <a:srgbClr val="44546A"/>
+      </a:dk2>
+      <a:lt2>
+        <a:srgbClr val="E7E6E6"/>
+      </a:lt2>
+      <a:accent1>
+        <a:srgbClr val="4472C4"/>
+      </a:accent1>
+      <a:accent2>
+        <a:srgbClr val="ED7D31"/>
+      </a:accent2>
+      <a:accent3>
+        <a:srgbClr val="A5A5A5"/>
+      </a:accent3>
+      <a:accent4>
+        <a:srgbClr val="FFC000"/>
+      </a:accent4>
+      <a:accent5>
+        <a:srgbClr val="5B9BD5"/>
+      </a:accent5>
+      <a:accent6>
+        <a:srgbClr val="70AD47"/>
+      </a:accent6>
+      <a:hlink>
+        <a:srgbClr val="0563C1"/>
+      </a:hlink>
+      <a:folHlink>
+        <a:srgbClr val="954F72"/>
+      </a:folHlink>
+    </a:clrScheme>
+    <a:fontScheme name="Office">
+      <a:majorFont>
+        <a:latin typeface="Calibri Light" panose="020F0302020204030204"/>
+        <a:ea typeface=""/>
+        <a:cs typeface=""/>
+        <a:font script="Jpan" typeface="游ゴシック Light"/>
+        <a:font script="Hang" typeface="맑은 고딕"/>
+        <a:font script="Hans" typeface="等线 Light"/>
+        <a:font script="Hant" typeface="新細明體"/>
+        <a:font script="Arab" typeface="Times New Roman"/>
+        <a:font script="Hebr" typeface="Times New Roman"/>
+        <a:font script="Thai" typeface="Angsana New"/>
+        <a:font script="Ethi" typeface="Nyala"/>
+        <a:font script="Beng" typeface="Vrinda"/>
+        <a:font script="Gujr" typeface="Shruti"/>
+        <a:font script="Khmr" typeface="MoolBoran"/>
+        <a:font script="Knda" typeface="Tunga"/>
+        <a:font script="Guru" typeface="Raavi"/>
+        <a:font script="Cans" typeface="Euphemia"/>
+        <a:font script="Cher" typeface="Plantagenet Cherokee"/>
+        <a:font script="Yiii" typeface="Microsoft Yi Baiti"/>
+        <a:font script="Tibt" typeface="Microsoft Himalaya"/>
+        <a:font script="Thaa" typeface="MV Boli"/>
+        <a:font script="Deva" typeface="Mangal"/>
+        <a:font script="Telu" typeface="Gautami"/>
+        <a:font script="Taml" typeface="Latha"/>
+        <a:font script="Syrc" typeface="Estrangelo Edessa"/>
+        <a:font script="Orya" typeface="Kalinga"/>
+        <a:font script="Mlym" typeface="Kartika"/>
+        <a:font script="Laoo" typeface="DokChampa"/>
+        <a:font script="Sinh" typeface="Iskoola Pota"/>
+        <a:font script="Mong" typeface="Mongolian Baiti"/>
+        <a:font script="Viet" typeface="Times New Roman"/>
+        <a:font script="Uigh" typeface="Microsoft Uighur"/>
+        <a:font script="Geor" typeface="Sylfaen"/>
+        <a:font script="Armn" typeface="Arial"/>
+        <a:font script="Bugi" typeface="Leelawadee UI"/>
+        <a:font script="Bopo" typeface="Microsoft JhengHei"/>
+        <a:font script="Java" typeface="Javanese Text"/>
+        <a:font script="Lisu" typeface="Segoe UI"/>
+        <a:font script="Mymr" typeface="Myanmar Text"/>
+        <a:font script="Nkoo" typeface="Ebrima"/>
+        <a:font script="Olck" typeface="Nirmala UI"/>
+        <a:font script="Osma" typeface="Ebrima"/>
+        <a:font script="Phag" typeface="Phagspa"/>
+        <a:font script="Syrn" typeface="Estrangelo Edessa"/>
+        <a:font script="Syrj" typeface="Estrangelo Edessa"/>
+        <a:font script="Syre" typeface="Estrangelo Edessa"/>
+        <a:font script="Sora" typeface="Nirmala UI"/>
+        <a:font script="Tale" typeface="Microsoft Tai Le"/>
+        <a:font script="Talu" typeface="Microsoft New Tai Lue"/>
+        <a:font script="Tfng" typeface="Ebrima"/>
+      </a:majorFont>
+      <a:minorFont>
+        <a:latin typeface="Calibri" panose="020F0502020204030204"/>
+        <a:ea typeface=""/>
+        <a:cs typeface=""/>
+        <a:font script="Jpan" typeface="游ゴシック"/>
+        <a:font script="Hang" typeface="맑은 고딕"/>
+        <a:font script="Hans" typeface="等线"/>
+        <a:font script="Hant" typeface="新細明體"/>
+        <a:font script="Arab" typeface="Arial"/>
+        <a:font script="Hebr" typeface="Arial"/>
+        <a:font script="Thai" typeface="Cordia New"/>
+        <a:font script="Ethi" typeface="Nyala"/>
+        <a:font script="Beng" typeface="Vrinda"/>
+        <a:font script="Gujr" typeface="Shruti"/>
+        <a:font script="Khmr" typeface="DaunPenh"/>
+        <a:font script="Knda" typeface="Tunga"/>
+        <a:font script="Guru" typeface="Raavi"/>
+        <a:font script="Cans" typeface="Euphemia"/>
+        <a:font script="Cher" typeface="Plantagenet Cherokee"/>
+        <a:font script="Yiii" typeface="Microsoft Yi Baiti"/>
+        <a:font script="Tibt" typeface="Microsoft Himalaya"/>
+        <a:font script="Thaa" typeface="MV Boli"/>
+        <a:font script="Deva" typeface="Mangal"/>
+        <a:font script="Telu" typeface="Gautami"/>
+        <a:font script="Taml" typeface="Latha"/>
+        <a:font script="Syrc" typeface="Estrangelo Edessa"/>
+        <a:font script="Orya" typeface="Kalinga"/>
+        <a:font script="Mlym" typeface="Kartika"/>
+        <a:font script="Laoo" typeface="DokChampa"/>
+        <a:font script="Sinh" typeface="Iskoola Pota"/>
+        <a:font script="Mong" typeface="Mongolian Baiti"/>
+        <a:font script="Viet" typeface="Arial"/>
+        <a:font script="Uigh" typeface="Microsoft Uighur"/>
+        <a:font script="Geor" typeface="Sylfaen"/>
+        <a:font script="Armn" typeface="Arial"/>
+        <a:font script="Bugi" typeface="Leelawadee UI"/>
+        <a:font script="Bopo" typeface="Microsoft JhengHei"/>
+        <a:font script="Java" typeface="Javanese Text"/>
+        <a:font script="Lisu" typeface="Segoe UI"/>
+        <a:font script="Mymr" typeface="Myanmar Text"/>
+        <a:font script="Nkoo" typeface="Ebrima"/>
+        <a:font script="Olck" typeface="Nirmala UI"/>
+        <a:font script="Osma" typeface="Ebrima"/>
+        <a:font script="Phag" typeface="Phagspa"/>
+        <a:font script="Syrn" typeface="Estrangelo Edessa"/>
+        <a:font script="Syrj" typeface="Estrangelo Edessa"/>
+        <a:font script="Syre" typeface="Estrangelo Edessa"/>
+        <a:font script="Sora" typeface="Nirmala UI"/>
+        <a:font script="Tale" typeface="Microsoft Tai Le"/>
+        <a:font script="Talu" typeface="Microsoft New Tai Lue"/>
+        <a:font script="Tfng" typeface="Ebrima"/>
+      </a:minorFont>
+    </a:fontScheme>
+    <a:fmtScheme name="Office">
+      <a:fillStyleLst>
+        <a:solidFill>
+          <a:schemeClr val="phClr"/>
+        </a:solidFill>
+        <a:gradFill rotWithShape="1">
+          <a:gsLst>
+            <a:gs pos="0">
+              <a:schemeClr val="phClr">
+                <a:lumMod val="110000"/>
+                <a:satMod val="105000"/>
+                <a:tint val="67000"/>
+              </a:schemeClr>
+            </a:gs>
+            <a:gs pos="50000">
+              <a:schemeClr val="phClr">
+                <a:lumMod val="105000"/>
+                <a:satMod val="103000"/>
+                <a:tint val="73000"/>
+              </a:schemeClr>
+            </a:gs>
+            <a:gs pos="100000">
+              <a:schemeClr val="phClr">
+                <a:lumMod val="105000"/>
+                <a:satMod val="109000"/>
+                <a:tint val="81000"/>
+              </a:schemeClr>
+            </a:gs>
+          </a:gsLst>
+          <a:lin ang="5400000" scaled="0"/>
+        </a:gradFill>
+        <a:gradFill rotWithShape="1">
+          <a:gsLst>
+            <a:gs pos="0">
+              <a:schemeClr val="phClr">
+                <a:satMod val="103000"/>
+                <a:lumMod val="102000"/>
+                <a:tint val="94000"/>
+              </a:schemeClr>
+            </a:gs>
+            <a:gs pos="50000">
+              <a:schemeClr val="phClr">
+                <a:satMod val="110000"/>
+                <a:lumMod val="100000"/>
+                <a:shade val="100000"/>
+              </a:schemeClr>
+            </a:gs>
+            <a:gs pos="100000">
+              <a:schemeClr val="phClr">
+                <a:lumMod val="99000"/>
+                <a:satMod val="120000"/>
+                <a:shade val="78000"/>
+              </a:schemeClr>
+            </a:gs>
+          </a:gsLst>
+          <a:lin ang="5400000" scaled="0"/>
+        </a:gradFill>
+      </a:fillStyleLst>
+      <a:lnStyleLst>
+        <a:ln w="6350" cap="flat" cmpd="sng" algn="ctr">
+          <a:solidFill>
+            <a:schemeClr val="phClr"/>
+          </a:solidFill>
+          <a:prstDash val="solid"/>
+          <a:miter lim="800000"/>
+        </a:ln>
+        <a:ln w="12700" cap="flat" cmpd="sng" algn="ctr">
+          <a:solidFill>
+            <a:schemeClr val="phClr"/>
+          </a:solidFill>
+          <a:prstDash val="solid"/>
+          <a:miter lim="800000"/>
+        </a:ln>
+        <a:ln w="19050" cap="flat" cmpd="sng" algn="ctr">
+          <a:solidFill>
+            <a:schemeClr val="phClr"/>
+          </a:solidFill>
+          <a:prstDash val="solid"/>
+          <a:miter lim="800000"/>
+        </a:ln>
+      </a:lnStyleLst>
+      <a:effectStyleLst>
+        <a:effectStyle>
+          <a:effectLst/>
+        </a:effectStyle>
+        <a:effectStyle>
+          <a:effectLst/>
+        </a:effectStyle>
+        <a:effectStyle>
+          <a:effectLst>
+            <a:outerShdw blurRad="57150" dist="19050" dir="5400000" algn="ctr" rotWithShape="0">
+              <a:srgbClr val="000000">
+                <a:alpha val="63000"/>
+              </a:srgbClr>
+            </a:outerShdw>
+          </a:effectLst>
+        </a:effectStyle>
+      </a:effectStyleLst>
+      <a:bgFillStyleLst>
+        <a:solidFill>
+          <a:schemeClr val="phClr"/>
+        </a:solidFill>
+        <a:solidFill>
+          <a:schemeClr val="phClr">
+            <a:tint val="95000"/>
+            <a:satMod val="170000"/>
+          </a:schemeClr>
+        </a:solidFill>
+        <a:gradFill rotWithShape="1">
+          <a:gsLst>
+            <a:gs pos="0">
+              <a:schemeClr val="phClr">
+                <a:tint val="93000"/>
+                <a:satMod val="150000"/>
+                <a:shade val="98000"/>
+                <a:lumMod val="102000"/>
+              </a:schemeClr>
+            </a:gs>
+            <a:gs pos="50000">
+              <a:schemeClr val="phClr">
+                <a:tint val="98000"/>
+                <a:satMod val="130000"/>
+                <a:shade val="90000"/>
+                <a:lumMod val="103000"/>
+              </a:schemeClr>
+            </a:gs>
+            <a:gs pos="100000">
+              <a:schemeClr val="phClr">
+                <a:shade val="63000"/>
+                <a:satMod val="120000"/>
+              </a:schemeClr>
+            </a:gs>
+          </a:gsLst>
+          <a:lin ang="5400000" scaled="0"/>
+        </a:gradFill>
+      </a:bgFillStyleLst>
+    </a:fmtScheme>
+  </a:themeElements>
+  <a:objectDefaults/>
+  <a:extraClrSchemeLst/>
+  <a:extLst>
+    <a:ext uri="{05A4C25C-085E-4340-85A3-A5531E510DB2}">
+      <thm15:themeFamily xmlns:thm15="http://schemas.microsoft.com/office/thememl/2012/main" name="Office Theme" id="{62F939B6-93AF-4DB8-9C6B-D6C7DFDC589F}" vid="{4A3C46E8-61CC-4603-A589-7422A47A8E4A}"/>
+    </a:ext>
+  </a:extLst>
+</a:theme>
 </file>